--- a/Slides/Combined.pptx
+++ b/Slides/Combined.pptx
@@ -15,20 +15,18 @@
     <p:sldId id="277" r:id="rId9"/>
     <p:sldId id="278" r:id="rId10"/>
     <p:sldId id="279" r:id="rId11"/>
-    <p:sldId id="280" r:id="rId12"/>
-    <p:sldId id="281" r:id="rId13"/>
-    <p:sldId id="282" r:id="rId14"/>
-    <p:sldId id="283" r:id="rId15"/>
-    <p:sldId id="284" r:id="rId16"/>
-    <p:sldId id="285" r:id="rId17"/>
-    <p:sldId id="257" r:id="rId18"/>
-    <p:sldId id="267" r:id="rId19"/>
-    <p:sldId id="260" r:id="rId20"/>
-    <p:sldId id="259" r:id="rId21"/>
-    <p:sldId id="270" r:id="rId22"/>
-    <p:sldId id="268" r:id="rId23"/>
-    <p:sldId id="258" r:id="rId24"/>
-    <p:sldId id="269" r:id="rId25"/>
+    <p:sldId id="282" r:id="rId12"/>
+    <p:sldId id="283" r:id="rId13"/>
+    <p:sldId id="284" r:id="rId14"/>
+    <p:sldId id="285" r:id="rId15"/>
+    <p:sldId id="257" r:id="rId16"/>
+    <p:sldId id="267" r:id="rId17"/>
+    <p:sldId id="260" r:id="rId18"/>
+    <p:sldId id="259" r:id="rId19"/>
+    <p:sldId id="270" r:id="rId20"/>
+    <p:sldId id="268" r:id="rId21"/>
+    <p:sldId id="258" r:id="rId22"/>
+    <p:sldId id="269" r:id="rId23"/>
   </p:sldIdLst>
   <p:sldSz cx="12192000" cy="6858000"/>
   <p:notesSz cx="6858000" cy="9144000"/>
@@ -5036,1116 +5034,6 @@
           <a:p>
             <a:r>
               <a:rPr lang="tr-TR" dirty="0" err="1"/>
-              <a:t>Performance</a:t>
-            </a:r>
-            <a:r>
-              <a:rPr lang="tr-TR" dirty="0"/>
-              <a:t> </a:t>
-            </a:r>
-            <a:r>
-              <a:rPr lang="tr-TR" dirty="0" err="1"/>
-              <a:t>Problems</a:t>
-            </a:r>
-            <a:endParaRPr lang="en-US" dirty="0"/>
-          </a:p>
-        </p:txBody>
-      </p:sp>
-      <p:sp>
-        <p:nvSpPr>
-          <p:cNvPr id="8" name="Metin kutusu 7">
-            <a:extLst>
-              <a:ext uri="{FF2B5EF4-FFF2-40B4-BE49-F238E27FC236}">
-                <a16:creationId xmlns:a16="http://schemas.microsoft.com/office/drawing/2014/main" id="{C0A49393-094B-426D-892E-075680BE8640}"/>
-              </a:ext>
-            </a:extLst>
-          </p:cNvPr>
-          <p:cNvSpPr txBox="1"/>
-          <p:nvPr/>
-        </p:nvSpPr>
-        <p:spPr>
-          <a:xfrm>
-            <a:off x="6256422" y="1845734"/>
-            <a:ext cx="5558588" cy="5268109"/>
-          </a:xfrm>
-          <a:prstGeom prst="rect">
-            <a:avLst/>
-          </a:prstGeom>
-          <a:noFill/>
-        </p:spPr>
-        <p:txBody>
-          <a:bodyPr wrap="square" rtlCol="0">
-            <a:spAutoFit/>
-          </a:bodyPr>
-          <a:lstStyle/>
-          <a:p>
-            <a:pPr marL="285750" indent="-285750" defTabSz="914400">
-              <a:spcBef>
-                <a:spcPts val="200"/>
-              </a:spcBef>
-              <a:spcAft>
-                <a:spcPts val="400"/>
-              </a:spcAft>
-              <a:buClr>
-                <a:schemeClr val="accent1"/>
-              </a:buClr>
-              <a:buFont typeface="Wingdings" panose="05000000000000000000" pitchFamily="2" charset="2"/>
-              <a:buChar char="Ø"/>
-            </a:pPr>
-            <a:r>
-              <a:rPr lang="tr-TR" b="1" dirty="0">
-                <a:solidFill>
-                  <a:schemeClr val="tx1">
-                    <a:lumMod val="75000"/>
-                    <a:lumOff val="25000"/>
-                  </a:schemeClr>
-                </a:solidFill>
-              </a:rPr>
-              <a:t>Part</a:t>
-            </a:r>
-            <a:r>
-              <a:rPr lang="en-US" b="1" dirty="0">
-                <a:solidFill>
-                  <a:schemeClr val="tx1">
-                    <a:lumMod val="75000"/>
-                    <a:lumOff val="25000"/>
-                  </a:schemeClr>
-                </a:solidFill>
-              </a:rPr>
-              <a:t>-</a:t>
-            </a:r>
-            <a:r>
-              <a:rPr lang="tr-TR" b="1" dirty="0">
-                <a:solidFill>
-                  <a:schemeClr val="tx1">
-                    <a:lumMod val="75000"/>
-                    <a:lumOff val="25000"/>
-                  </a:schemeClr>
-                </a:solidFill>
-              </a:rPr>
-              <a:t>of</a:t>
-            </a:r>
-            <a:r>
-              <a:rPr lang="en-US" b="1" dirty="0">
-                <a:solidFill>
-                  <a:schemeClr val="tx1">
-                    <a:lumMod val="75000"/>
-                    <a:lumOff val="25000"/>
-                  </a:schemeClr>
-                </a:solidFill>
-              </a:rPr>
-              <a:t>-</a:t>
-            </a:r>
-            <a:r>
-              <a:rPr lang="tr-TR" b="1" dirty="0">
-                <a:solidFill>
-                  <a:schemeClr val="tx1">
-                    <a:lumMod val="75000"/>
-                    <a:lumOff val="25000"/>
-                  </a:schemeClr>
-                </a:solidFill>
-              </a:rPr>
-              <a:t>speech tagging can be applied to first sentence</a:t>
-            </a:r>
-          </a:p>
-          <a:p>
-            <a:pPr defTabSz="914400">
-              <a:spcBef>
-                <a:spcPts val="200"/>
-              </a:spcBef>
-              <a:spcAft>
-                <a:spcPts val="400"/>
-              </a:spcAft>
-              <a:buClr>
-                <a:schemeClr val="accent1"/>
-              </a:buClr>
-              <a:buFont typeface="Wingdings" panose="05000000000000000000" pitchFamily="2" charset="2"/>
-            </a:pPr>
-            <a:endParaRPr lang="tr-TR" altLang="en-US" b="1" dirty="0">
-              <a:solidFill>
-                <a:schemeClr val="tx1">
-                  <a:lumMod val="75000"/>
-                  <a:lumOff val="25000"/>
-                </a:schemeClr>
-              </a:solidFill>
-            </a:endParaRPr>
-          </a:p>
-          <a:p>
-            <a:pPr marL="285750" indent="-285750" defTabSz="914400">
-              <a:spcBef>
-                <a:spcPts val="200"/>
-              </a:spcBef>
-              <a:spcAft>
-                <a:spcPts val="400"/>
-              </a:spcAft>
-              <a:buClr>
-                <a:schemeClr val="accent1"/>
-              </a:buClr>
-              <a:buFont typeface="Wingdings" panose="05000000000000000000" pitchFamily="2" charset="2"/>
-              <a:buChar char="Ø"/>
-            </a:pPr>
-            <a:r>
-              <a:rPr lang="tr-TR" altLang="en-US" b="1" dirty="0">
-                <a:solidFill>
-                  <a:schemeClr val="tx1">
-                    <a:lumMod val="75000"/>
-                    <a:lumOff val="25000"/>
-                  </a:schemeClr>
-                </a:solidFill>
-              </a:rPr>
-              <a:t>Test = ‘</a:t>
-            </a:r>
-            <a:r>
-              <a:rPr lang="en-US" altLang="en-US" b="1" dirty="0">
-                <a:solidFill>
-                  <a:schemeClr val="tx1">
-                    <a:lumMod val="75000"/>
-                    <a:lumOff val="25000"/>
-                  </a:schemeClr>
-                </a:solidFill>
-              </a:rPr>
-              <a:t>placenta of a 38-year-old secondary recurrent </a:t>
-            </a:r>
-            <a:r>
-              <a:rPr lang="en-US" altLang="en-US" b="1" dirty="0" err="1">
-                <a:solidFill>
-                  <a:schemeClr val="tx1">
-                    <a:lumMod val="75000"/>
-                    <a:lumOff val="25000"/>
-                  </a:schemeClr>
-                </a:solidFill>
-              </a:rPr>
-              <a:t>aborter</a:t>
-            </a:r>
-            <a:r>
-              <a:rPr lang="en-US" altLang="en-US" b="1" dirty="0">
-                <a:solidFill>
-                  <a:schemeClr val="tx1">
-                    <a:lumMod val="75000"/>
-                    <a:lumOff val="25000"/>
-                  </a:schemeClr>
-                </a:solidFill>
-              </a:rPr>
-              <a:t> </a:t>
-            </a:r>
-            <a:r>
-              <a:rPr lang="tr-TR" altLang="en-US" b="1" dirty="0">
-                <a:solidFill>
-                  <a:schemeClr val="tx1">
-                    <a:lumMod val="75000"/>
-                    <a:lumOff val="25000"/>
-                  </a:schemeClr>
-                </a:solidFill>
-              </a:rPr>
-              <a:t>‘</a:t>
-            </a:r>
-          </a:p>
-          <a:p>
-            <a:pPr defTabSz="914400">
-              <a:spcBef>
-                <a:spcPts val="200"/>
-              </a:spcBef>
-              <a:spcAft>
-                <a:spcPts val="400"/>
-              </a:spcAft>
-              <a:buClr>
-                <a:schemeClr val="accent1"/>
-              </a:buClr>
-              <a:buFont typeface="Wingdings" panose="05000000000000000000" pitchFamily="2" charset="2"/>
-            </a:pPr>
-            <a:endParaRPr lang="en-US" altLang="en-US" b="1" dirty="0">
-              <a:solidFill>
-                <a:schemeClr val="tx1">
-                  <a:lumMod val="75000"/>
-                  <a:lumOff val="25000"/>
-                </a:schemeClr>
-              </a:solidFill>
-            </a:endParaRPr>
-          </a:p>
-          <a:p>
-            <a:pPr marL="285750" indent="-285750" defTabSz="914400">
-              <a:spcBef>
-                <a:spcPts val="200"/>
-              </a:spcBef>
-              <a:spcAft>
-                <a:spcPts val="400"/>
-              </a:spcAft>
-              <a:buClr>
-                <a:schemeClr val="accent1"/>
-              </a:buClr>
-              <a:buFont typeface="Wingdings" panose="05000000000000000000" pitchFamily="2" charset="2"/>
-              <a:buChar char="Ø"/>
-            </a:pPr>
-            <a:r>
-              <a:rPr lang="en-US" altLang="en-US" b="1" dirty="0">
-                <a:solidFill>
-                  <a:schemeClr val="tx1">
-                    <a:lumMod val="75000"/>
-                    <a:lumOff val="25000"/>
-                  </a:schemeClr>
-                </a:solidFill>
-              </a:rPr>
-              <a:t>(S (NP placenta/NN) of/IN (NP a/DT 38-year-old/JJ secondary/JJ recurrent/NN) (NP </a:t>
-            </a:r>
-            <a:r>
-              <a:rPr lang="en-US" altLang="en-US" b="1" dirty="0" err="1">
-                <a:solidFill>
-                  <a:schemeClr val="tx1">
-                    <a:lumMod val="75000"/>
-                    <a:lumOff val="25000"/>
-                  </a:schemeClr>
-                </a:solidFill>
-              </a:rPr>
-              <a:t>aborter</a:t>
-            </a:r>
-            <a:r>
-              <a:rPr lang="en-US" altLang="en-US" b="1" dirty="0">
-                <a:solidFill>
-                  <a:schemeClr val="tx1">
-                    <a:lumMod val="75000"/>
-                    <a:lumOff val="25000"/>
-                  </a:schemeClr>
-                </a:solidFill>
-              </a:rPr>
-              <a:t>/NN))</a:t>
-            </a:r>
-            <a:endParaRPr lang="tr-TR" altLang="en-US" b="1" dirty="0">
-              <a:solidFill>
-                <a:schemeClr val="tx1">
-                  <a:lumMod val="75000"/>
-                  <a:lumOff val="25000"/>
-                </a:schemeClr>
-              </a:solidFill>
-            </a:endParaRPr>
-          </a:p>
-          <a:p>
-            <a:pPr defTabSz="914400">
-              <a:spcBef>
-                <a:spcPts val="200"/>
-              </a:spcBef>
-              <a:spcAft>
-                <a:spcPts val="400"/>
-              </a:spcAft>
-              <a:buClr>
-                <a:schemeClr val="accent1"/>
-              </a:buClr>
-              <a:buFont typeface="Wingdings" panose="05000000000000000000" pitchFamily="2" charset="2"/>
-            </a:pPr>
-            <a:endParaRPr lang="tr-TR" b="1" dirty="0">
-              <a:solidFill>
-                <a:schemeClr val="tx1">
-                  <a:lumMod val="75000"/>
-                  <a:lumOff val="25000"/>
-                </a:schemeClr>
-              </a:solidFill>
-            </a:endParaRPr>
-          </a:p>
-          <a:p>
-            <a:pPr defTabSz="914400">
-              <a:spcBef>
-                <a:spcPts val="200"/>
-              </a:spcBef>
-              <a:spcAft>
-                <a:spcPts val="400"/>
-              </a:spcAft>
-              <a:buClr>
-                <a:schemeClr val="accent1"/>
-              </a:buClr>
-              <a:buFont typeface="Wingdings" panose="05000000000000000000" pitchFamily="2" charset="2"/>
-            </a:pPr>
-            <a:r>
-              <a:rPr lang="tr-TR" b="1" dirty="0">
-                <a:solidFill>
-                  <a:schemeClr val="tx1">
-                    <a:lumMod val="75000"/>
-                    <a:lumOff val="25000"/>
-                  </a:schemeClr>
-                </a:solidFill>
-              </a:rPr>
-              <a:t>JJ : adjective</a:t>
-            </a:r>
-          </a:p>
-          <a:p>
-            <a:pPr defTabSz="914400">
-              <a:spcBef>
-                <a:spcPts val="200"/>
-              </a:spcBef>
-              <a:spcAft>
-                <a:spcPts val="400"/>
-              </a:spcAft>
-              <a:buClr>
-                <a:schemeClr val="accent1"/>
-              </a:buClr>
-              <a:buFont typeface="Wingdings" panose="05000000000000000000" pitchFamily="2" charset="2"/>
-            </a:pPr>
-            <a:r>
-              <a:rPr lang="tr-TR" b="1" dirty="0">
-                <a:solidFill>
-                  <a:schemeClr val="tx1">
-                    <a:lumMod val="75000"/>
-                    <a:lumOff val="25000"/>
-                  </a:schemeClr>
-                </a:solidFill>
-              </a:rPr>
-              <a:t>NP: noun phrase</a:t>
-            </a:r>
-          </a:p>
-          <a:p>
-            <a:pPr defTabSz="914400">
-              <a:spcBef>
-                <a:spcPts val="200"/>
-              </a:spcBef>
-              <a:spcAft>
-                <a:spcPts val="400"/>
-              </a:spcAft>
-              <a:buClr>
-                <a:schemeClr val="accent1"/>
-              </a:buClr>
-              <a:buFont typeface="Wingdings" panose="05000000000000000000" pitchFamily="2" charset="2"/>
-            </a:pPr>
-            <a:r>
-              <a:rPr lang="tr-TR" b="1" dirty="0">
-                <a:solidFill>
-                  <a:schemeClr val="tx1">
-                    <a:lumMod val="75000"/>
-                    <a:lumOff val="25000"/>
-                  </a:schemeClr>
-                </a:solidFill>
-              </a:rPr>
-              <a:t>S: sentence</a:t>
-            </a:r>
-          </a:p>
-          <a:p>
-            <a:pPr defTabSz="914400">
-              <a:spcBef>
-                <a:spcPts val="200"/>
-              </a:spcBef>
-              <a:spcAft>
-                <a:spcPts val="400"/>
-              </a:spcAft>
-              <a:buClr>
-                <a:schemeClr val="accent1"/>
-              </a:buClr>
-              <a:buFont typeface="Wingdings" panose="05000000000000000000" pitchFamily="2" charset="2"/>
-            </a:pPr>
-            <a:r>
-              <a:rPr lang="tr-TR" b="1" dirty="0">
-                <a:solidFill>
-                  <a:schemeClr val="tx1">
-                    <a:lumMod val="75000"/>
-                    <a:lumOff val="25000"/>
-                  </a:schemeClr>
-                </a:solidFill>
-              </a:rPr>
-              <a:t>DT: determiner</a:t>
-            </a:r>
-          </a:p>
-          <a:p>
-            <a:endParaRPr lang="tr-TR" dirty="0"/>
-          </a:p>
-          <a:p>
-            <a:endParaRPr lang="tr-TR" dirty="0"/>
-          </a:p>
-          <a:p>
-            <a:endParaRPr lang="en-US" dirty="0"/>
-          </a:p>
-        </p:txBody>
-      </p:sp>
-      <p:sp>
-        <p:nvSpPr>
-          <p:cNvPr id="10" name="Rectangle 2">
-            <a:extLst>
-              <a:ext uri="{FF2B5EF4-FFF2-40B4-BE49-F238E27FC236}">
-                <a16:creationId xmlns:a16="http://schemas.microsoft.com/office/drawing/2014/main" id="{533397CC-4E35-4F67-A77E-718FD9C60735}"/>
-              </a:ext>
-            </a:extLst>
-          </p:cNvPr>
-          <p:cNvSpPr>
-            <a:spLocks noChangeArrowheads="1"/>
-          </p:cNvSpPr>
-          <p:nvPr/>
-        </p:nvSpPr>
-        <p:spPr bwMode="auto">
-          <a:xfrm>
-            <a:off x="0" y="90100"/>
-            <a:ext cx="65" cy="276999"/>
-          </a:xfrm>
-          <a:prstGeom prst="rect">
-            <a:avLst/>
-          </a:prstGeom>
-          <a:solidFill>
-            <a:srgbClr val="FFFFFF"/>
-          </a:solidFill>
-          <a:ln>
-            <a:noFill/>
-          </a:ln>
-          <a:effectLst/>
-          <a:extLst>
-            <a:ext uri="{91240B29-F687-4F45-9708-019B960494DF}">
-              <a14:hiddenLine xmlns:a14="http://schemas.microsoft.com/office/drawing/2010/main" w="9525">
-                <a:solidFill>
-                  <a:schemeClr val="tx1"/>
-                </a:solidFill>
-                <a:miter lim="800000"/>
-                <a:headEnd/>
-                <a:tailEnd/>
-              </a14:hiddenLine>
-            </a:ext>
-            <a:ext uri="{AF507438-7753-43E0-B8FC-AC1667EBCBE1}">
-              <a14:hiddenEffects xmlns:a14="http://schemas.microsoft.com/office/drawing/2010/main">
-                <a:effectLst>
-                  <a:outerShdw dist="35921" dir="2700000" algn="ctr" rotWithShape="0">
-                    <a:schemeClr val="bg2"/>
-                  </a:outerShdw>
-                </a:effectLst>
-              </a14:hiddenEffects>
-            </a:ext>
-          </a:extLst>
-        </p:spPr>
-        <p:txBody>
-          <a:bodyPr vert="horz" wrap="none" lIns="0" tIns="0" rIns="0" bIns="0" numCol="1" anchor="ctr" anchorCtr="0" compatLnSpc="1">
-            <a:prstTxWarp prst="textNoShape">
-              <a:avLst/>
-            </a:prstTxWarp>
-            <a:spAutoFit/>
-          </a:bodyPr>
-          <a:lstStyle/>
-          <a:p>
-            <a:pPr marL="0" marR="0" lvl="0" indent="0" algn="l" defTabSz="914400" rtl="0" eaLnBrk="0" fontAlgn="base" latinLnBrk="0" hangingPunct="0">
-              <a:lnSpc>
-                <a:spcPct val="100000"/>
-              </a:lnSpc>
-              <a:spcBef>
-                <a:spcPct val="0"/>
-              </a:spcBef>
-              <a:spcAft>
-                <a:spcPct val="0"/>
-              </a:spcAft>
-              <a:buClrTx/>
-              <a:buSzTx/>
-              <a:buFontTx/>
-              <a:buNone/>
-              <a:tabLst/>
-            </a:pPr>
-            <a:endParaRPr kumimoji="0" lang="en-US" altLang="en-US" sz="1800" b="0" i="0" u="none" strike="noStrike" cap="none" normalizeH="0" baseline="0" dirty="0">
-              <a:ln>
-                <a:noFill/>
-              </a:ln>
-              <a:solidFill>
-                <a:schemeClr val="tx1"/>
-              </a:solidFill>
-              <a:effectLst/>
-              <a:latin typeface="Arial" panose="020B0604020202020204" pitchFamily="34" charset="0"/>
-            </a:endParaRPr>
-          </a:p>
-        </p:txBody>
-      </p:sp>
-      <p:sp>
-        <p:nvSpPr>
-          <p:cNvPr id="12" name="Rectangle 4">
-            <a:extLst>
-              <a:ext uri="{FF2B5EF4-FFF2-40B4-BE49-F238E27FC236}">
-                <a16:creationId xmlns:a16="http://schemas.microsoft.com/office/drawing/2014/main" id="{7B0EA3CF-2A11-4ECA-9AA4-18D17A9BE32F}"/>
-              </a:ext>
-            </a:extLst>
-          </p:cNvPr>
-          <p:cNvSpPr>
-            <a:spLocks noChangeArrowheads="1"/>
-          </p:cNvSpPr>
-          <p:nvPr/>
-        </p:nvSpPr>
-        <p:spPr bwMode="auto">
-          <a:xfrm>
-            <a:off x="0" y="143961"/>
-            <a:ext cx="32060" cy="169277"/>
-          </a:xfrm>
-          <a:prstGeom prst="rect">
-            <a:avLst/>
-          </a:prstGeom>
-          <a:solidFill>
-            <a:srgbClr val="FFFFFF"/>
-          </a:solidFill>
-          <a:ln>
-            <a:noFill/>
-          </a:ln>
-          <a:effectLst/>
-          <a:extLst>
-            <a:ext uri="{91240B29-F687-4F45-9708-019B960494DF}">
-              <a14:hiddenLine xmlns:a14="http://schemas.microsoft.com/office/drawing/2010/main" w="9525">
-                <a:solidFill>
-                  <a:schemeClr val="tx1"/>
-                </a:solidFill>
-                <a:miter lim="800000"/>
-                <a:headEnd/>
-                <a:tailEnd/>
-              </a14:hiddenLine>
-            </a:ext>
-            <a:ext uri="{AF507438-7753-43E0-B8FC-AC1667EBCBE1}">
-              <a14:hiddenEffects xmlns:a14="http://schemas.microsoft.com/office/drawing/2010/main">
-                <a:effectLst>
-                  <a:outerShdw dist="35921" dir="2700000" algn="ctr" rotWithShape="0">
-                    <a:schemeClr val="bg2"/>
-                  </a:outerShdw>
-                </a:effectLst>
-              </a14:hiddenEffects>
-            </a:ext>
-          </a:extLst>
-        </p:spPr>
-        <p:txBody>
-          <a:bodyPr vert="horz" wrap="none" lIns="0" tIns="0" rIns="0" bIns="0" numCol="1" anchor="ctr" anchorCtr="0" compatLnSpc="1">
-            <a:prstTxWarp prst="textNoShape">
-              <a:avLst/>
-            </a:prstTxWarp>
-            <a:spAutoFit/>
-          </a:bodyPr>
-          <a:lstStyle/>
-          <a:p>
-            <a:pPr marL="0" marR="0" lvl="0" indent="0" algn="l" defTabSz="914400" rtl="0" eaLnBrk="0" fontAlgn="base" latinLnBrk="0" hangingPunct="0">
-              <a:lnSpc>
-                <a:spcPct val="100000"/>
-              </a:lnSpc>
-              <a:spcBef>
-                <a:spcPct val="0"/>
-              </a:spcBef>
-              <a:spcAft>
-                <a:spcPct val="0"/>
-              </a:spcAft>
-              <a:buClrTx/>
-              <a:buSzTx/>
-              <a:buFontTx/>
-              <a:buNone/>
-              <a:tabLst/>
-            </a:pPr>
-            <a:r>
-              <a:rPr kumimoji="0" lang="en-US" altLang="en-US" sz="1100" b="0" i="0" u="none" strike="noStrike" cap="none" normalizeH="0" baseline="0" dirty="0">
-                <a:ln>
-                  <a:noFill/>
-                </a:ln>
-                <a:solidFill>
-                  <a:schemeClr val="tx1"/>
-                </a:solidFill>
-                <a:effectLst/>
-              </a:rPr>
-              <a:t> </a:t>
-            </a:r>
-            <a:endParaRPr kumimoji="0" lang="en-US" altLang="en-US" sz="1800" b="0" i="0" u="none" strike="noStrike" cap="none" normalizeH="0" baseline="0" dirty="0">
-              <a:ln>
-                <a:noFill/>
-              </a:ln>
-              <a:solidFill>
-                <a:schemeClr val="tx1"/>
-              </a:solidFill>
-              <a:effectLst/>
-              <a:latin typeface="Arial" panose="020B0604020202020204" pitchFamily="34" charset="0"/>
-            </a:endParaRPr>
-          </a:p>
-        </p:txBody>
-      </p:sp>
-      <p:pic>
-        <p:nvPicPr>
-          <p:cNvPr id="4" name="Resim 3">
-            <a:extLst>
-              <a:ext uri="{FF2B5EF4-FFF2-40B4-BE49-F238E27FC236}">
-                <a16:creationId xmlns:a16="http://schemas.microsoft.com/office/drawing/2014/main" id="{C94D05BC-038B-485C-A242-E48564D9A2E1}"/>
-              </a:ext>
-            </a:extLst>
-          </p:cNvPr>
-          <p:cNvPicPr>
-            <a:picLocks noChangeAspect="1"/>
-          </p:cNvPicPr>
-          <p:nvPr/>
-        </p:nvPicPr>
-        <p:blipFill>
-          <a:blip r:embed="rId2"/>
-          <a:stretch>
-            <a:fillRect/>
-          </a:stretch>
-        </p:blipFill>
-        <p:spPr>
-          <a:xfrm>
-            <a:off x="1097280" y="2303992"/>
-            <a:ext cx="5119659" cy="2250016"/>
-          </a:xfrm>
-          <a:prstGeom prst="rect">
-            <a:avLst/>
-          </a:prstGeom>
-        </p:spPr>
-      </p:pic>
-    </p:spTree>
-    <p:extLst>
-      <p:ext uri="{BB962C8B-B14F-4D97-AF65-F5344CB8AC3E}">
-        <p14:creationId xmlns:p14="http://schemas.microsoft.com/office/powerpoint/2010/main" val="3320780258"/>
-      </p:ext>
-    </p:extLst>
-  </p:cSld>
-  <p:clrMapOvr>
-    <a:masterClrMapping/>
-  </p:clrMapOvr>
-</p:sld>
-</file>
-
-<file path=ppt/slides/slide12.xml><?xml version="1.0" encoding="utf-8"?>
-<p:sld xmlns:a="http://schemas.openxmlformats.org/drawingml/2006/main" xmlns:r="http://schemas.openxmlformats.org/officeDocument/2006/relationships" xmlns:p="http://schemas.openxmlformats.org/presentationml/2006/main">
-  <p:cSld>
-    <p:spTree>
-      <p:nvGrpSpPr>
-        <p:cNvPr id="1" name=""/>
-        <p:cNvGrpSpPr/>
-        <p:nvPr/>
-      </p:nvGrpSpPr>
-      <p:grpSpPr>
-        <a:xfrm>
-          <a:off x="0" y="0"/>
-          <a:ext cx="0" cy="0"/>
-          <a:chOff x="0" y="0"/>
-          <a:chExt cx="0" cy="0"/>
-        </a:xfrm>
-      </p:grpSpPr>
-      <p:sp>
-        <p:nvSpPr>
-          <p:cNvPr id="2" name="Title 1">
-            <a:extLst>
-              <a:ext uri="{FF2B5EF4-FFF2-40B4-BE49-F238E27FC236}">
-                <a16:creationId xmlns:a16="http://schemas.microsoft.com/office/drawing/2014/main" id="{369CA4F0-7F76-4DC7-A47D-BD061E0C6AF6}"/>
-              </a:ext>
-            </a:extLst>
-          </p:cNvPr>
-          <p:cNvSpPr>
-            <a:spLocks noGrp="1"/>
-          </p:cNvSpPr>
-          <p:nvPr>
-            <p:ph type="title"/>
-          </p:nvPr>
-        </p:nvSpPr>
-        <p:spPr/>
-        <p:txBody>
-          <a:bodyPr/>
-          <a:lstStyle/>
-          <a:p>
-            <a:r>
-              <a:rPr lang="tr-TR" dirty="0" err="1"/>
-              <a:t>Performance</a:t>
-            </a:r>
-            <a:r>
-              <a:rPr lang="tr-TR" dirty="0"/>
-              <a:t> </a:t>
-            </a:r>
-            <a:r>
-              <a:rPr lang="tr-TR" dirty="0" err="1"/>
-              <a:t>Problems</a:t>
-            </a:r>
-            <a:endParaRPr lang="en-US" dirty="0"/>
-          </a:p>
-        </p:txBody>
-      </p:sp>
-      <p:sp>
-        <p:nvSpPr>
-          <p:cNvPr id="10" name="Rectangle 2">
-            <a:extLst>
-              <a:ext uri="{FF2B5EF4-FFF2-40B4-BE49-F238E27FC236}">
-                <a16:creationId xmlns:a16="http://schemas.microsoft.com/office/drawing/2014/main" id="{533397CC-4E35-4F67-A77E-718FD9C60735}"/>
-              </a:ext>
-            </a:extLst>
-          </p:cNvPr>
-          <p:cNvSpPr>
-            <a:spLocks noChangeArrowheads="1"/>
-          </p:cNvSpPr>
-          <p:nvPr/>
-        </p:nvSpPr>
-        <p:spPr bwMode="auto">
-          <a:xfrm>
-            <a:off x="0" y="90100"/>
-            <a:ext cx="65" cy="276999"/>
-          </a:xfrm>
-          <a:prstGeom prst="rect">
-            <a:avLst/>
-          </a:prstGeom>
-          <a:solidFill>
-            <a:srgbClr val="FFFFFF"/>
-          </a:solidFill>
-          <a:ln>
-            <a:noFill/>
-          </a:ln>
-          <a:effectLst/>
-          <a:extLst>
-            <a:ext uri="{91240B29-F687-4F45-9708-019B960494DF}">
-              <a14:hiddenLine xmlns:a14="http://schemas.microsoft.com/office/drawing/2010/main" w="9525">
-                <a:solidFill>
-                  <a:schemeClr val="tx1"/>
-                </a:solidFill>
-                <a:miter lim="800000"/>
-                <a:headEnd/>
-                <a:tailEnd/>
-              </a14:hiddenLine>
-            </a:ext>
-            <a:ext uri="{AF507438-7753-43E0-B8FC-AC1667EBCBE1}">
-              <a14:hiddenEffects xmlns:a14="http://schemas.microsoft.com/office/drawing/2010/main">
-                <a:effectLst>
-                  <a:outerShdw dist="35921" dir="2700000" algn="ctr" rotWithShape="0">
-                    <a:schemeClr val="bg2"/>
-                  </a:outerShdw>
-                </a:effectLst>
-              </a14:hiddenEffects>
-            </a:ext>
-          </a:extLst>
-        </p:spPr>
-        <p:txBody>
-          <a:bodyPr vert="horz" wrap="none" lIns="0" tIns="0" rIns="0" bIns="0" numCol="1" anchor="ctr" anchorCtr="0" compatLnSpc="1">
-            <a:prstTxWarp prst="textNoShape">
-              <a:avLst/>
-            </a:prstTxWarp>
-            <a:spAutoFit/>
-          </a:bodyPr>
-          <a:lstStyle/>
-          <a:p>
-            <a:pPr marL="0" marR="0" lvl="0" indent="0" algn="l" defTabSz="914400" rtl="0" eaLnBrk="0" fontAlgn="base" latinLnBrk="0" hangingPunct="0">
-              <a:lnSpc>
-                <a:spcPct val="100000"/>
-              </a:lnSpc>
-              <a:spcBef>
-                <a:spcPct val="0"/>
-              </a:spcBef>
-              <a:spcAft>
-                <a:spcPct val="0"/>
-              </a:spcAft>
-              <a:buClrTx/>
-              <a:buSzTx/>
-              <a:buFontTx/>
-              <a:buNone/>
-              <a:tabLst/>
-            </a:pPr>
-            <a:endParaRPr kumimoji="0" lang="en-US" altLang="en-US" sz="1800" b="0" i="0" u="none" strike="noStrike" cap="none" normalizeH="0" baseline="0" dirty="0">
-              <a:ln>
-                <a:noFill/>
-              </a:ln>
-              <a:solidFill>
-                <a:schemeClr val="tx1"/>
-              </a:solidFill>
-              <a:effectLst/>
-              <a:latin typeface="Arial" panose="020B0604020202020204" pitchFamily="34" charset="0"/>
-            </a:endParaRPr>
-          </a:p>
-        </p:txBody>
-      </p:sp>
-      <p:sp>
-        <p:nvSpPr>
-          <p:cNvPr id="12" name="Rectangle 4">
-            <a:extLst>
-              <a:ext uri="{FF2B5EF4-FFF2-40B4-BE49-F238E27FC236}">
-                <a16:creationId xmlns:a16="http://schemas.microsoft.com/office/drawing/2014/main" id="{7B0EA3CF-2A11-4ECA-9AA4-18D17A9BE32F}"/>
-              </a:ext>
-            </a:extLst>
-          </p:cNvPr>
-          <p:cNvSpPr>
-            <a:spLocks noChangeArrowheads="1"/>
-          </p:cNvSpPr>
-          <p:nvPr/>
-        </p:nvSpPr>
-        <p:spPr bwMode="auto">
-          <a:xfrm>
-            <a:off x="0" y="143961"/>
-            <a:ext cx="32060" cy="169277"/>
-          </a:xfrm>
-          <a:prstGeom prst="rect">
-            <a:avLst/>
-          </a:prstGeom>
-          <a:solidFill>
-            <a:srgbClr val="FFFFFF"/>
-          </a:solidFill>
-          <a:ln>
-            <a:noFill/>
-          </a:ln>
-          <a:effectLst/>
-          <a:extLst>
-            <a:ext uri="{91240B29-F687-4F45-9708-019B960494DF}">
-              <a14:hiddenLine xmlns:a14="http://schemas.microsoft.com/office/drawing/2010/main" w="9525">
-                <a:solidFill>
-                  <a:schemeClr val="tx1"/>
-                </a:solidFill>
-                <a:miter lim="800000"/>
-                <a:headEnd/>
-                <a:tailEnd/>
-              </a14:hiddenLine>
-            </a:ext>
-            <a:ext uri="{AF507438-7753-43E0-B8FC-AC1667EBCBE1}">
-              <a14:hiddenEffects xmlns:a14="http://schemas.microsoft.com/office/drawing/2010/main">
-                <a:effectLst>
-                  <a:outerShdw dist="35921" dir="2700000" algn="ctr" rotWithShape="0">
-                    <a:schemeClr val="bg2"/>
-                  </a:outerShdw>
-                </a:effectLst>
-              </a14:hiddenEffects>
-            </a:ext>
-          </a:extLst>
-        </p:spPr>
-        <p:txBody>
-          <a:bodyPr vert="horz" wrap="none" lIns="0" tIns="0" rIns="0" bIns="0" numCol="1" anchor="ctr" anchorCtr="0" compatLnSpc="1">
-            <a:prstTxWarp prst="textNoShape">
-              <a:avLst/>
-            </a:prstTxWarp>
-            <a:spAutoFit/>
-          </a:bodyPr>
-          <a:lstStyle/>
-          <a:p>
-            <a:pPr marL="0" marR="0" lvl="0" indent="0" algn="l" defTabSz="914400" rtl="0" eaLnBrk="0" fontAlgn="base" latinLnBrk="0" hangingPunct="0">
-              <a:lnSpc>
-                <a:spcPct val="100000"/>
-              </a:lnSpc>
-              <a:spcBef>
-                <a:spcPct val="0"/>
-              </a:spcBef>
-              <a:spcAft>
-                <a:spcPct val="0"/>
-              </a:spcAft>
-              <a:buClrTx/>
-              <a:buSzTx/>
-              <a:buFontTx/>
-              <a:buNone/>
-              <a:tabLst/>
-            </a:pPr>
-            <a:r>
-              <a:rPr kumimoji="0" lang="en-US" altLang="en-US" sz="1100" b="0" i="0" u="none" strike="noStrike" cap="none" normalizeH="0" baseline="0" dirty="0">
-                <a:ln>
-                  <a:noFill/>
-                </a:ln>
-                <a:solidFill>
-                  <a:schemeClr val="tx1"/>
-                </a:solidFill>
-                <a:effectLst/>
-              </a:rPr>
-              <a:t> </a:t>
-            </a:r>
-            <a:endParaRPr kumimoji="0" lang="en-US" altLang="en-US" sz="1800" b="0" i="0" u="none" strike="noStrike" cap="none" normalizeH="0" baseline="0" dirty="0">
-              <a:ln>
-                <a:noFill/>
-              </a:ln>
-              <a:solidFill>
-                <a:schemeClr val="tx1"/>
-              </a:solidFill>
-              <a:effectLst/>
-              <a:latin typeface="Arial" panose="020B0604020202020204" pitchFamily="34" charset="0"/>
-            </a:endParaRPr>
-          </a:p>
-        </p:txBody>
-      </p:sp>
-      <p:pic>
-        <p:nvPicPr>
-          <p:cNvPr id="7" name="İçerik Yer Tutucusu 4">
-            <a:extLst>
-              <a:ext uri="{FF2B5EF4-FFF2-40B4-BE49-F238E27FC236}">
-                <a16:creationId xmlns:a16="http://schemas.microsoft.com/office/drawing/2014/main" id="{89C2517C-DF5D-49BA-BF5A-73115CCFF7F1}"/>
-              </a:ext>
-            </a:extLst>
-          </p:cNvPr>
-          <p:cNvPicPr>
-            <a:picLocks noGrp="1" noChangeAspect="1"/>
-          </p:cNvPicPr>
-          <p:nvPr>
-            <p:ph idx="1"/>
-          </p:nvPr>
-        </p:nvPicPr>
-        <p:blipFill>
-          <a:blip r:embed="rId2"/>
-          <a:stretch>
-            <a:fillRect/>
-          </a:stretch>
-        </p:blipFill>
-        <p:spPr>
-          <a:xfrm>
-            <a:off x="1268730" y="2015491"/>
-            <a:ext cx="4857750" cy="3105150"/>
-          </a:xfrm>
-          <a:prstGeom prst="rect">
-            <a:avLst/>
-          </a:prstGeom>
-        </p:spPr>
-      </p:pic>
-      <p:sp>
-        <p:nvSpPr>
-          <p:cNvPr id="5" name="Metin kutusu 4">
-            <a:extLst>
-              <a:ext uri="{FF2B5EF4-FFF2-40B4-BE49-F238E27FC236}">
-                <a16:creationId xmlns:a16="http://schemas.microsoft.com/office/drawing/2014/main" id="{9618A392-A0DC-4F9E-9E86-5D08C3E60067}"/>
-              </a:ext>
-            </a:extLst>
-          </p:cNvPr>
-          <p:cNvSpPr txBox="1"/>
-          <p:nvPr/>
-        </p:nvSpPr>
-        <p:spPr>
-          <a:xfrm>
-            <a:off x="5943600" y="3185361"/>
-            <a:ext cx="5212080" cy="646331"/>
-          </a:xfrm>
-          <a:prstGeom prst="rect">
-            <a:avLst/>
-          </a:prstGeom>
-          <a:noFill/>
-        </p:spPr>
-        <p:txBody>
-          <a:bodyPr wrap="square" rtlCol="0">
-            <a:spAutoFit/>
-          </a:bodyPr>
-          <a:lstStyle/>
-          <a:p>
-            <a:pPr marL="285750" indent="-285750" defTabSz="914400">
-              <a:spcBef>
-                <a:spcPts val="200"/>
-              </a:spcBef>
-              <a:spcAft>
-                <a:spcPts val="400"/>
-              </a:spcAft>
-              <a:buClr>
-                <a:schemeClr val="accent1"/>
-              </a:buClr>
-              <a:buFont typeface="Wingdings" panose="05000000000000000000" pitchFamily="2" charset="2"/>
-              <a:buChar char="Ø"/>
-            </a:pPr>
-            <a:r>
-              <a:rPr lang="tr-TR" b="1" dirty="0">
-                <a:solidFill>
-                  <a:schemeClr val="tx1">
-                    <a:lumMod val="75000"/>
-                    <a:lumOff val="25000"/>
-                  </a:schemeClr>
-                </a:solidFill>
-              </a:rPr>
-              <a:t>A</a:t>
-            </a:r>
-            <a:r>
-              <a:rPr lang="en-US" b="1" dirty="0" err="1">
-                <a:solidFill>
-                  <a:schemeClr val="tx1">
-                    <a:lumMod val="75000"/>
-                    <a:lumOff val="25000"/>
-                  </a:schemeClr>
-                </a:solidFill>
-              </a:rPr>
-              <a:t>rchitecture</a:t>
-            </a:r>
-            <a:r>
-              <a:rPr lang="en-US" b="1" dirty="0">
-                <a:solidFill>
-                  <a:schemeClr val="tx1">
-                    <a:lumMod val="75000"/>
-                    <a:lumOff val="25000"/>
-                  </a:schemeClr>
-                </a:solidFill>
-              </a:rPr>
-              <a:t> for a simple information extraction system</a:t>
-            </a:r>
-            <a:endParaRPr lang="tr-TR" b="1" dirty="0">
-              <a:solidFill>
-                <a:schemeClr val="tx1">
-                  <a:lumMod val="75000"/>
-                  <a:lumOff val="25000"/>
-                </a:schemeClr>
-              </a:solidFill>
-            </a:endParaRPr>
-          </a:p>
-        </p:txBody>
-      </p:sp>
-      <p:sp>
-        <p:nvSpPr>
-          <p:cNvPr id="6" name="Metin kutusu 5">
-            <a:extLst>
-              <a:ext uri="{FF2B5EF4-FFF2-40B4-BE49-F238E27FC236}">
-                <a16:creationId xmlns:a16="http://schemas.microsoft.com/office/drawing/2014/main" id="{24294E84-00B3-47DA-A4A7-E82CD92F03E3}"/>
-              </a:ext>
-            </a:extLst>
-          </p:cNvPr>
-          <p:cNvSpPr txBox="1"/>
-          <p:nvPr/>
-        </p:nvSpPr>
-        <p:spPr>
-          <a:xfrm>
-            <a:off x="1097280" y="5206267"/>
-            <a:ext cx="4644190" cy="646331"/>
-          </a:xfrm>
-          <a:prstGeom prst="rect">
-            <a:avLst/>
-          </a:prstGeom>
-          <a:noFill/>
-        </p:spPr>
-        <p:txBody>
-          <a:bodyPr wrap="square" rtlCol="0">
-            <a:spAutoFit/>
-          </a:bodyPr>
-          <a:lstStyle/>
-          <a:p>
-            <a:r>
-              <a:rPr lang="tr-TR" dirty="0" err="1"/>
-              <a:t>Ref</a:t>
-            </a:r>
-            <a:r>
-              <a:rPr lang="tr-TR" dirty="0"/>
-              <a:t> : </a:t>
-            </a:r>
-            <a:r>
-              <a:rPr lang="en-US" dirty="0">
-                <a:hlinkClick r:id="rId3"/>
-              </a:rPr>
-              <a:t>https://www.nltk.org/book/ch07.html</a:t>
-            </a:r>
-            <a:endParaRPr lang="en-US" dirty="0"/>
-          </a:p>
-          <a:p>
-            <a:endParaRPr lang="en-US" dirty="0"/>
-          </a:p>
-        </p:txBody>
-      </p:sp>
-    </p:spTree>
-    <p:extLst>
-      <p:ext uri="{BB962C8B-B14F-4D97-AF65-F5344CB8AC3E}">
-        <p14:creationId xmlns:p14="http://schemas.microsoft.com/office/powerpoint/2010/main" val="719798267"/>
-      </p:ext>
-    </p:extLst>
-  </p:cSld>
-  <p:clrMapOvr>
-    <a:masterClrMapping/>
-  </p:clrMapOvr>
-</p:sld>
-</file>
-
-<file path=ppt/slides/slide13.xml><?xml version="1.0" encoding="utf-8"?>
-<p:sld xmlns:a="http://schemas.openxmlformats.org/drawingml/2006/main" xmlns:r="http://schemas.openxmlformats.org/officeDocument/2006/relationships" xmlns:p="http://schemas.openxmlformats.org/presentationml/2006/main">
-  <p:cSld>
-    <p:spTree>
-      <p:nvGrpSpPr>
-        <p:cNvPr id="1" name=""/>
-        <p:cNvGrpSpPr/>
-        <p:nvPr/>
-      </p:nvGrpSpPr>
-      <p:grpSpPr>
-        <a:xfrm>
-          <a:off x="0" y="0"/>
-          <a:ext cx="0" cy="0"/>
-          <a:chOff x="0" y="0"/>
-          <a:chExt cx="0" cy="0"/>
-        </a:xfrm>
-      </p:grpSpPr>
-      <p:sp>
-        <p:nvSpPr>
-          <p:cNvPr id="2" name="Title 1">
-            <a:extLst>
-              <a:ext uri="{FF2B5EF4-FFF2-40B4-BE49-F238E27FC236}">
-                <a16:creationId xmlns:a16="http://schemas.microsoft.com/office/drawing/2014/main" id="{369CA4F0-7F76-4DC7-A47D-BD061E0C6AF6}"/>
-              </a:ext>
-            </a:extLst>
-          </p:cNvPr>
-          <p:cNvSpPr>
-            <a:spLocks noGrp="1"/>
-          </p:cNvSpPr>
-          <p:nvPr>
-            <p:ph type="title"/>
-          </p:nvPr>
-        </p:nvSpPr>
-        <p:spPr/>
-        <p:txBody>
-          <a:bodyPr/>
-          <a:lstStyle/>
-          <a:p>
-            <a:r>
-              <a:rPr lang="tr-TR" dirty="0" err="1"/>
               <a:t>Ontology</a:t>
             </a:r>
             <a:endParaRPr lang="en-US" dirty="0"/>
@@ -6373,7 +5261,7 @@
 </p:sld>
 </file>
 
-<file path=ppt/slides/slide14.xml><?xml version="1.0" encoding="utf-8"?>
+<file path=ppt/slides/slide12.xml><?xml version="1.0" encoding="utf-8"?>
 <p:sld xmlns:a="http://schemas.openxmlformats.org/drawingml/2006/main" xmlns:r="http://schemas.openxmlformats.org/officeDocument/2006/relationships" xmlns:p="http://schemas.openxmlformats.org/presentationml/2006/main">
   <p:cSld>
     <p:spTree>
@@ -6722,7 +5610,7 @@
 </p:sld>
 </file>
 
-<file path=ppt/slides/slide15.xml><?xml version="1.0" encoding="utf-8"?>
+<file path=ppt/slides/slide13.xml><?xml version="1.0" encoding="utf-8"?>
 <p:sld xmlns:a="http://schemas.openxmlformats.org/drawingml/2006/main" xmlns:r="http://schemas.openxmlformats.org/officeDocument/2006/relationships" xmlns:p="http://schemas.openxmlformats.org/presentationml/2006/main">
   <p:cSld>
     <p:spTree>
@@ -7488,7 +6376,7 @@
 </p:sld>
 </file>
 
-<file path=ppt/slides/slide16.xml><?xml version="1.0" encoding="utf-8"?>
+<file path=ppt/slides/slide14.xml><?xml version="1.0" encoding="utf-8"?>
 <p:sld xmlns:a="http://schemas.openxmlformats.org/drawingml/2006/main" xmlns:r="http://schemas.openxmlformats.org/officeDocument/2006/relationships" xmlns:p="http://schemas.openxmlformats.org/presentationml/2006/main">
   <p:cSld>
     <p:spTree>
@@ -7728,6 +6616,375 @@
 </p:sld>
 </file>
 
+<file path=ppt/slides/slide15.xml><?xml version="1.0" encoding="utf-8"?>
+<p:sld xmlns:a="http://schemas.openxmlformats.org/drawingml/2006/main" xmlns:r="http://schemas.openxmlformats.org/officeDocument/2006/relationships" xmlns:p="http://schemas.openxmlformats.org/presentationml/2006/main">
+  <p:cSld>
+    <p:spTree>
+      <p:nvGrpSpPr>
+        <p:cNvPr id="1" name=""/>
+        <p:cNvGrpSpPr/>
+        <p:nvPr/>
+      </p:nvGrpSpPr>
+      <p:grpSpPr>
+        <a:xfrm>
+          <a:off x="0" y="0"/>
+          <a:ext cx="0" cy="0"/>
+          <a:chOff x="0" y="0"/>
+          <a:chExt cx="0" cy="0"/>
+        </a:xfrm>
+      </p:grpSpPr>
+      <p:sp>
+        <p:nvSpPr>
+          <p:cNvPr id="2" name="Title 1">
+            <a:extLst>
+              <a:ext uri="{FF2B5EF4-FFF2-40B4-BE49-F238E27FC236}">
+                <a16:creationId xmlns:a16="http://schemas.microsoft.com/office/drawing/2014/main" id="{1AE67C95-A1CD-44F8-99D2-4640264C88CA}"/>
+              </a:ext>
+            </a:extLst>
+          </p:cNvPr>
+          <p:cNvSpPr>
+            <a:spLocks noGrp="1"/>
+          </p:cNvSpPr>
+          <p:nvPr>
+            <p:ph type="title"/>
+          </p:nvPr>
+        </p:nvSpPr>
+        <p:spPr/>
+        <p:txBody>
+          <a:bodyPr/>
+          <a:lstStyle/>
+          <a:p>
+            <a:r>
+              <a:rPr lang="en-US" dirty="0"/>
+              <a:t>Future Work</a:t>
+            </a:r>
+          </a:p>
+        </p:txBody>
+      </p:sp>
+      <p:sp>
+        <p:nvSpPr>
+          <p:cNvPr id="3" name="Content Placeholder 2">
+            <a:extLst>
+              <a:ext uri="{FF2B5EF4-FFF2-40B4-BE49-F238E27FC236}">
+                <a16:creationId xmlns:a16="http://schemas.microsoft.com/office/drawing/2014/main" id="{3B9B51B1-383B-4A8B-9C5B-9FD704B0BC1B}"/>
+              </a:ext>
+            </a:extLst>
+          </p:cNvPr>
+          <p:cNvSpPr>
+            <a:spLocks noGrp="1"/>
+          </p:cNvSpPr>
+          <p:nvPr>
+            <p:ph idx="1"/>
+          </p:nvPr>
+        </p:nvSpPr>
+        <p:spPr/>
+        <p:txBody>
+          <a:bodyPr>
+            <a:normAutofit/>
+          </a:bodyPr>
+          <a:lstStyle/>
+          <a:p>
+            <a:pPr>
+              <a:buFont typeface="Wingdings" panose="05000000000000000000" pitchFamily="2" charset="2"/>
+              <a:buChar char="Ø"/>
+            </a:pPr>
+            <a:r>
+              <a:rPr lang="en-US" dirty="0"/>
+              <a:t>Researched Habitats Domain NER Papers List</a:t>
+            </a:r>
+          </a:p>
+          <a:p>
+            <a:pPr>
+              <a:buFont typeface="Wingdings" panose="05000000000000000000" pitchFamily="2" charset="2"/>
+              <a:buChar char="Ø"/>
+            </a:pPr>
+            <a:r>
+              <a:rPr lang="en-US" dirty="0"/>
+              <a:t>Researched Biomedical Domain NER Papers List</a:t>
+            </a:r>
+          </a:p>
+          <a:p>
+            <a:pPr>
+              <a:buFont typeface="Wingdings" panose="05000000000000000000" pitchFamily="2" charset="2"/>
+              <a:buChar char="Ø"/>
+            </a:pPr>
+            <a:r>
+              <a:rPr lang="en-US" dirty="0"/>
+              <a:t>Fused List</a:t>
+            </a:r>
+          </a:p>
+          <a:p>
+            <a:pPr lvl="1">
+              <a:buFont typeface="Wingdings" panose="05000000000000000000" pitchFamily="2" charset="2"/>
+              <a:buChar char="ü"/>
+            </a:pPr>
+            <a:r>
+              <a:rPr lang="en-US" dirty="0"/>
+              <a:t>Ease in Implementation</a:t>
+            </a:r>
+          </a:p>
+          <a:p>
+            <a:pPr lvl="1">
+              <a:buFont typeface="Wingdings" panose="05000000000000000000" pitchFamily="2" charset="2"/>
+              <a:buChar char="ü"/>
+            </a:pPr>
+            <a:r>
+              <a:rPr lang="en-US" dirty="0"/>
+              <a:t>Computational/Hardware Concerns</a:t>
+            </a:r>
+          </a:p>
+          <a:p>
+            <a:pPr lvl="1">
+              <a:buFont typeface="Wingdings" panose="05000000000000000000" pitchFamily="2" charset="2"/>
+              <a:buChar char="ü"/>
+            </a:pPr>
+            <a:r>
+              <a:rPr lang="en-US" dirty="0"/>
+              <a:t>Relatedness to our goals</a:t>
+            </a:r>
+          </a:p>
+          <a:p>
+            <a:endParaRPr lang="en-US" dirty="0"/>
+          </a:p>
+          <a:p>
+            <a:endParaRPr lang="en-US" dirty="0"/>
+          </a:p>
+          <a:p>
+            <a:endParaRPr lang="en-US" dirty="0"/>
+          </a:p>
+          <a:p>
+            <a:pPr marL="0" indent="0">
+              <a:buNone/>
+            </a:pPr>
+            <a:endParaRPr lang="en-US" dirty="0"/>
+          </a:p>
+        </p:txBody>
+      </p:sp>
+    </p:spTree>
+    <p:extLst>
+      <p:ext uri="{BB962C8B-B14F-4D97-AF65-F5344CB8AC3E}">
+        <p14:creationId xmlns:p14="http://schemas.microsoft.com/office/powerpoint/2010/main" val="2168468946"/>
+      </p:ext>
+    </p:extLst>
+  </p:cSld>
+  <p:clrMapOvr>
+    <a:masterClrMapping/>
+  </p:clrMapOvr>
+</p:sld>
+</file>
+
+<file path=ppt/slides/slide16.xml><?xml version="1.0" encoding="utf-8"?>
+<p:sld xmlns:a="http://schemas.openxmlformats.org/drawingml/2006/main" xmlns:r="http://schemas.openxmlformats.org/officeDocument/2006/relationships" xmlns:p="http://schemas.openxmlformats.org/presentationml/2006/main">
+  <p:cSld>
+    <p:spTree>
+      <p:nvGrpSpPr>
+        <p:cNvPr id="1" name=""/>
+        <p:cNvGrpSpPr/>
+        <p:nvPr/>
+      </p:nvGrpSpPr>
+      <p:grpSpPr>
+        <a:xfrm>
+          <a:off x="0" y="0"/>
+          <a:ext cx="0" cy="0"/>
+          <a:chOff x="0" y="0"/>
+          <a:chExt cx="0" cy="0"/>
+        </a:xfrm>
+      </p:grpSpPr>
+      <p:sp>
+        <p:nvSpPr>
+          <p:cNvPr id="2" name="Title 1">
+            <a:extLst>
+              <a:ext uri="{FF2B5EF4-FFF2-40B4-BE49-F238E27FC236}">
+                <a16:creationId xmlns:a16="http://schemas.microsoft.com/office/drawing/2014/main" id="{1AE67C95-A1CD-44F8-99D2-4640264C88CA}"/>
+              </a:ext>
+            </a:extLst>
+          </p:cNvPr>
+          <p:cNvSpPr>
+            <a:spLocks noGrp="1"/>
+          </p:cNvSpPr>
+          <p:nvPr>
+            <p:ph type="title"/>
+          </p:nvPr>
+        </p:nvSpPr>
+        <p:spPr/>
+        <p:txBody>
+          <a:bodyPr/>
+          <a:lstStyle/>
+          <a:p>
+            <a:r>
+              <a:rPr lang="en-US" dirty="0"/>
+              <a:t>Paper 1 [1]</a:t>
+            </a:r>
+          </a:p>
+        </p:txBody>
+      </p:sp>
+      <p:sp>
+        <p:nvSpPr>
+          <p:cNvPr id="3" name="Content Placeholder 2">
+            <a:extLst>
+              <a:ext uri="{FF2B5EF4-FFF2-40B4-BE49-F238E27FC236}">
+                <a16:creationId xmlns:a16="http://schemas.microsoft.com/office/drawing/2014/main" id="{3B9B51B1-383B-4A8B-9C5B-9FD704B0BC1B}"/>
+              </a:ext>
+            </a:extLst>
+          </p:cNvPr>
+          <p:cNvSpPr>
+            <a:spLocks noGrp="1"/>
+          </p:cNvSpPr>
+          <p:nvPr>
+            <p:ph idx="1"/>
+          </p:nvPr>
+        </p:nvSpPr>
+        <p:spPr/>
+        <p:txBody>
+          <a:bodyPr/>
+          <a:lstStyle/>
+          <a:p>
+            <a:pPr>
+              <a:buFont typeface="Wingdings" panose="05000000000000000000" pitchFamily="2" charset="2"/>
+              <a:buChar char="Ø"/>
+            </a:pPr>
+            <a:r>
+              <a:rPr lang="en-US" dirty="0"/>
+              <a:t>A smarter utilization of existing dictionaries</a:t>
+            </a:r>
+          </a:p>
+          <a:p>
+            <a:pPr lvl="1">
+              <a:buFont typeface="Wingdings" panose="05000000000000000000" pitchFamily="2" charset="2"/>
+              <a:buChar char="Ø"/>
+            </a:pPr>
+            <a:r>
+              <a:rPr lang="en-US" dirty="0"/>
+              <a:t>Brenda Tissue Ontology, 121321 habitat synonyms</a:t>
+            </a:r>
+          </a:p>
+          <a:p>
+            <a:pPr lvl="2">
+              <a:buFont typeface="Wingdings" panose="05000000000000000000" pitchFamily="2" charset="2"/>
+              <a:buChar char="Ø"/>
+            </a:pPr>
+            <a:r>
+              <a:rPr lang="en-US" dirty="0"/>
+              <a:t>E.g. the term “central nervous system” (OBT:000831) was expanded to include “hippocampus” and 2748 other terms</a:t>
+            </a:r>
+          </a:p>
+          <a:p>
+            <a:pPr>
+              <a:buFont typeface="Wingdings" panose="05000000000000000000" pitchFamily="2" charset="2"/>
+              <a:buChar char="Ø"/>
+            </a:pPr>
+            <a:r>
+              <a:rPr lang="en-US" dirty="0"/>
+              <a:t>Problem with dictionary-based NER:</a:t>
+            </a:r>
+          </a:p>
+          <a:p>
+            <a:pPr lvl="1">
+              <a:buFont typeface="Wingdings" panose="05000000000000000000" pitchFamily="2" charset="2"/>
+              <a:buChar char="Ø"/>
+            </a:pPr>
+            <a:r>
+              <a:rPr lang="en-US" dirty="0"/>
+              <a:t>Prone to poor precision, especially after automatic dictionary expansion</a:t>
+            </a:r>
+          </a:p>
+          <a:p>
+            <a:pPr>
+              <a:buFont typeface="Wingdings" panose="05000000000000000000" pitchFamily="2" charset="2"/>
+              <a:buChar char="Ø"/>
+            </a:pPr>
+            <a:r>
+              <a:rPr lang="en-US" dirty="0"/>
+              <a:t>Solution</a:t>
+            </a:r>
+          </a:p>
+          <a:p>
+            <a:pPr lvl="1">
+              <a:buFont typeface="Wingdings" panose="05000000000000000000" pitchFamily="2" charset="2"/>
+              <a:buChar char="Ø"/>
+            </a:pPr>
+            <a:r>
+              <a:rPr lang="en-US" dirty="0" err="1"/>
+              <a:t>Stopword</a:t>
+            </a:r>
+            <a:r>
+              <a:rPr lang="en-US" dirty="0"/>
+              <a:t> lists are used to remove matches that contribute the most to the drop in precision</a:t>
+            </a:r>
+          </a:p>
+          <a:p>
+            <a:pPr lvl="2">
+              <a:buFont typeface="Wingdings" panose="05000000000000000000" pitchFamily="2" charset="2"/>
+              <a:buChar char="Ø"/>
+            </a:pPr>
+            <a:r>
+              <a:rPr lang="en-US" dirty="0"/>
+              <a:t>Criteria: removing those terms that were likely to not decrease true positive matches</a:t>
+            </a:r>
+          </a:p>
+          <a:p>
+            <a:pPr lvl="2">
+              <a:buFont typeface="Wingdings" panose="05000000000000000000" pitchFamily="2" charset="2"/>
+              <a:buChar char="Ø"/>
+            </a:pPr>
+            <a:r>
+              <a:rPr lang="en-US" dirty="0"/>
+              <a:t>E.g. unclassified, scales, root</a:t>
+            </a:r>
+          </a:p>
+          <a:p>
+            <a:pPr lvl="2">
+              <a:buFont typeface="Wingdings" panose="05000000000000000000" pitchFamily="2" charset="2"/>
+              <a:buChar char="Ø"/>
+            </a:pPr>
+            <a:r>
+              <a:rPr lang="en-US" dirty="0"/>
+              <a:t>Again, found existing dictionaries</a:t>
+            </a:r>
+          </a:p>
+          <a:p>
+            <a:pPr>
+              <a:buFont typeface="Wingdings" panose="05000000000000000000" pitchFamily="2" charset="2"/>
+              <a:buChar char="Ø"/>
+            </a:pPr>
+            <a:endParaRPr lang="en-US" dirty="0"/>
+          </a:p>
+          <a:p>
+            <a:pPr>
+              <a:buFont typeface="Wingdings" panose="05000000000000000000" pitchFamily="2" charset="2"/>
+              <a:buChar char="Ø"/>
+            </a:pPr>
+            <a:endParaRPr lang="en-US" dirty="0"/>
+          </a:p>
+          <a:p>
+            <a:pPr>
+              <a:buFont typeface="Wingdings" panose="05000000000000000000" pitchFamily="2" charset="2"/>
+              <a:buChar char="Ø"/>
+            </a:pPr>
+            <a:endParaRPr lang="en-US" dirty="0"/>
+          </a:p>
+          <a:p>
+            <a:pPr>
+              <a:buFont typeface="Wingdings" panose="05000000000000000000" pitchFamily="2" charset="2"/>
+              <a:buChar char="Ø"/>
+            </a:pPr>
+            <a:endParaRPr lang="en-US" dirty="0"/>
+          </a:p>
+        </p:txBody>
+      </p:sp>
+    </p:spTree>
+    <p:extLst>
+      <p:ext uri="{BB962C8B-B14F-4D97-AF65-F5344CB8AC3E}">
+        <p14:creationId xmlns:p14="http://schemas.microsoft.com/office/powerpoint/2010/main" val="2681154579"/>
+      </p:ext>
+    </p:extLst>
+  </p:cSld>
+  <p:clrMapOvr>
+    <a:masterClrMapping/>
+  </p:clrMapOvr>
+</p:sld>
+</file>
+
 <file path=ppt/slides/slide17.xml><?xml version="1.0" encoding="utf-8"?>
 <p:sld xmlns:a="http://schemas.openxmlformats.org/drawingml/2006/main" xmlns:r="http://schemas.openxmlformats.org/officeDocument/2006/relationships" xmlns:p="http://schemas.openxmlformats.org/presentationml/2006/main">
   <p:cSld>
@@ -7768,7 +7025,7 @@
           <a:p>
             <a:r>
               <a:rPr lang="en-US" dirty="0"/>
-              <a:t>Future Work</a:t>
+              <a:t>Paper 2 [4]</a:t>
             </a:r>
           </a:p>
         </p:txBody>
@@ -7791,9 +7048,7 @@
         </p:nvSpPr>
         <p:spPr/>
         <p:txBody>
-          <a:bodyPr>
-            <a:normAutofit/>
-          </a:bodyPr>
+          <a:bodyPr/>
           <a:lstStyle/>
           <a:p>
             <a:pPr>
@@ -7802,7 +7057,37 @@
             </a:pPr>
             <a:r>
               <a:rPr lang="en-US" dirty="0"/>
-              <a:t>Researched Habitats Domain NER Papers List</a:t>
+              <a:t>Preprocessing </a:t>
+            </a:r>
+          </a:p>
+          <a:p>
+            <a:pPr lvl="1">
+              <a:buFont typeface="Wingdings" panose="05000000000000000000" pitchFamily="2" charset="2"/>
+              <a:buChar char="Ø"/>
+            </a:pPr>
+            <a:r>
+              <a:rPr lang="en-US" dirty="0"/>
+              <a:t>Acronym expansion: already done</a:t>
+            </a:r>
+          </a:p>
+          <a:p>
+            <a:pPr lvl="1">
+              <a:buFont typeface="Wingdings" panose="05000000000000000000" pitchFamily="2" charset="2"/>
+              <a:buChar char="Ø"/>
+            </a:pPr>
+            <a:r>
+              <a:rPr lang="en-US" dirty="0"/>
+              <a:t>Abbreviation expansion: already observed defect</a:t>
+            </a:r>
+          </a:p>
+          <a:p>
+            <a:pPr lvl="1">
+              <a:buFont typeface="Wingdings" panose="05000000000000000000" pitchFamily="2" charset="2"/>
+              <a:buChar char="Ø"/>
+            </a:pPr>
+            <a:r>
+              <a:rPr lang="en-US" dirty="0"/>
+              <a:t>Stemming: Porter stemmer [17] (we do not expect a better result [4])</a:t>
             </a:r>
           </a:p>
           <a:p>
@@ -7812,62 +7097,50 @@
             </a:pPr>
             <a:r>
               <a:rPr lang="en-US" dirty="0"/>
-              <a:t>Researched Biomedical Domain NER Papers List</a:t>
-            </a:r>
-          </a:p>
-          <a:p>
-            <a:pPr>
+              <a:t>Improving TDIDF, weighted sparse vector space representation</a:t>
+            </a:r>
+          </a:p>
+          <a:p>
+            <a:pPr lvl="2">
               <a:buFont typeface="Wingdings" panose="05000000000000000000" pitchFamily="2" charset="2"/>
               <a:buChar char="Ø"/>
             </a:pPr>
             <a:r>
               <a:rPr lang="en-US" dirty="0"/>
-              <a:t>Fused List</a:t>
-            </a:r>
-          </a:p>
-          <a:p>
-            <a:pPr lvl="1">
+              <a:t>Each concept name in the ontology is considered a document and the IDF weights are based on these names</a:t>
+            </a:r>
+          </a:p>
+          <a:p>
+            <a:pPr lvl="2">
               <a:buFont typeface="Wingdings" panose="05000000000000000000" pitchFamily="2" charset="2"/>
-              <a:buChar char="ü"/>
+              <a:buChar char="Ø"/>
             </a:pPr>
             <a:r>
               <a:rPr lang="en-US" dirty="0"/>
-              <a:t>Ease in Implementation</a:t>
-            </a:r>
-          </a:p>
-          <a:p>
-            <a:pPr lvl="1">
+              <a:t>each concept name and each entity mention is represented with a TFIDF weighted vector and the concept with the highest cosine similarity is assigned for a given entity</a:t>
+            </a:r>
+          </a:p>
+          <a:p>
+            <a:pPr lvl="2">
               <a:buFont typeface="Wingdings" panose="05000000000000000000" pitchFamily="2" charset="2"/>
-              <a:buChar char="ü"/>
+              <a:buChar char="Ø"/>
             </a:pPr>
             <a:r>
               <a:rPr lang="en-US" dirty="0"/>
-              <a:t>Computational/Hardware Concerns</a:t>
-            </a:r>
-          </a:p>
-          <a:p>
-            <a:pPr lvl="1">
+              <a:t>Whereas these representations are commonly formed in a bag-of-words fashion</a:t>
+            </a:r>
+          </a:p>
+          <a:p>
+            <a:pPr lvl="3">
               <a:buFont typeface="Wingdings" panose="05000000000000000000" pitchFamily="2" charset="2"/>
-              <a:buChar char="ü"/>
+              <a:buChar char="Ø"/>
             </a:pPr>
             <a:r>
               <a:rPr lang="en-US" dirty="0"/>
-              <a:t>Relatedness to our goals</a:t>
-            </a:r>
-          </a:p>
-          <a:p>
-            <a:endParaRPr lang="en-US" dirty="0"/>
-          </a:p>
-          <a:p>
-            <a:endParaRPr lang="en-US" dirty="0"/>
-          </a:p>
-          <a:p>
-            <a:endParaRPr lang="en-US" dirty="0"/>
-          </a:p>
-          <a:p>
-            <a:pPr marL="0" indent="0">
-              <a:buNone/>
-            </a:pPr>
+              <a:t>Using character-level n-grams (n=1,2,3 ) will probably result in better outcome [4]</a:t>
+            </a:r>
+          </a:p>
+          <a:p>
             <a:endParaRPr lang="en-US" dirty="0"/>
           </a:p>
         </p:txBody>
@@ -7875,7 +7148,7 @@
     </p:spTree>
     <p:extLst>
       <p:ext uri="{BB962C8B-B14F-4D97-AF65-F5344CB8AC3E}">
-        <p14:creationId xmlns:p14="http://schemas.microsoft.com/office/powerpoint/2010/main" val="2168468946"/>
+        <p14:creationId xmlns:p14="http://schemas.microsoft.com/office/powerpoint/2010/main" val="796136031"/>
       </p:ext>
     </p:extLst>
   </p:cSld>
@@ -7925,7 +7198,7 @@
           <a:p>
             <a:r>
               <a:rPr lang="en-US" dirty="0"/>
-              <a:t>Paper 1 [1]</a:t>
+              <a:t>Paper 3 [2]</a:t>
             </a:r>
           </a:p>
         </p:txBody>
@@ -7946,9 +7219,16 @@
             <p:ph idx="1"/>
           </p:nvPr>
         </p:nvSpPr>
-        <p:spPr/>
+        <p:spPr>
+          <a:xfrm>
+            <a:off x="1123914" y="1845734"/>
+            <a:ext cx="10058400" cy="4023360"/>
+          </a:xfrm>
+        </p:spPr>
         <p:txBody>
-          <a:bodyPr/>
+          <a:bodyPr>
+            <a:normAutofit/>
+          </a:bodyPr>
           <a:lstStyle/>
           <a:p>
             <a:pPr>
@@ -7957,7 +7237,7 @@
             </a:pPr>
             <a:r>
               <a:rPr lang="en-US" dirty="0"/>
-              <a:t>A smarter utilization of existing dictionaries</a:t>
+              <a:t>Conditional Random Field (CRF) based classifier [2]</a:t>
             </a:r>
           </a:p>
           <a:p>
@@ -7967,7 +7247,45 @@
             </a:pPr>
             <a:r>
               <a:rPr lang="en-US" dirty="0"/>
-              <a:t>Brenda Tissue Ontology, 121321 habitat synonyms</a:t>
+              <a:t>a type of discriminative and undirected probabilities graphical models often used for tagging sequential data and in named entity recognition in natural language processing and biology domains</a:t>
+            </a:r>
+          </a:p>
+          <a:p>
+            <a:pPr>
+              <a:buFont typeface="Wingdings" panose="05000000000000000000" pitchFamily="2" charset="2"/>
+              <a:buChar char="Ø"/>
+            </a:pPr>
+            <a:r>
+              <a:rPr lang="en-US" dirty="0"/>
+              <a:t>Features for the CRF model</a:t>
+            </a:r>
+          </a:p>
+          <a:p>
+            <a:pPr lvl="1">
+              <a:buFont typeface="Wingdings" panose="05000000000000000000" pitchFamily="2" charset="2"/>
+              <a:buChar char="Ø"/>
+            </a:pPr>
+            <a:r>
+              <a:rPr lang="en-US" dirty="0"/>
+              <a:t>Lexical features such as current word, its root, its POS tag etc. </a:t>
+            </a:r>
+            <a:r>
+              <a:rPr lang="en-US" dirty="0" err="1"/>
+              <a:t>GeniaTagger</a:t>
+            </a:r>
+            <a:r>
+              <a:rPr lang="en-US" dirty="0"/>
+              <a:t> [16] may be used.</a:t>
+            </a:r>
+          </a:p>
+          <a:p>
+            <a:pPr lvl="1">
+              <a:buFont typeface="Wingdings" panose="05000000000000000000" pitchFamily="2" charset="2"/>
+              <a:buChar char="Ø"/>
+            </a:pPr>
+            <a:r>
+              <a:rPr lang="en-US" dirty="0"/>
+              <a:t>Orthographic features: substring and word form features</a:t>
             </a:r>
           </a:p>
           <a:p>
@@ -7977,17 +7295,27 @@
             </a:pPr>
             <a:r>
               <a:rPr lang="en-US" dirty="0"/>
-              <a:t>E.g. the term “central nervous system” (OBT:000831) was expanded to include “hippocampus” and 2748 other terms</a:t>
-            </a:r>
-          </a:p>
-          <a:p>
-            <a:pPr>
+              <a:t>Substring features: first two &amp; four characters and the last two &amp; four characters of the original word and the word form are chosen as features</a:t>
+            </a:r>
+          </a:p>
+          <a:p>
+            <a:pPr lvl="3">
               <a:buFont typeface="Wingdings" panose="05000000000000000000" pitchFamily="2" charset="2"/>
               <a:buChar char="Ø"/>
             </a:pPr>
             <a:r>
               <a:rPr lang="en-US" dirty="0"/>
-              <a:t>Problem with dictionary-based NER:</a:t>
+              <a:t>this was already mentioned in the lectures, using first k chars may work better than hard lemmatization</a:t>
+            </a:r>
+          </a:p>
+          <a:p>
+            <a:pPr lvl="2">
+              <a:buFont typeface="Wingdings" panose="05000000000000000000" pitchFamily="2" charset="2"/>
+              <a:buChar char="Ø"/>
+            </a:pPr>
+            <a:r>
+              <a:rPr lang="en-US" dirty="0"/>
+              <a:t>Word form features: case-folding and/or normalizing all numbers to ‘0’</a:t>
             </a:r>
           </a:p>
           <a:p>
@@ -7997,31 +7325,7 @@
             </a:pPr>
             <a:r>
               <a:rPr lang="en-US" dirty="0"/>
-              <a:t>Prone to poor precision, especially after automatic dictionary expansion</a:t>
-            </a:r>
-          </a:p>
-          <a:p>
-            <a:pPr>
-              <a:buFont typeface="Wingdings" panose="05000000000000000000" pitchFamily="2" charset="2"/>
-              <a:buChar char="Ø"/>
-            </a:pPr>
-            <a:r>
-              <a:rPr lang="en-US" dirty="0"/>
-              <a:t>Solution</a:t>
-            </a:r>
-          </a:p>
-          <a:p>
-            <a:pPr lvl="1">
-              <a:buFont typeface="Wingdings" panose="05000000000000000000" pitchFamily="2" charset="2"/>
-              <a:buChar char="Ø"/>
-            </a:pPr>
-            <a:r>
-              <a:rPr lang="en-US" dirty="0" err="1"/>
-              <a:t>Stopword</a:t>
-            </a:r>
-            <a:r>
-              <a:rPr lang="en-US" dirty="0"/>
-              <a:t> lists are used to remove matches that contribute the most to the drop in precision</a:t>
+              <a:t>Dictionary features: binary features to indicate </a:t>
             </a:r>
           </a:p>
           <a:p>
@@ -8031,7 +7335,7 @@
             </a:pPr>
             <a:r>
               <a:rPr lang="en-US" dirty="0"/>
-              <a:t>Criteria: removing those terms that were likely to not decrease true positive matches</a:t>
+              <a:t>the presence of the word in the dictionary</a:t>
             </a:r>
           </a:p>
           <a:p>
@@ -8041,17 +7345,7 @@
             </a:pPr>
             <a:r>
               <a:rPr lang="en-US" dirty="0"/>
-              <a:t>E.g. unclassified, scales, root</a:t>
-            </a:r>
-          </a:p>
-          <a:p>
-            <a:pPr lvl="2">
-              <a:buFont typeface="Wingdings" panose="05000000000000000000" pitchFamily="2" charset="2"/>
-              <a:buChar char="Ø"/>
-            </a:pPr>
-            <a:r>
-              <a:rPr lang="en-US" dirty="0"/>
-              <a:t>Again, found existing dictionaries</a:t>
+              <a:t>the position of the word within any dictionary entries</a:t>
             </a:r>
           </a:p>
           <a:p>
@@ -8075,19 +7369,12 @@
             </a:pPr>
             <a:endParaRPr lang="en-US" dirty="0"/>
           </a:p>
-          <a:p>
-            <a:pPr>
-              <a:buFont typeface="Wingdings" panose="05000000000000000000" pitchFamily="2" charset="2"/>
-              <a:buChar char="Ø"/>
-            </a:pPr>
-            <a:endParaRPr lang="en-US" dirty="0"/>
-          </a:p>
         </p:txBody>
       </p:sp>
     </p:spTree>
     <p:extLst>
       <p:ext uri="{BB962C8B-B14F-4D97-AF65-F5344CB8AC3E}">
-        <p14:creationId xmlns:p14="http://schemas.microsoft.com/office/powerpoint/2010/main" val="2681154579"/>
+        <p14:creationId xmlns:p14="http://schemas.microsoft.com/office/powerpoint/2010/main" val="3961645006"/>
       </p:ext>
     </p:extLst>
   </p:cSld>
@@ -8137,7 +7424,7 @@
           <a:p>
             <a:r>
               <a:rPr lang="en-US" dirty="0"/>
-              <a:t>Paper 2 [4]</a:t>
+              <a:t>Idea 3</a:t>
             </a:r>
           </a:p>
         </p:txBody>
@@ -8158,7 +7445,12 @@
             <p:ph idx="1"/>
           </p:nvPr>
         </p:nvSpPr>
-        <p:spPr/>
+        <p:spPr>
+          <a:xfrm>
+            <a:off x="1123914" y="1845734"/>
+            <a:ext cx="10058400" cy="4023360"/>
+          </a:xfrm>
+        </p:spPr>
         <p:txBody>
           <a:bodyPr/>
           <a:lstStyle/>
@@ -8169,98 +7461,99 @@
             </a:pPr>
             <a:r>
               <a:rPr lang="en-US" dirty="0"/>
-              <a:t>Preprocessing </a:t>
-            </a:r>
-          </a:p>
-          <a:p>
-            <a:pPr lvl="1">
-              <a:buFont typeface="Wingdings" panose="05000000000000000000" pitchFamily="2" charset="2"/>
-              <a:buChar char="Ø"/>
+              <a:t>Or, Employing a hybrid (rule-based &amp; ML based) structure such as</a:t>
+            </a:r>
+          </a:p>
+          <a:p>
+            <a:pPr marL="0" indent="0">
+              <a:buNone/>
             </a:pPr>
-            <a:r>
-              <a:rPr lang="en-US" dirty="0"/>
-              <a:t>Acronym expansion: already done</a:t>
-            </a:r>
-          </a:p>
-          <a:p>
-            <a:pPr lvl="1">
-              <a:buFont typeface="Wingdings" panose="05000000000000000000" pitchFamily="2" charset="2"/>
-              <a:buChar char="Ø"/>
-            </a:pPr>
-            <a:r>
-              <a:rPr lang="en-US" dirty="0"/>
-              <a:t>Abbreviation expansion: already observed defect</a:t>
-            </a:r>
-          </a:p>
-          <a:p>
-            <a:pPr lvl="1">
-              <a:buFont typeface="Wingdings" panose="05000000000000000000" pitchFamily="2" charset="2"/>
-              <a:buChar char="Ø"/>
-            </a:pPr>
-            <a:r>
-              <a:rPr lang="en-US" dirty="0"/>
-              <a:t>Stemming: Porter stemmer [17] (we do not expect a better result [4])</a:t>
-            </a:r>
+            <a:endParaRPr lang="en-US" dirty="0"/>
           </a:p>
           <a:p>
             <a:pPr>
               <a:buFont typeface="Wingdings" panose="05000000000000000000" pitchFamily="2" charset="2"/>
               <a:buChar char="Ø"/>
             </a:pPr>
+            <a:endParaRPr lang="en-US" dirty="0"/>
+          </a:p>
+        </p:txBody>
+      </p:sp>
+      <p:pic>
+        <p:nvPicPr>
+          <p:cNvPr id="5" name="Picture 4" descr="A screenshot of a cell phone&#10;&#10;Description automatically generated">
+            <a:extLst>
+              <a:ext uri="{FF2B5EF4-FFF2-40B4-BE49-F238E27FC236}">
+                <a16:creationId xmlns:a16="http://schemas.microsoft.com/office/drawing/2014/main" id="{87C1A125-EF57-4952-BC9C-F31EF681EC48}"/>
+              </a:ext>
+            </a:extLst>
+          </p:cNvPr>
+          <p:cNvPicPr>
+            <a:picLocks noChangeAspect="1"/>
+          </p:cNvPicPr>
+          <p:nvPr/>
+        </p:nvPicPr>
+        <p:blipFill>
+          <a:blip r:embed="rId2">
+            <a:extLst>
+              <a:ext uri="{28A0092B-C50C-407E-A947-70E740481C1C}">
+                <a14:useLocalDpi xmlns:a14="http://schemas.microsoft.com/office/drawing/2010/main" val="0"/>
+              </a:ext>
+            </a:extLst>
+          </a:blip>
+          <a:stretch>
+            <a:fillRect/>
+          </a:stretch>
+        </p:blipFill>
+        <p:spPr>
+          <a:xfrm>
+            <a:off x="1123914" y="2286053"/>
+            <a:ext cx="7778180" cy="3312292"/>
+          </a:xfrm>
+          <a:prstGeom prst="rect">
+            <a:avLst/>
+          </a:prstGeom>
+        </p:spPr>
+      </p:pic>
+      <p:sp>
+        <p:nvSpPr>
+          <p:cNvPr id="6" name="TextBox 5">
+            <a:extLst>
+              <a:ext uri="{FF2B5EF4-FFF2-40B4-BE49-F238E27FC236}">
+                <a16:creationId xmlns:a16="http://schemas.microsoft.com/office/drawing/2014/main" id="{62669D48-87B0-479D-BB09-C6C8DA9C9106}"/>
+              </a:ext>
+            </a:extLst>
+          </p:cNvPr>
+          <p:cNvSpPr txBox="1"/>
+          <p:nvPr/>
+        </p:nvSpPr>
+        <p:spPr>
+          <a:xfrm>
+            <a:off x="2876294" y="5499762"/>
+            <a:ext cx="4273420" cy="369332"/>
+          </a:xfrm>
+          <a:prstGeom prst="rect">
+            <a:avLst/>
+          </a:prstGeom>
+          <a:noFill/>
+        </p:spPr>
+        <p:txBody>
+          <a:bodyPr wrap="square" rtlCol="0">
+            <a:spAutoFit/>
+          </a:bodyPr>
+          <a:lstStyle/>
+          <a:p>
             <a:r>
               <a:rPr lang="en-US" dirty="0"/>
-              <a:t>Improving TDIDF, weighted sparse vector space representation</a:t>
-            </a:r>
-          </a:p>
-          <a:p>
-            <a:pPr lvl="2">
-              <a:buFont typeface="Wingdings" panose="05000000000000000000" pitchFamily="2" charset="2"/>
-              <a:buChar char="Ø"/>
-            </a:pPr>
-            <a:r>
-              <a:rPr lang="en-US" dirty="0"/>
-              <a:t>Each concept name in the ontology is considered a document and the IDF weights are based on these names</a:t>
-            </a:r>
-          </a:p>
-          <a:p>
-            <a:pPr lvl="2">
-              <a:buFont typeface="Wingdings" panose="05000000000000000000" pitchFamily="2" charset="2"/>
-              <a:buChar char="Ø"/>
-            </a:pPr>
-            <a:r>
-              <a:rPr lang="en-US" dirty="0"/>
-              <a:t>each concept name and each entity mention is represented with a TFIDF weighted vector and the concept with the highest cosine similarity is assigned for a given entity</a:t>
-            </a:r>
-          </a:p>
-          <a:p>
-            <a:pPr lvl="2">
-              <a:buFont typeface="Wingdings" panose="05000000000000000000" pitchFamily="2" charset="2"/>
-              <a:buChar char="Ø"/>
-            </a:pPr>
-            <a:r>
-              <a:rPr lang="en-US" dirty="0"/>
-              <a:t>Whereas these representations are commonly formed in a bag-of-words fashion</a:t>
-            </a:r>
-          </a:p>
-          <a:p>
-            <a:pPr lvl="3">
-              <a:buFont typeface="Wingdings" panose="05000000000000000000" pitchFamily="2" charset="2"/>
-              <a:buChar char="Ø"/>
-            </a:pPr>
-            <a:r>
-              <a:rPr lang="en-US" dirty="0"/>
-              <a:t>Using character-level n-grams (n=1,2,3 ) will probably result in better outcome [4]</a:t>
-            </a:r>
-          </a:p>
-          <a:p>
-            <a:endParaRPr lang="en-US" dirty="0"/>
+              <a:t>Figure 1: Model Architecture Overview [10]</a:t>
+            </a:r>
           </a:p>
         </p:txBody>
       </p:sp>
     </p:spTree>
     <p:extLst>
       <p:ext uri="{BB962C8B-B14F-4D97-AF65-F5344CB8AC3E}">
-        <p14:creationId xmlns:p14="http://schemas.microsoft.com/office/powerpoint/2010/main" val="796136031"/>
+        <p14:creationId xmlns:p14="http://schemas.microsoft.com/office/powerpoint/2010/main" val="1681752084"/>
       </p:ext>
     </p:extLst>
   </p:cSld>
@@ -8432,7 +7725,7 @@
           <a:p>
             <a:r>
               <a:rPr lang="en-US" dirty="0"/>
-              <a:t>Paper 3 [2]</a:t>
+              <a:t>Habitats Domain NE Normalization Papers</a:t>
             </a:r>
           </a:p>
         </p:txBody>
@@ -8453,16 +7746,9 @@
             <p:ph idx="1"/>
           </p:nvPr>
         </p:nvSpPr>
-        <p:spPr>
-          <a:xfrm>
-            <a:off x="1123914" y="1845734"/>
-            <a:ext cx="10058400" cy="4023360"/>
-          </a:xfrm>
-        </p:spPr>
+        <p:spPr/>
         <p:txBody>
-          <a:bodyPr>
-            <a:normAutofit/>
-          </a:bodyPr>
+          <a:bodyPr/>
           <a:lstStyle/>
           <a:p>
             <a:pPr>
@@ -8471,17 +7757,7 @@
             </a:pPr>
             <a:r>
               <a:rPr lang="en-US" dirty="0"/>
-              <a:t>Conditional Random Field (CRF) based classifier [2]</a:t>
-            </a:r>
-          </a:p>
-          <a:p>
-            <a:pPr lvl="1">
-              <a:buFont typeface="Wingdings" panose="05000000000000000000" pitchFamily="2" charset="2"/>
-              <a:buChar char="Ø"/>
-            </a:pPr>
-            <a:r>
-              <a:rPr lang="en-US" dirty="0"/>
-              <a:t>a type of discriminative and undirected probabilities graphical models often used for tagging sequential data and in named entity recognition in natural language processing and biology domains</a:t>
+              <a:t>[1] A dictionary- and rule-based system for identification of bacteria and habitats in text</a:t>
             </a:r>
           </a:p>
           <a:p>
@@ -8491,95 +7767,7 @@
             </a:pPr>
             <a:r>
               <a:rPr lang="en-US" dirty="0"/>
-              <a:t>Features for the CRF model</a:t>
-            </a:r>
-          </a:p>
-          <a:p>
-            <a:pPr lvl="1">
-              <a:buFont typeface="Wingdings" panose="05000000000000000000" pitchFamily="2" charset="2"/>
-              <a:buChar char="Ø"/>
-            </a:pPr>
-            <a:r>
-              <a:rPr lang="en-US" dirty="0"/>
-              <a:t>Lexical features such as current word, its root, its POS tag etc. </a:t>
-            </a:r>
-            <a:r>
-              <a:rPr lang="en-US" dirty="0" err="1"/>
-              <a:t>GeniaTagger</a:t>
-            </a:r>
-            <a:r>
-              <a:rPr lang="en-US" dirty="0"/>
-              <a:t> [16] may be used.</a:t>
-            </a:r>
-          </a:p>
-          <a:p>
-            <a:pPr lvl="1">
-              <a:buFont typeface="Wingdings" panose="05000000000000000000" pitchFamily="2" charset="2"/>
-              <a:buChar char="Ø"/>
-            </a:pPr>
-            <a:r>
-              <a:rPr lang="en-US" dirty="0"/>
-              <a:t>Orthographic features: substring and word form features</a:t>
-            </a:r>
-          </a:p>
-          <a:p>
-            <a:pPr lvl="2">
-              <a:buFont typeface="Wingdings" panose="05000000000000000000" pitchFamily="2" charset="2"/>
-              <a:buChar char="Ø"/>
-            </a:pPr>
-            <a:r>
-              <a:rPr lang="en-US" dirty="0"/>
-              <a:t>Substring features: first two &amp; four characters and the last two &amp; four characters of the original word and the word form are chosen as features</a:t>
-            </a:r>
-          </a:p>
-          <a:p>
-            <a:pPr lvl="3">
-              <a:buFont typeface="Wingdings" panose="05000000000000000000" pitchFamily="2" charset="2"/>
-              <a:buChar char="Ø"/>
-            </a:pPr>
-            <a:r>
-              <a:rPr lang="en-US" dirty="0"/>
-              <a:t>this was already mentioned in the lectures, using first k chars may work better than hard lemmatization</a:t>
-            </a:r>
-          </a:p>
-          <a:p>
-            <a:pPr lvl="2">
-              <a:buFont typeface="Wingdings" panose="05000000000000000000" pitchFamily="2" charset="2"/>
-              <a:buChar char="Ø"/>
-            </a:pPr>
-            <a:r>
-              <a:rPr lang="en-US" dirty="0"/>
-              <a:t>Word form features: case-folding and/or normalizing all numbers to ‘0’</a:t>
-            </a:r>
-          </a:p>
-          <a:p>
-            <a:pPr lvl="1">
-              <a:buFont typeface="Wingdings" panose="05000000000000000000" pitchFamily="2" charset="2"/>
-              <a:buChar char="Ø"/>
-            </a:pPr>
-            <a:r>
-              <a:rPr lang="en-US" dirty="0"/>
-              <a:t>Dictionary features: binary features to indicate </a:t>
-            </a:r>
-          </a:p>
-          <a:p>
-            <a:pPr lvl="2">
-              <a:buFont typeface="Wingdings" panose="05000000000000000000" pitchFamily="2" charset="2"/>
-              <a:buChar char="Ø"/>
-            </a:pPr>
-            <a:r>
-              <a:rPr lang="en-US" dirty="0"/>
-              <a:t>the presence of the word in the dictionary</a:t>
-            </a:r>
-          </a:p>
-          <a:p>
-            <a:pPr lvl="2">
-              <a:buFont typeface="Wingdings" panose="05000000000000000000" pitchFamily="2" charset="2"/>
-              <a:buChar char="Ø"/>
-            </a:pPr>
-            <a:r>
-              <a:rPr lang="en-US" dirty="0"/>
-              <a:t>the position of the word within any dictionary entries</a:t>
+              <a:t>[2] Automatic extraction of microorganisms and their habitats from free text using text mining workflows</a:t>
             </a:r>
           </a:p>
           <a:p>
@@ -8587,28 +7775,37 @@
               <a:buFont typeface="Wingdings" panose="05000000000000000000" pitchFamily="2" charset="2"/>
               <a:buChar char="Ø"/>
             </a:pPr>
-            <a:endParaRPr lang="en-US" dirty="0"/>
+            <a:r>
+              <a:rPr lang="en-US" dirty="0"/>
+              <a:t>[3] Detection and categorization of bacteria habitats using shallow linguistic analysis</a:t>
+            </a:r>
           </a:p>
           <a:p>
             <a:pPr>
               <a:buFont typeface="Wingdings" panose="05000000000000000000" pitchFamily="2" charset="2"/>
               <a:buChar char="Ø"/>
             </a:pPr>
-            <a:endParaRPr lang="en-US" dirty="0"/>
+            <a:r>
+              <a:rPr lang="en-US" dirty="0"/>
+              <a:t>[4] End-to-End System for Bacteria Habitat Extraction</a:t>
+            </a:r>
           </a:p>
           <a:p>
             <a:pPr>
               <a:buFont typeface="Wingdings" panose="05000000000000000000" pitchFamily="2" charset="2"/>
               <a:buChar char="Ø"/>
             </a:pPr>
-            <a:endParaRPr lang="en-US" dirty="0"/>
+            <a:r>
+              <a:rPr lang="en-US" dirty="0"/>
+              <a:t>[5] Linking entities through an ontology using word embeddings and syntactic re-ranking</a:t>
+            </a:r>
           </a:p>
         </p:txBody>
       </p:sp>
     </p:spTree>
     <p:extLst>
       <p:ext uri="{BB962C8B-B14F-4D97-AF65-F5344CB8AC3E}">
-        <p14:creationId xmlns:p14="http://schemas.microsoft.com/office/powerpoint/2010/main" val="3961645006"/>
+        <p14:creationId xmlns:p14="http://schemas.microsoft.com/office/powerpoint/2010/main" val="3253675657"/>
       </p:ext>
     </p:extLst>
   </p:cSld>
@@ -8658,355 +7855,6 @@
           <a:p>
             <a:r>
               <a:rPr lang="en-US" dirty="0"/>
-              <a:t>Idea 3</a:t>
-            </a:r>
-          </a:p>
-        </p:txBody>
-      </p:sp>
-      <p:sp>
-        <p:nvSpPr>
-          <p:cNvPr id="3" name="Content Placeholder 2">
-            <a:extLst>
-              <a:ext uri="{FF2B5EF4-FFF2-40B4-BE49-F238E27FC236}">
-                <a16:creationId xmlns:a16="http://schemas.microsoft.com/office/drawing/2014/main" id="{3B9B51B1-383B-4A8B-9C5B-9FD704B0BC1B}"/>
-              </a:ext>
-            </a:extLst>
-          </p:cNvPr>
-          <p:cNvSpPr>
-            <a:spLocks noGrp="1"/>
-          </p:cNvSpPr>
-          <p:nvPr>
-            <p:ph idx="1"/>
-          </p:nvPr>
-        </p:nvSpPr>
-        <p:spPr>
-          <a:xfrm>
-            <a:off x="1123914" y="1845734"/>
-            <a:ext cx="10058400" cy="4023360"/>
-          </a:xfrm>
-        </p:spPr>
-        <p:txBody>
-          <a:bodyPr/>
-          <a:lstStyle/>
-          <a:p>
-            <a:pPr>
-              <a:buFont typeface="Wingdings" panose="05000000000000000000" pitchFamily="2" charset="2"/>
-              <a:buChar char="Ø"/>
-            </a:pPr>
-            <a:r>
-              <a:rPr lang="en-US" dirty="0"/>
-              <a:t>Authors originally used Mallet (a Java implementation)</a:t>
-            </a:r>
-          </a:p>
-          <a:p>
-            <a:pPr lvl="1">
-              <a:buFont typeface="Wingdings" panose="05000000000000000000" pitchFamily="2" charset="2"/>
-              <a:buChar char="Ø"/>
-            </a:pPr>
-            <a:r>
-              <a:rPr lang="en-US" dirty="0"/>
-              <a:t>We may change toolkit or implementation</a:t>
-            </a:r>
-          </a:p>
-          <a:p>
-            <a:pPr lvl="2">
-              <a:buFont typeface="Wingdings" panose="05000000000000000000" pitchFamily="2" charset="2"/>
-              <a:buChar char="Ø"/>
-            </a:pPr>
-            <a:r>
-              <a:rPr lang="en-US" dirty="0"/>
-              <a:t>For Python implementation (</a:t>
-            </a:r>
-            <a:r>
-              <a:rPr lang="en-US" dirty="0">
-                <a:hlinkClick r:id="rId2"/>
-              </a:rPr>
-              <a:t>https://github.com/TurkuNLP/BHE</a:t>
-            </a:r>
-            <a:r>
-              <a:rPr lang="en-US" dirty="0"/>
-              <a:t>) [3]</a:t>
-            </a:r>
-          </a:p>
-          <a:p>
-            <a:pPr>
-              <a:buFont typeface="Wingdings" panose="05000000000000000000" pitchFamily="2" charset="2"/>
-              <a:buChar char="Ø"/>
-            </a:pPr>
-            <a:r>
-              <a:rPr lang="en-US" dirty="0"/>
-              <a:t>Or, Employing a hybrid (rule-based &amp; ML based) structure such as</a:t>
-            </a:r>
-          </a:p>
-          <a:p>
-            <a:pPr marL="0" indent="0">
-              <a:buNone/>
-            </a:pPr>
-            <a:endParaRPr lang="en-US" dirty="0"/>
-          </a:p>
-          <a:p>
-            <a:pPr>
-              <a:buFont typeface="Wingdings" panose="05000000000000000000" pitchFamily="2" charset="2"/>
-              <a:buChar char="Ø"/>
-            </a:pPr>
-            <a:endParaRPr lang="en-US" dirty="0"/>
-          </a:p>
-        </p:txBody>
-      </p:sp>
-      <p:pic>
-        <p:nvPicPr>
-          <p:cNvPr id="5" name="Picture 4" descr="A screenshot of a cell phone&#10;&#10;Description automatically generated">
-            <a:extLst>
-              <a:ext uri="{FF2B5EF4-FFF2-40B4-BE49-F238E27FC236}">
-                <a16:creationId xmlns:a16="http://schemas.microsoft.com/office/drawing/2014/main" id="{87C1A125-EF57-4952-BC9C-F31EF681EC48}"/>
-              </a:ext>
-            </a:extLst>
-          </p:cNvPr>
-          <p:cNvPicPr>
-            <a:picLocks noChangeAspect="1"/>
-          </p:cNvPicPr>
-          <p:nvPr/>
-        </p:nvPicPr>
-        <p:blipFill>
-          <a:blip r:embed="rId3">
-            <a:extLst>
-              <a:ext uri="{28A0092B-C50C-407E-A947-70E740481C1C}">
-                <a14:useLocalDpi xmlns:a14="http://schemas.microsoft.com/office/drawing/2010/main" val="0"/>
-              </a:ext>
-            </a:extLst>
-          </a:blip>
-          <a:stretch>
-            <a:fillRect/>
-          </a:stretch>
-        </p:blipFill>
-        <p:spPr>
-          <a:xfrm>
-            <a:off x="4095808" y="3429000"/>
-            <a:ext cx="4000383" cy="1944064"/>
-          </a:xfrm>
-          <a:prstGeom prst="rect">
-            <a:avLst/>
-          </a:prstGeom>
-        </p:spPr>
-      </p:pic>
-      <p:sp>
-        <p:nvSpPr>
-          <p:cNvPr id="6" name="TextBox 5">
-            <a:extLst>
-              <a:ext uri="{FF2B5EF4-FFF2-40B4-BE49-F238E27FC236}">
-                <a16:creationId xmlns:a16="http://schemas.microsoft.com/office/drawing/2014/main" id="{62669D48-87B0-479D-BB09-C6C8DA9C9106}"/>
-              </a:ext>
-            </a:extLst>
-          </p:cNvPr>
-          <p:cNvSpPr txBox="1"/>
-          <p:nvPr/>
-        </p:nvSpPr>
-        <p:spPr>
-          <a:xfrm>
-            <a:off x="4016404" y="5684428"/>
-            <a:ext cx="4273420" cy="369332"/>
-          </a:xfrm>
-          <a:prstGeom prst="rect">
-            <a:avLst/>
-          </a:prstGeom>
-          <a:noFill/>
-        </p:spPr>
-        <p:txBody>
-          <a:bodyPr wrap="square" rtlCol="0">
-            <a:spAutoFit/>
-          </a:bodyPr>
-          <a:lstStyle/>
-          <a:p>
-            <a:r>
-              <a:rPr lang="en-US" dirty="0"/>
-              <a:t>Figure 1: Model Architecture Overview [10]</a:t>
-            </a:r>
-          </a:p>
-        </p:txBody>
-      </p:sp>
-    </p:spTree>
-    <p:extLst>
-      <p:ext uri="{BB962C8B-B14F-4D97-AF65-F5344CB8AC3E}">
-        <p14:creationId xmlns:p14="http://schemas.microsoft.com/office/powerpoint/2010/main" val="1681752084"/>
-      </p:ext>
-    </p:extLst>
-  </p:cSld>
-  <p:clrMapOvr>
-    <a:masterClrMapping/>
-  </p:clrMapOvr>
-</p:sld>
-</file>
-
-<file path=ppt/slides/slide22.xml><?xml version="1.0" encoding="utf-8"?>
-<p:sld xmlns:a="http://schemas.openxmlformats.org/drawingml/2006/main" xmlns:r="http://schemas.openxmlformats.org/officeDocument/2006/relationships" xmlns:p="http://schemas.openxmlformats.org/presentationml/2006/main">
-  <p:cSld>
-    <p:spTree>
-      <p:nvGrpSpPr>
-        <p:cNvPr id="1" name=""/>
-        <p:cNvGrpSpPr/>
-        <p:nvPr/>
-      </p:nvGrpSpPr>
-      <p:grpSpPr>
-        <a:xfrm>
-          <a:off x="0" y="0"/>
-          <a:ext cx="0" cy="0"/>
-          <a:chOff x="0" y="0"/>
-          <a:chExt cx="0" cy="0"/>
-        </a:xfrm>
-      </p:grpSpPr>
-      <p:sp>
-        <p:nvSpPr>
-          <p:cNvPr id="2" name="Title 1">
-            <a:extLst>
-              <a:ext uri="{FF2B5EF4-FFF2-40B4-BE49-F238E27FC236}">
-                <a16:creationId xmlns:a16="http://schemas.microsoft.com/office/drawing/2014/main" id="{1AE67C95-A1CD-44F8-99D2-4640264C88CA}"/>
-              </a:ext>
-            </a:extLst>
-          </p:cNvPr>
-          <p:cNvSpPr>
-            <a:spLocks noGrp="1"/>
-          </p:cNvSpPr>
-          <p:nvPr>
-            <p:ph type="title"/>
-          </p:nvPr>
-        </p:nvSpPr>
-        <p:spPr/>
-        <p:txBody>
-          <a:bodyPr/>
-          <a:lstStyle/>
-          <a:p>
-            <a:r>
-              <a:rPr lang="en-US" dirty="0"/>
-              <a:t>Habitats Domain NE Normalization Papers</a:t>
-            </a:r>
-          </a:p>
-        </p:txBody>
-      </p:sp>
-      <p:sp>
-        <p:nvSpPr>
-          <p:cNvPr id="3" name="Content Placeholder 2">
-            <a:extLst>
-              <a:ext uri="{FF2B5EF4-FFF2-40B4-BE49-F238E27FC236}">
-                <a16:creationId xmlns:a16="http://schemas.microsoft.com/office/drawing/2014/main" id="{3B9B51B1-383B-4A8B-9C5B-9FD704B0BC1B}"/>
-              </a:ext>
-            </a:extLst>
-          </p:cNvPr>
-          <p:cNvSpPr>
-            <a:spLocks noGrp="1"/>
-          </p:cNvSpPr>
-          <p:nvPr>
-            <p:ph idx="1"/>
-          </p:nvPr>
-        </p:nvSpPr>
-        <p:spPr/>
-        <p:txBody>
-          <a:bodyPr/>
-          <a:lstStyle/>
-          <a:p>
-            <a:pPr>
-              <a:buFont typeface="Wingdings" panose="05000000000000000000" pitchFamily="2" charset="2"/>
-              <a:buChar char="Ø"/>
-            </a:pPr>
-            <a:r>
-              <a:rPr lang="en-US" dirty="0"/>
-              <a:t>[1] A dictionary- and rule-based system for identification of bacteria and habitats in text</a:t>
-            </a:r>
-          </a:p>
-          <a:p>
-            <a:pPr>
-              <a:buFont typeface="Wingdings" panose="05000000000000000000" pitchFamily="2" charset="2"/>
-              <a:buChar char="Ø"/>
-            </a:pPr>
-            <a:r>
-              <a:rPr lang="en-US" dirty="0"/>
-              <a:t>[2] Automatic extraction of microorganisms and their habitats from free text using text mining workflows</a:t>
-            </a:r>
-          </a:p>
-          <a:p>
-            <a:pPr>
-              <a:buFont typeface="Wingdings" panose="05000000000000000000" pitchFamily="2" charset="2"/>
-              <a:buChar char="Ø"/>
-            </a:pPr>
-            <a:r>
-              <a:rPr lang="en-US" dirty="0"/>
-              <a:t>[3] Detection and categorization of bacteria habitats using shallow linguistic analysis</a:t>
-            </a:r>
-          </a:p>
-          <a:p>
-            <a:pPr>
-              <a:buFont typeface="Wingdings" panose="05000000000000000000" pitchFamily="2" charset="2"/>
-              <a:buChar char="Ø"/>
-            </a:pPr>
-            <a:r>
-              <a:rPr lang="en-US" dirty="0"/>
-              <a:t>[4] End-to-End System for Bacteria Habitat Extraction</a:t>
-            </a:r>
-          </a:p>
-          <a:p>
-            <a:pPr>
-              <a:buFont typeface="Wingdings" panose="05000000000000000000" pitchFamily="2" charset="2"/>
-              <a:buChar char="Ø"/>
-            </a:pPr>
-            <a:r>
-              <a:rPr lang="en-US" dirty="0"/>
-              <a:t>[5] Linking entities through an ontology using word embeddings and syntactic re-ranking</a:t>
-            </a:r>
-          </a:p>
-        </p:txBody>
-      </p:sp>
-    </p:spTree>
-    <p:extLst>
-      <p:ext uri="{BB962C8B-B14F-4D97-AF65-F5344CB8AC3E}">
-        <p14:creationId xmlns:p14="http://schemas.microsoft.com/office/powerpoint/2010/main" val="3253675657"/>
-      </p:ext>
-    </p:extLst>
-  </p:cSld>
-  <p:clrMapOvr>
-    <a:masterClrMapping/>
-  </p:clrMapOvr>
-</p:sld>
-</file>
-
-<file path=ppt/slides/slide23.xml><?xml version="1.0" encoding="utf-8"?>
-<p:sld xmlns:a="http://schemas.openxmlformats.org/drawingml/2006/main" xmlns:r="http://schemas.openxmlformats.org/officeDocument/2006/relationships" xmlns:p="http://schemas.openxmlformats.org/presentationml/2006/main">
-  <p:cSld>
-    <p:spTree>
-      <p:nvGrpSpPr>
-        <p:cNvPr id="1" name=""/>
-        <p:cNvGrpSpPr/>
-        <p:nvPr/>
-      </p:nvGrpSpPr>
-      <p:grpSpPr>
-        <a:xfrm>
-          <a:off x="0" y="0"/>
-          <a:ext cx="0" cy="0"/>
-          <a:chOff x="0" y="0"/>
-          <a:chExt cx="0" cy="0"/>
-        </a:xfrm>
-      </p:grpSpPr>
-      <p:sp>
-        <p:nvSpPr>
-          <p:cNvPr id="2" name="Title 1">
-            <a:extLst>
-              <a:ext uri="{FF2B5EF4-FFF2-40B4-BE49-F238E27FC236}">
-                <a16:creationId xmlns:a16="http://schemas.microsoft.com/office/drawing/2014/main" id="{1AE67C95-A1CD-44F8-99D2-4640264C88CA}"/>
-              </a:ext>
-            </a:extLst>
-          </p:cNvPr>
-          <p:cNvSpPr>
-            <a:spLocks noGrp="1"/>
-          </p:cNvSpPr>
-          <p:nvPr>
-            <p:ph type="title"/>
-          </p:nvPr>
-        </p:nvSpPr>
-        <p:spPr/>
-        <p:txBody>
-          <a:bodyPr/>
-          <a:lstStyle/>
-          <a:p>
-            <a:r>
-              <a:rPr lang="en-US" dirty="0"/>
               <a:t>Biomedical Domain NE Normalization Papers</a:t>
             </a:r>
           </a:p>
@@ -9196,7 +8044,7 @@
 </p:sld>
 </file>
 
-<file path=ppt/slides/slide24.xml><?xml version="1.0" encoding="utf-8"?>
+<file path=ppt/slides/slide22.xml><?xml version="1.0" encoding="utf-8"?>
 <p:sld xmlns:a="http://schemas.openxmlformats.org/drawingml/2006/main" xmlns:r="http://schemas.openxmlformats.org/officeDocument/2006/relationships" xmlns:p="http://schemas.openxmlformats.org/presentationml/2006/main">
   <p:cSld>
     <p:spTree>
@@ -9875,9 +8723,10 @@
               <a:buChar char="ü"/>
             </a:pPr>
             <a:r>
-              <a:rPr lang="tr-TR" b="1" dirty="0"/>
-              <a:t>Lemmazation</a:t>
-            </a:r>
+              <a:rPr lang="tr-TR" b="1" dirty="0" err="1"/>
+              <a:t>Lemmatization</a:t>
+            </a:r>
+            <a:endParaRPr lang="tr-TR" b="1" dirty="0"/>
           </a:p>
           <a:p>
             <a:pPr lvl="3">
@@ -9911,7 +8760,7 @@
             </a:r>
             <a:r>
               <a:rPr lang="tr-TR" sz="1800" dirty="0" err="1"/>
-              <a:t>lemmazation</a:t>
+              <a:t>lemmatization</a:t>
             </a:r>
             <a:r>
               <a:rPr lang="tr-TR" sz="1800" dirty="0"/>

--- a/Slides/Combined.pptx
+++ b/Slides/Combined.pptx
@@ -14,19 +14,17 @@
     <p:sldId id="276" r:id="rId8"/>
     <p:sldId id="277" r:id="rId9"/>
     <p:sldId id="278" r:id="rId10"/>
-    <p:sldId id="279" r:id="rId11"/>
-    <p:sldId id="282" r:id="rId12"/>
-    <p:sldId id="283" r:id="rId13"/>
-    <p:sldId id="284" r:id="rId14"/>
-    <p:sldId id="285" r:id="rId15"/>
-    <p:sldId id="257" r:id="rId16"/>
-    <p:sldId id="267" r:id="rId17"/>
-    <p:sldId id="260" r:id="rId18"/>
-    <p:sldId id="259" r:id="rId19"/>
-    <p:sldId id="270" r:id="rId20"/>
-    <p:sldId id="268" r:id="rId21"/>
-    <p:sldId id="258" r:id="rId22"/>
-    <p:sldId id="269" r:id="rId23"/>
+    <p:sldId id="282" r:id="rId11"/>
+    <p:sldId id="283" r:id="rId12"/>
+    <p:sldId id="284" r:id="rId13"/>
+    <p:sldId id="285" r:id="rId14"/>
+    <p:sldId id="257" r:id="rId15"/>
+    <p:sldId id="267" r:id="rId16"/>
+    <p:sldId id="260" r:id="rId17"/>
+    <p:sldId id="259" r:id="rId18"/>
+    <p:sldId id="270" r:id="rId19"/>
+    <p:sldId id="268" r:id="rId20"/>
+    <p:sldId id="269" r:id="rId21"/>
   </p:sldIdLst>
   <p:sldSz cx="12192000" cy="6858000"/>
   <p:notesSz cx="6858000" cy="9144000"/>
@@ -3854,14 +3852,6 @@
           <a:lstStyle/>
           <a:p>
             <a:pPr algn="r"/>
-            <a:r>
-              <a:rPr lang="en-US" sz="4400" dirty="0"/>
-              <a:t>CMPE493: Introduction </a:t>
-            </a:r>
-            <a:r>
-              <a:rPr lang="en-US" sz="4400"/>
-              <a:t>to IR</a:t>
-            </a:r>
             <a:br>
               <a:rPr lang="en-US" sz="4400" dirty="0"/>
             </a:br>
@@ -3870,8 +3860,12 @@
             </a:br>
             <a:r>
               <a:rPr lang="en-US" sz="4400" dirty="0"/>
-              <a:t>Term Project: Named Entity Normalization for the Bacteria Biotopes Domain</a:t>
-            </a:r>
+              <a:t>Term Project Progress Presentation</a:t>
+            </a:r>
+            <a:br>
+              <a:rPr lang="en-US" sz="4400" dirty="0"/>
+            </a:br>
+            <a:endParaRPr lang="en-US" sz="4400" dirty="0"/>
           </a:p>
         </p:txBody>
       </p:sp>
@@ -3902,17 +3896,8 @@
               <a:rPr lang="en-US" dirty="0">
                 <a:latin typeface="+mn-lt"/>
               </a:rPr>
-              <a:t>Mansur </a:t>
-            </a:r>
-            <a:r>
-              <a:rPr lang="en-US" dirty="0" err="1">
-                <a:latin typeface="+mn-lt"/>
-              </a:rPr>
-              <a:t>YeşİLBursa</a:t>
-            </a:r>
-            <a:endParaRPr lang="en-US" dirty="0">
-              <a:latin typeface="+mn-lt"/>
-            </a:endParaRPr>
+              <a:t>Mansur YeşİLBursa</a:t>
+            </a:r>
           </a:p>
           <a:p>
             <a:r>
@@ -3985,15 +3970,7 @@
           <a:p>
             <a:r>
               <a:rPr lang="tr-TR" dirty="0" err="1"/>
-              <a:t>Performance</a:t>
-            </a:r>
-            <a:r>
-              <a:rPr lang="tr-TR" dirty="0"/>
-              <a:t> </a:t>
-            </a:r>
-            <a:r>
-              <a:rPr lang="tr-TR" dirty="0" err="1"/>
-              <a:t>Problems</a:t>
+              <a:t>Ontology</a:t>
             </a:r>
             <a:endParaRPr lang="en-US" dirty="0"/>
           </a:p>
@@ -4001,990 +3978,120 @@
       </p:sp>
       <p:sp>
         <p:nvSpPr>
-          <p:cNvPr id="5" name="Metin kutusu 4">
+          <p:cNvPr id="3" name="Content Placeholder 2">
             <a:extLst>
               <a:ext uri="{FF2B5EF4-FFF2-40B4-BE49-F238E27FC236}">
-                <a16:creationId xmlns:a16="http://schemas.microsoft.com/office/drawing/2014/main" id="{7EE42B15-CB31-4D67-AAA2-F14DC075DAC7}"/>
-              </a:ext>
-            </a:extLst>
-          </p:cNvPr>
-          <p:cNvSpPr txBox="1"/>
-          <p:nvPr/>
-        </p:nvSpPr>
-        <p:spPr>
-          <a:xfrm>
-            <a:off x="6328612" y="2167187"/>
-            <a:ext cx="4211051" cy="369332"/>
-          </a:xfrm>
-          <a:prstGeom prst="rect">
-            <a:avLst/>
-          </a:prstGeom>
-          <a:noFill/>
-        </p:spPr>
-        <p:txBody>
-          <a:bodyPr wrap="square" rtlCol="0">
-            <a:spAutoFit/>
-          </a:bodyPr>
-          <a:lstStyle/>
-          <a:p>
-            <a:endParaRPr lang="en-US" dirty="0"/>
-          </a:p>
-        </p:txBody>
-      </p:sp>
-      <p:graphicFrame>
-        <p:nvGraphicFramePr>
-          <p:cNvPr id="7" name="İçerik Yer Tutucusu 6">
-            <a:extLst>
-              <a:ext uri="{FF2B5EF4-FFF2-40B4-BE49-F238E27FC236}">
-                <a16:creationId xmlns:a16="http://schemas.microsoft.com/office/drawing/2014/main" id="{F002ECC3-9455-46A7-B409-AEDA8EE92B80}"/>
-              </a:ext>
-            </a:extLst>
-          </p:cNvPr>
-          <p:cNvGraphicFramePr>
-            <a:graphicFrameLocks noGrp="1"/>
-          </p:cNvGraphicFramePr>
-          <p:nvPr>
-            <p:ph idx="1"/>
-            <p:extLst>
-              <p:ext uri="{D42A27DB-BD31-4B8C-83A1-F6EECF244321}">
-                <p14:modId xmlns:p14="http://schemas.microsoft.com/office/powerpoint/2010/main" val="4282683022"/>
-              </p:ext>
-            </p:extLst>
-          </p:nvPr>
-        </p:nvGraphicFramePr>
-        <p:xfrm>
-          <a:off x="1097280" y="2934199"/>
-          <a:ext cx="4998720" cy="1173235"/>
-        </p:xfrm>
-        <a:graphic>
-          <a:graphicData uri="http://schemas.openxmlformats.org/drawingml/2006/table">
-            <a:tbl>
-              <a:tblPr/>
-              <a:tblGrid>
-                <a:gridCol w="2632405">
-                  <a:extLst>
-                    <a:ext uri="{9D8B030D-6E8A-4147-A177-3AD203B41FA5}">
-                      <a16:colId xmlns:a16="http://schemas.microsoft.com/office/drawing/2014/main" val="2832223557"/>
-                    </a:ext>
-                  </a:extLst>
-                </a:gridCol>
-                <a:gridCol w="874301">
-                  <a:extLst>
-                    <a:ext uri="{9D8B030D-6E8A-4147-A177-3AD203B41FA5}">
-                      <a16:colId xmlns:a16="http://schemas.microsoft.com/office/drawing/2014/main" val="306267915"/>
-                    </a:ext>
-                  </a:extLst>
-                </a:gridCol>
-                <a:gridCol w="1492014">
-                  <a:extLst>
-                    <a:ext uri="{9D8B030D-6E8A-4147-A177-3AD203B41FA5}">
-                      <a16:colId xmlns:a16="http://schemas.microsoft.com/office/drawing/2014/main" val="1253151645"/>
-                    </a:ext>
-                  </a:extLst>
-                </a:gridCol>
-              </a:tblGrid>
-              <a:tr h="228848">
-                <a:tc>
-                  <a:txBody>
-                    <a:bodyPr/>
-                    <a:lstStyle/>
-                    <a:p>
-                      <a:pPr algn="l" fontAlgn="b"/>
-                      <a:r>
-                        <a:rPr lang="en-US" sz="1100" b="0" i="0" u="none" strike="noStrike">
-                          <a:solidFill>
-                            <a:srgbClr val="000000"/>
-                          </a:solidFill>
-                          <a:effectLst/>
-                          <a:latin typeface="Calibri" panose="020F0502020204030204" pitchFamily="34" charset="0"/>
-                        </a:rPr>
-                        <a:t>Input Term </a:t>
-                      </a:r>
-                    </a:p>
-                  </a:txBody>
-                  <a:tcPr marL="9525" marR="9525" marT="9525" marB="0" anchor="b">
-                    <a:lnL w="6350" cap="flat" cmpd="sng" algn="ctr">
-                      <a:solidFill>
-                        <a:srgbClr val="000000"/>
-                      </a:solidFill>
-                      <a:prstDash val="solid"/>
-                      <a:round/>
-                      <a:headEnd type="none" w="med" len="med"/>
-                      <a:tailEnd type="none" w="med" len="med"/>
-                    </a:lnL>
-                    <a:lnR w="6350" cap="flat" cmpd="sng" algn="ctr">
-                      <a:solidFill>
-                        <a:srgbClr val="000000"/>
-                      </a:solidFill>
-                      <a:prstDash val="solid"/>
-                      <a:round/>
-                      <a:headEnd type="none" w="med" len="med"/>
-                      <a:tailEnd type="none" w="med" len="med"/>
-                    </a:lnR>
-                    <a:lnT w="6350" cap="flat" cmpd="sng" algn="ctr">
-                      <a:solidFill>
-                        <a:srgbClr val="000000"/>
-                      </a:solidFill>
-                      <a:prstDash val="solid"/>
-                      <a:round/>
-                      <a:headEnd type="none" w="med" len="med"/>
-                      <a:tailEnd type="none" w="med" len="med"/>
-                    </a:lnT>
-                    <a:lnB w="6350" cap="flat" cmpd="sng" algn="ctr">
-                      <a:solidFill>
-                        <a:srgbClr val="000000"/>
-                      </a:solidFill>
-                      <a:prstDash val="solid"/>
-                      <a:round/>
-                      <a:headEnd type="none" w="med" len="med"/>
-                      <a:tailEnd type="none" w="med" len="med"/>
-                    </a:lnB>
-                    <a:solidFill>
-                      <a:srgbClr val="92D050"/>
-                    </a:solidFill>
-                  </a:tcPr>
-                </a:tc>
-                <a:tc>
-                  <a:txBody>
-                    <a:bodyPr/>
-                    <a:lstStyle/>
-                    <a:p>
-                      <a:pPr algn="l" fontAlgn="b"/>
-                      <a:r>
-                        <a:rPr lang="en-US" sz="1100" b="0" i="0" u="none" strike="noStrike">
-                          <a:solidFill>
-                            <a:srgbClr val="000000"/>
-                          </a:solidFill>
-                          <a:effectLst/>
-                          <a:latin typeface="Calibri" panose="020F0502020204030204" pitchFamily="34" charset="0"/>
-                        </a:rPr>
-                        <a:t> Normalized Term </a:t>
-                      </a:r>
-                    </a:p>
-                  </a:txBody>
-                  <a:tcPr marL="9525" marR="9525" marT="9525" marB="0" anchor="b">
-                    <a:lnL w="6350" cap="flat" cmpd="sng" algn="ctr">
-                      <a:solidFill>
-                        <a:srgbClr val="000000"/>
-                      </a:solidFill>
-                      <a:prstDash val="solid"/>
-                      <a:round/>
-                      <a:headEnd type="none" w="med" len="med"/>
-                      <a:tailEnd type="none" w="med" len="med"/>
-                    </a:lnL>
-                    <a:lnR w="6350" cap="flat" cmpd="sng" algn="ctr">
-                      <a:solidFill>
-                        <a:srgbClr val="000000"/>
-                      </a:solidFill>
-                      <a:prstDash val="solid"/>
-                      <a:round/>
-                      <a:headEnd type="none" w="med" len="med"/>
-                      <a:tailEnd type="none" w="med" len="med"/>
-                    </a:lnR>
-                    <a:lnT w="6350" cap="flat" cmpd="sng" algn="ctr">
-                      <a:solidFill>
-                        <a:srgbClr val="000000"/>
-                      </a:solidFill>
-                      <a:prstDash val="solid"/>
-                      <a:round/>
-                      <a:headEnd type="none" w="med" len="med"/>
-                      <a:tailEnd type="none" w="med" len="med"/>
-                    </a:lnT>
-                    <a:lnB w="6350" cap="flat" cmpd="sng" algn="ctr">
-                      <a:solidFill>
-                        <a:srgbClr val="000000"/>
-                      </a:solidFill>
-                      <a:prstDash val="solid"/>
-                      <a:round/>
-                      <a:headEnd type="none" w="med" len="med"/>
-                      <a:tailEnd type="none" w="med" len="med"/>
-                    </a:lnB>
-                    <a:solidFill>
-                      <a:srgbClr val="92D050"/>
-                    </a:solidFill>
-                  </a:tcPr>
-                </a:tc>
-                <a:tc>
-                  <a:txBody>
-                    <a:bodyPr/>
-                    <a:lstStyle/>
-                    <a:p>
-                      <a:pPr algn="l" fontAlgn="b"/>
-                      <a:r>
-                        <a:rPr lang="en-US" sz="1100" b="0" i="0" u="none" strike="noStrike">
-                          <a:solidFill>
-                            <a:srgbClr val="000000"/>
-                          </a:solidFill>
-                          <a:effectLst/>
-                          <a:latin typeface="Calibri" panose="020F0502020204030204" pitchFamily="34" charset="0"/>
-                        </a:rPr>
-                        <a:t> True Normalized Term </a:t>
-                      </a:r>
-                    </a:p>
-                  </a:txBody>
-                  <a:tcPr marL="9525" marR="9525" marT="9525" marB="0" anchor="b">
-                    <a:lnL w="6350" cap="flat" cmpd="sng" algn="ctr">
-                      <a:solidFill>
-                        <a:srgbClr val="000000"/>
-                      </a:solidFill>
-                      <a:prstDash val="solid"/>
-                      <a:round/>
-                      <a:headEnd type="none" w="med" len="med"/>
-                      <a:tailEnd type="none" w="med" len="med"/>
-                    </a:lnL>
-                    <a:lnR w="6350" cap="flat" cmpd="sng" algn="ctr">
-                      <a:solidFill>
-                        <a:srgbClr val="000000"/>
-                      </a:solidFill>
-                      <a:prstDash val="solid"/>
-                      <a:round/>
-                      <a:headEnd type="none" w="med" len="med"/>
-                      <a:tailEnd type="none" w="med" len="med"/>
-                    </a:lnR>
-                    <a:lnT w="6350" cap="flat" cmpd="sng" algn="ctr">
-                      <a:solidFill>
-                        <a:srgbClr val="000000"/>
-                      </a:solidFill>
-                      <a:prstDash val="solid"/>
-                      <a:round/>
-                      <a:headEnd type="none" w="med" len="med"/>
-                      <a:tailEnd type="none" w="med" len="med"/>
-                    </a:lnT>
-                    <a:lnB w="6350" cap="flat" cmpd="sng" algn="ctr">
-                      <a:solidFill>
-                        <a:srgbClr val="000000"/>
-                      </a:solidFill>
-                      <a:prstDash val="solid"/>
-                      <a:round/>
-                      <a:headEnd type="none" w="med" len="med"/>
-                      <a:tailEnd type="none" w="med" len="med"/>
-                    </a:lnB>
-                    <a:solidFill>
-                      <a:srgbClr val="92D050"/>
-                    </a:solidFill>
-                  </a:tcPr>
-                </a:tc>
-                <a:extLst>
-                  <a:ext uri="{0D108BD9-81ED-4DB2-BD59-A6C34878D82A}">
-                    <a16:rowId xmlns:a16="http://schemas.microsoft.com/office/drawing/2014/main" val="1380216664"/>
-                  </a:ext>
-                </a:extLst>
-              </a:tr>
-              <a:tr h="414215">
-                <a:tc>
-                  <a:txBody>
-                    <a:bodyPr/>
-                    <a:lstStyle/>
-                    <a:p>
-                      <a:pPr algn="l" fontAlgn="b"/>
-                      <a:r>
-                        <a:rPr lang="en-US" sz="1100" b="0" i="0" u="none" strike="noStrike" dirty="0">
-                          <a:solidFill>
-                            <a:srgbClr val="000000"/>
-                          </a:solidFill>
-                          <a:effectLst/>
-                          <a:latin typeface="Calibri" panose="020F0502020204030204" pitchFamily="34" charset="0"/>
-                        </a:rPr>
-                        <a:t>placenta of a 38-year-old secondary recurrent </a:t>
-                      </a:r>
-                      <a:r>
-                        <a:rPr lang="en-US" sz="1100" b="0" i="0" u="none" strike="noStrike" dirty="0" err="1">
-                          <a:solidFill>
-                            <a:srgbClr val="000000"/>
-                          </a:solidFill>
-                          <a:effectLst/>
-                          <a:latin typeface="Calibri" panose="020F0502020204030204" pitchFamily="34" charset="0"/>
-                        </a:rPr>
-                        <a:t>aborter</a:t>
-                      </a:r>
-                      <a:r>
-                        <a:rPr lang="en-US" sz="1100" b="0" i="0" u="none" strike="noStrike" dirty="0">
-                          <a:solidFill>
-                            <a:srgbClr val="000000"/>
-                          </a:solidFill>
-                          <a:effectLst/>
-                          <a:latin typeface="Calibri" panose="020F0502020204030204" pitchFamily="34" charset="0"/>
-                        </a:rPr>
-                        <a:t> </a:t>
-                      </a:r>
-                    </a:p>
-                  </a:txBody>
-                  <a:tcPr marL="9525" marR="9525" marT="9525" marB="0" anchor="b">
-                    <a:lnL w="6350" cap="flat" cmpd="sng" algn="ctr">
-                      <a:solidFill>
-                        <a:srgbClr val="000000"/>
-                      </a:solidFill>
-                      <a:prstDash val="solid"/>
-                      <a:round/>
-                      <a:headEnd type="none" w="med" len="med"/>
-                      <a:tailEnd type="none" w="med" len="med"/>
-                    </a:lnL>
-                    <a:lnR w="6350" cap="flat" cmpd="sng" algn="ctr">
-                      <a:solidFill>
-                        <a:srgbClr val="000000"/>
-                      </a:solidFill>
-                      <a:prstDash val="solid"/>
-                      <a:round/>
-                      <a:headEnd type="none" w="med" len="med"/>
-                      <a:tailEnd type="none" w="med" len="med"/>
-                    </a:lnR>
-                    <a:lnT w="6350" cap="flat" cmpd="sng" algn="ctr">
-                      <a:solidFill>
-                        <a:srgbClr val="000000"/>
-                      </a:solidFill>
-                      <a:prstDash val="solid"/>
-                      <a:round/>
-                      <a:headEnd type="none" w="med" len="med"/>
-                      <a:tailEnd type="none" w="med" len="med"/>
-                    </a:lnT>
-                    <a:lnB w="6350" cap="flat" cmpd="sng" algn="ctr">
-                      <a:solidFill>
-                        <a:srgbClr val="000000"/>
-                      </a:solidFill>
-                      <a:prstDash val="solid"/>
-                      <a:round/>
-                      <a:headEnd type="none" w="med" len="med"/>
-                      <a:tailEnd type="none" w="med" len="med"/>
-                    </a:lnB>
-                  </a:tcPr>
-                </a:tc>
-                <a:tc>
-                  <a:txBody>
-                    <a:bodyPr/>
-                    <a:lstStyle/>
-                    <a:p>
-                      <a:pPr algn="l" fontAlgn="b"/>
-                      <a:r>
-                        <a:rPr lang="en-US" sz="1100" b="0" i="0" u="none" strike="noStrike">
-                          <a:solidFill>
-                            <a:srgbClr val="000000"/>
-                          </a:solidFill>
-                          <a:effectLst/>
-                          <a:latin typeface="Calibri" panose="020F0502020204030204" pitchFamily="34" charset="0"/>
-                        </a:rPr>
-                        <a:t> experimental medium </a:t>
-                      </a:r>
-                    </a:p>
-                  </a:txBody>
-                  <a:tcPr marL="9525" marR="9525" marT="9525" marB="0" anchor="b">
-                    <a:lnL w="6350" cap="flat" cmpd="sng" algn="ctr">
-                      <a:solidFill>
-                        <a:srgbClr val="000000"/>
-                      </a:solidFill>
-                      <a:prstDash val="solid"/>
-                      <a:round/>
-                      <a:headEnd type="none" w="med" len="med"/>
-                      <a:tailEnd type="none" w="med" len="med"/>
-                    </a:lnL>
-                    <a:lnR w="6350" cap="flat" cmpd="sng" algn="ctr">
-                      <a:solidFill>
-                        <a:srgbClr val="000000"/>
-                      </a:solidFill>
-                      <a:prstDash val="solid"/>
-                      <a:round/>
-                      <a:headEnd type="none" w="med" len="med"/>
-                      <a:tailEnd type="none" w="med" len="med"/>
-                    </a:lnR>
-                    <a:lnT w="6350" cap="flat" cmpd="sng" algn="ctr">
-                      <a:solidFill>
-                        <a:srgbClr val="000000"/>
-                      </a:solidFill>
-                      <a:prstDash val="solid"/>
-                      <a:round/>
-                      <a:headEnd type="none" w="med" len="med"/>
-                      <a:tailEnd type="none" w="med" len="med"/>
-                    </a:lnT>
-                    <a:lnB w="6350" cap="flat" cmpd="sng" algn="ctr">
-                      <a:solidFill>
-                        <a:srgbClr val="000000"/>
-                      </a:solidFill>
-                      <a:prstDash val="solid"/>
-                      <a:round/>
-                      <a:headEnd type="none" w="med" len="med"/>
-                      <a:tailEnd type="none" w="med" len="med"/>
-                    </a:lnB>
-                  </a:tcPr>
-                </a:tc>
-                <a:tc>
-                  <a:txBody>
-                    <a:bodyPr/>
-                    <a:lstStyle/>
-                    <a:p>
-                      <a:pPr algn="l" fontAlgn="b"/>
-                      <a:r>
-                        <a:rPr lang="en-US" sz="1100" b="0" i="0" u="none" strike="noStrike">
-                          <a:solidFill>
-                            <a:srgbClr val="000000"/>
-                          </a:solidFill>
-                          <a:effectLst/>
-                          <a:latin typeface="Calibri" panose="020F0502020204030204" pitchFamily="34" charset="0"/>
-                        </a:rPr>
-                        <a:t> placenta </a:t>
-                      </a:r>
-                    </a:p>
-                  </a:txBody>
-                  <a:tcPr marL="9525" marR="9525" marT="9525" marB="0" anchor="b">
-                    <a:lnL w="6350" cap="flat" cmpd="sng" algn="ctr">
-                      <a:solidFill>
-                        <a:srgbClr val="000000"/>
-                      </a:solidFill>
-                      <a:prstDash val="solid"/>
-                      <a:round/>
-                      <a:headEnd type="none" w="med" len="med"/>
-                      <a:tailEnd type="none" w="med" len="med"/>
-                    </a:lnL>
-                    <a:lnR w="6350" cap="flat" cmpd="sng" algn="ctr">
-                      <a:solidFill>
-                        <a:srgbClr val="000000"/>
-                      </a:solidFill>
-                      <a:prstDash val="solid"/>
-                      <a:round/>
-                      <a:headEnd type="none" w="med" len="med"/>
-                      <a:tailEnd type="none" w="med" len="med"/>
-                    </a:lnR>
-                    <a:lnT w="6350" cap="flat" cmpd="sng" algn="ctr">
-                      <a:solidFill>
-                        <a:srgbClr val="000000"/>
-                      </a:solidFill>
-                      <a:prstDash val="solid"/>
-                      <a:round/>
-                      <a:headEnd type="none" w="med" len="med"/>
-                      <a:tailEnd type="none" w="med" len="med"/>
-                    </a:lnT>
-                    <a:lnB w="6350" cap="flat" cmpd="sng" algn="ctr">
-                      <a:solidFill>
-                        <a:srgbClr val="000000"/>
-                      </a:solidFill>
-                      <a:prstDash val="solid"/>
-                      <a:round/>
-                      <a:headEnd type="none" w="med" len="med"/>
-                      <a:tailEnd type="none" w="med" len="med"/>
-                    </a:lnB>
-                  </a:tcPr>
-                </a:tc>
-                <a:extLst>
-                  <a:ext uri="{0D108BD9-81ED-4DB2-BD59-A6C34878D82A}">
-                    <a16:rowId xmlns:a16="http://schemas.microsoft.com/office/drawing/2014/main" val="3517525072"/>
-                  </a:ext>
-                </a:extLst>
-              </a:tr>
-              <a:tr h="414215">
-                <a:tc>
-                  <a:txBody>
-                    <a:bodyPr/>
-                    <a:lstStyle/>
-                    <a:p>
-                      <a:pPr algn="l" fontAlgn="b"/>
-                      <a:r>
-                        <a:rPr lang="en-US" sz="1100" b="0" i="0" u="none" strike="noStrike" dirty="0">
-                          <a:solidFill>
-                            <a:srgbClr val="000000"/>
-                          </a:solidFill>
-                          <a:effectLst/>
-                          <a:latin typeface="Calibri" panose="020F0502020204030204" pitchFamily="34" charset="0"/>
-                        </a:rPr>
-                        <a:t>38-year-old secondary recurrent </a:t>
-                      </a:r>
-                      <a:r>
-                        <a:rPr lang="en-US" sz="1100" b="0" i="0" u="none" strike="noStrike" dirty="0" err="1">
-                          <a:solidFill>
-                            <a:srgbClr val="000000"/>
-                          </a:solidFill>
-                          <a:effectLst/>
-                          <a:latin typeface="Calibri" panose="020F0502020204030204" pitchFamily="34" charset="0"/>
-                        </a:rPr>
-                        <a:t>aborter</a:t>
-                      </a:r>
-                      <a:r>
-                        <a:rPr lang="en-US" sz="1100" b="0" i="0" u="none" strike="noStrike" dirty="0">
-                          <a:solidFill>
-                            <a:srgbClr val="000000"/>
-                          </a:solidFill>
-                          <a:effectLst/>
-                          <a:latin typeface="Calibri" panose="020F0502020204030204" pitchFamily="34" charset="0"/>
-                        </a:rPr>
-                        <a:t> </a:t>
-                      </a:r>
-                    </a:p>
-                  </a:txBody>
-                  <a:tcPr marL="9525" marR="9525" marT="9525" marB="0" anchor="b">
-                    <a:lnL w="6350" cap="flat" cmpd="sng" algn="ctr">
-                      <a:solidFill>
-                        <a:srgbClr val="000000"/>
-                      </a:solidFill>
-                      <a:prstDash val="solid"/>
-                      <a:round/>
-                      <a:headEnd type="none" w="med" len="med"/>
-                      <a:tailEnd type="none" w="med" len="med"/>
-                    </a:lnL>
-                    <a:lnR w="6350" cap="flat" cmpd="sng" algn="ctr">
-                      <a:solidFill>
-                        <a:srgbClr val="000000"/>
-                      </a:solidFill>
-                      <a:prstDash val="solid"/>
-                      <a:round/>
-                      <a:headEnd type="none" w="med" len="med"/>
-                      <a:tailEnd type="none" w="med" len="med"/>
-                    </a:lnR>
-                    <a:lnT w="6350" cap="flat" cmpd="sng" algn="ctr">
-                      <a:solidFill>
-                        <a:srgbClr val="000000"/>
-                      </a:solidFill>
-                      <a:prstDash val="solid"/>
-                      <a:round/>
-                      <a:headEnd type="none" w="med" len="med"/>
-                      <a:tailEnd type="none" w="med" len="med"/>
-                    </a:lnT>
-                    <a:lnB w="6350" cap="flat" cmpd="sng" algn="ctr">
-                      <a:solidFill>
-                        <a:srgbClr val="000000"/>
-                      </a:solidFill>
-                      <a:prstDash val="solid"/>
-                      <a:round/>
-                      <a:headEnd type="none" w="med" len="med"/>
-                      <a:tailEnd type="none" w="med" len="med"/>
-                    </a:lnB>
-                  </a:tcPr>
-                </a:tc>
-                <a:tc>
-                  <a:txBody>
-                    <a:bodyPr/>
-                    <a:lstStyle/>
-                    <a:p>
-                      <a:pPr algn="l" fontAlgn="b"/>
-                      <a:r>
-                        <a:rPr lang="en-US" sz="1100" b="0" i="0" u="none" strike="noStrike" dirty="0">
-                          <a:solidFill>
-                            <a:srgbClr val="000000"/>
-                          </a:solidFill>
-                          <a:effectLst/>
-                          <a:latin typeface="Calibri" panose="020F0502020204030204" pitchFamily="34" charset="0"/>
-                        </a:rPr>
-                        <a:t> experimental medium </a:t>
-                      </a:r>
-                    </a:p>
-                  </a:txBody>
-                  <a:tcPr marL="9525" marR="9525" marT="9525" marB="0" anchor="b">
-                    <a:lnL w="6350" cap="flat" cmpd="sng" algn="ctr">
-                      <a:solidFill>
-                        <a:srgbClr val="000000"/>
-                      </a:solidFill>
-                      <a:prstDash val="solid"/>
-                      <a:round/>
-                      <a:headEnd type="none" w="med" len="med"/>
-                      <a:tailEnd type="none" w="med" len="med"/>
-                    </a:lnL>
-                    <a:lnR w="6350" cap="flat" cmpd="sng" algn="ctr">
-                      <a:solidFill>
-                        <a:srgbClr val="000000"/>
-                      </a:solidFill>
-                      <a:prstDash val="solid"/>
-                      <a:round/>
-                      <a:headEnd type="none" w="med" len="med"/>
-                      <a:tailEnd type="none" w="med" len="med"/>
-                    </a:lnR>
-                    <a:lnT w="6350" cap="flat" cmpd="sng" algn="ctr">
-                      <a:solidFill>
-                        <a:srgbClr val="000000"/>
-                      </a:solidFill>
-                      <a:prstDash val="solid"/>
-                      <a:round/>
-                      <a:headEnd type="none" w="med" len="med"/>
-                      <a:tailEnd type="none" w="med" len="med"/>
-                    </a:lnT>
-                    <a:lnB w="6350" cap="flat" cmpd="sng" algn="ctr">
-                      <a:solidFill>
-                        <a:srgbClr val="000000"/>
-                      </a:solidFill>
-                      <a:prstDash val="solid"/>
-                      <a:round/>
-                      <a:headEnd type="none" w="med" len="med"/>
-                      <a:tailEnd type="none" w="med" len="med"/>
-                    </a:lnB>
-                  </a:tcPr>
-                </a:tc>
-                <a:tc>
-                  <a:txBody>
-                    <a:bodyPr/>
-                    <a:lstStyle/>
-                    <a:p>
-                      <a:pPr algn="l" fontAlgn="b"/>
-                      <a:r>
-                        <a:rPr lang="en-US" sz="1100" b="0" i="0" u="none" strike="noStrike" dirty="0">
-                          <a:solidFill>
-                            <a:srgbClr val="000000"/>
-                          </a:solidFill>
-                          <a:effectLst/>
-                          <a:latin typeface="Calibri" panose="020F0502020204030204" pitchFamily="34" charset="0"/>
-                        </a:rPr>
-                        <a:t> pregnant woman </a:t>
-                      </a:r>
-                    </a:p>
-                  </a:txBody>
-                  <a:tcPr marL="9525" marR="9525" marT="9525" marB="0" anchor="b">
-                    <a:lnL w="6350" cap="flat" cmpd="sng" algn="ctr">
-                      <a:solidFill>
-                        <a:srgbClr val="000000"/>
-                      </a:solidFill>
-                      <a:prstDash val="solid"/>
-                      <a:round/>
-                      <a:headEnd type="none" w="med" len="med"/>
-                      <a:tailEnd type="none" w="med" len="med"/>
-                    </a:lnL>
-                    <a:lnR w="6350" cap="flat" cmpd="sng" algn="ctr">
-                      <a:solidFill>
-                        <a:srgbClr val="000000"/>
-                      </a:solidFill>
-                      <a:prstDash val="solid"/>
-                      <a:round/>
-                      <a:headEnd type="none" w="med" len="med"/>
-                      <a:tailEnd type="none" w="med" len="med"/>
-                    </a:lnR>
-                    <a:lnT w="6350" cap="flat" cmpd="sng" algn="ctr">
-                      <a:solidFill>
-                        <a:srgbClr val="000000"/>
-                      </a:solidFill>
-                      <a:prstDash val="solid"/>
-                      <a:round/>
-                      <a:headEnd type="none" w="med" len="med"/>
-                      <a:tailEnd type="none" w="med" len="med"/>
-                    </a:lnT>
-                    <a:lnB w="6350" cap="flat" cmpd="sng" algn="ctr">
-                      <a:solidFill>
-                        <a:srgbClr val="000000"/>
-                      </a:solidFill>
-                      <a:prstDash val="solid"/>
-                      <a:round/>
-                      <a:headEnd type="none" w="med" len="med"/>
-                      <a:tailEnd type="none" w="med" len="med"/>
-                    </a:lnB>
-                  </a:tcPr>
-                </a:tc>
-                <a:extLst>
-                  <a:ext uri="{0D108BD9-81ED-4DB2-BD59-A6C34878D82A}">
-                    <a16:rowId xmlns:a16="http://schemas.microsoft.com/office/drawing/2014/main" val="3200810552"/>
-                  </a:ext>
-                </a:extLst>
-              </a:tr>
-            </a:tbl>
-          </a:graphicData>
-        </a:graphic>
-      </p:graphicFrame>
-      <p:sp>
-        <p:nvSpPr>
-          <p:cNvPr id="8" name="Metin kutusu 7">
-            <a:extLst>
-              <a:ext uri="{FF2B5EF4-FFF2-40B4-BE49-F238E27FC236}">
-                <a16:creationId xmlns:a16="http://schemas.microsoft.com/office/drawing/2014/main" id="{C0A49393-094B-426D-892E-075680BE8640}"/>
-              </a:ext>
-            </a:extLst>
-          </p:cNvPr>
-          <p:cNvSpPr txBox="1"/>
-          <p:nvPr/>
-        </p:nvSpPr>
-        <p:spPr>
-          <a:xfrm>
-            <a:off x="6328612" y="2884131"/>
-            <a:ext cx="4827068" cy="2236510"/>
-          </a:xfrm>
-          <a:prstGeom prst="rect">
-            <a:avLst/>
-          </a:prstGeom>
-          <a:noFill/>
-        </p:spPr>
-        <p:txBody>
-          <a:bodyPr wrap="square" rtlCol="0">
-            <a:spAutoFit/>
-          </a:bodyPr>
-          <a:lstStyle/>
-          <a:p>
-            <a:pPr marL="285750" indent="-285750" defTabSz="914400">
-              <a:spcBef>
-                <a:spcPts val="200"/>
-              </a:spcBef>
-              <a:spcAft>
-                <a:spcPts val="400"/>
-              </a:spcAft>
-              <a:buClr>
-                <a:schemeClr val="accent1"/>
-              </a:buClr>
-              <a:buFont typeface="Wingdings" panose="05000000000000000000" pitchFamily="2" charset="2"/>
-              <a:buChar char="Ø"/>
-            </a:pPr>
-            <a:r>
-              <a:rPr lang="tr-TR" b="1" dirty="0">
-                <a:solidFill>
-                  <a:schemeClr val="tx1">
-                    <a:lumMod val="75000"/>
-                    <a:lumOff val="25000"/>
-                  </a:schemeClr>
-                </a:solidFill>
-              </a:rPr>
-              <a:t>Part of speech tagging can be applied to first sentence for morphological analysis</a:t>
-            </a:r>
-            <a:endParaRPr lang="tr-TR" altLang="en-US" b="1" dirty="0">
-              <a:solidFill>
-                <a:schemeClr val="tx1">
-                  <a:lumMod val="75000"/>
-                  <a:lumOff val="25000"/>
-                </a:schemeClr>
-              </a:solidFill>
-            </a:endParaRPr>
-          </a:p>
-          <a:p>
-            <a:pPr defTabSz="914400">
-              <a:spcBef>
-                <a:spcPts val="200"/>
-              </a:spcBef>
-              <a:spcAft>
-                <a:spcPts val="400"/>
-              </a:spcAft>
-              <a:buClr>
-                <a:schemeClr val="accent1"/>
-              </a:buClr>
-              <a:buFont typeface="Wingdings" panose="05000000000000000000" pitchFamily="2" charset="2"/>
-            </a:pPr>
-            <a:endParaRPr lang="tr-TR" altLang="en-US" b="1" dirty="0">
-              <a:solidFill>
-                <a:schemeClr val="tx1">
-                  <a:lumMod val="75000"/>
-                  <a:lumOff val="25000"/>
-                </a:schemeClr>
-              </a:solidFill>
-            </a:endParaRPr>
-          </a:p>
-          <a:p>
-            <a:pPr marL="285750" indent="-285750" defTabSz="914400">
-              <a:spcBef>
-                <a:spcPts val="200"/>
-              </a:spcBef>
-              <a:spcAft>
-                <a:spcPts val="400"/>
-              </a:spcAft>
-              <a:buClr>
-                <a:schemeClr val="accent1"/>
-              </a:buClr>
-              <a:buFont typeface="Wingdings" panose="05000000000000000000" pitchFamily="2" charset="2"/>
-              <a:buChar char="Ø"/>
-            </a:pPr>
-            <a:r>
-              <a:rPr lang="tr-TR" altLang="en-US" b="1" dirty="0">
-                <a:solidFill>
-                  <a:schemeClr val="tx1">
-                    <a:lumMod val="75000"/>
-                    <a:lumOff val="25000"/>
-                  </a:schemeClr>
-                </a:solidFill>
-              </a:rPr>
-              <a:t>Sentence is split into phrases</a:t>
-            </a:r>
-            <a:endParaRPr lang="tr-TR" altLang="en-US" dirty="0"/>
-          </a:p>
-          <a:p>
-            <a:endParaRPr lang="tr-TR" dirty="0"/>
-          </a:p>
-          <a:p>
-            <a:endParaRPr lang="tr-TR" dirty="0"/>
-          </a:p>
-          <a:p>
-            <a:endParaRPr lang="en-US" dirty="0"/>
-          </a:p>
-        </p:txBody>
-      </p:sp>
-      <p:sp>
-        <p:nvSpPr>
-          <p:cNvPr id="10" name="Rectangle 2">
-            <a:extLst>
-              <a:ext uri="{FF2B5EF4-FFF2-40B4-BE49-F238E27FC236}">
-                <a16:creationId xmlns:a16="http://schemas.microsoft.com/office/drawing/2014/main" id="{533397CC-4E35-4F67-A77E-718FD9C60735}"/>
+                <a16:creationId xmlns:a16="http://schemas.microsoft.com/office/drawing/2014/main" id="{D941672E-CF5C-4625-8693-307F29A99472}"/>
               </a:ext>
             </a:extLst>
           </p:cNvPr>
           <p:cNvSpPr>
-            <a:spLocks noChangeArrowheads="1"/>
+            <a:spLocks noGrp="1"/>
           </p:cNvSpPr>
-          <p:nvPr/>
-        </p:nvSpPr>
-        <p:spPr bwMode="auto">
-          <a:xfrm>
-            <a:off x="0" y="90100"/>
-            <a:ext cx="65" cy="276999"/>
-          </a:xfrm>
-          <a:prstGeom prst="rect">
-            <a:avLst/>
-          </a:prstGeom>
-          <a:solidFill>
-            <a:srgbClr val="FFFFFF"/>
-          </a:solidFill>
-          <a:ln>
-            <a:noFill/>
-          </a:ln>
-          <a:effectLst/>
-          <a:extLst>
-            <a:ext uri="{91240B29-F687-4F45-9708-019B960494DF}">
-              <a14:hiddenLine xmlns:a14="http://schemas.microsoft.com/office/drawing/2010/main" w="9525">
-                <a:solidFill>
-                  <a:schemeClr val="tx1"/>
-                </a:solidFill>
-                <a:miter lim="800000"/>
-                <a:headEnd/>
-                <a:tailEnd/>
-              </a14:hiddenLine>
-            </a:ext>
-            <a:ext uri="{AF507438-7753-43E0-B8FC-AC1667EBCBE1}">
-              <a14:hiddenEffects xmlns:a14="http://schemas.microsoft.com/office/drawing/2010/main">
-                <a:effectLst>
-                  <a:outerShdw dist="35921" dir="2700000" algn="ctr" rotWithShape="0">
-                    <a:schemeClr val="bg2"/>
-                  </a:outerShdw>
-                </a:effectLst>
-              </a14:hiddenEffects>
-            </a:ext>
-          </a:extLst>
-        </p:spPr>
+          <p:nvPr>
+            <p:ph idx="1"/>
+          </p:nvPr>
+        </p:nvSpPr>
+        <p:spPr/>
         <p:txBody>
-          <a:bodyPr vert="horz" wrap="none" lIns="0" tIns="0" rIns="0" bIns="0" numCol="1" anchor="ctr" anchorCtr="0" compatLnSpc="1">
-            <a:prstTxWarp prst="textNoShape">
-              <a:avLst/>
-            </a:prstTxWarp>
-            <a:spAutoFit/>
-          </a:bodyPr>
+          <a:bodyPr/>
           <a:lstStyle/>
           <a:p>
-            <a:pPr marL="0" marR="0" lvl="0" indent="0" algn="l" defTabSz="914400" rtl="0" eaLnBrk="0" fontAlgn="base" latinLnBrk="0" hangingPunct="0">
+            <a:pPr>
               <a:lnSpc>
-                <a:spcPct val="100000"/>
+                <a:spcPct val="70000"/>
+              </a:lnSpc>
+              <a:buFont typeface="Wingdings" panose="05000000000000000000" pitchFamily="2" charset="2"/>
+              <a:buChar char="Ø"/>
+            </a:pPr>
+            <a:r>
+              <a:rPr lang="tr-TR" sz="1900" dirty="0"/>
+              <a:t>There is an Ontology implementation in Python written by </a:t>
+            </a:r>
+            <a:r>
+              <a:rPr lang="en-US" sz="1900" dirty="0"/>
+              <a:t>Martin </a:t>
+            </a:r>
+            <a:r>
+              <a:rPr lang="en-US" sz="1900" dirty="0" err="1"/>
+              <a:t>Larralde</a:t>
+            </a:r>
+            <a:endParaRPr lang="tr-TR" sz="1900" dirty="0"/>
+          </a:p>
+          <a:p>
+            <a:pPr>
+              <a:lnSpc>
+                <a:spcPct val="70000"/>
+              </a:lnSpc>
+              <a:buFont typeface="Wingdings" panose="05000000000000000000" pitchFamily="2" charset="2"/>
+              <a:buChar char="Ø"/>
+            </a:pPr>
+            <a:r>
+              <a:rPr lang="tr-TR" sz="1900" dirty="0"/>
+              <a:t>github.com/</a:t>
+            </a:r>
+            <a:r>
+              <a:rPr lang="en-US" sz="1900" dirty="0"/>
+              <a:t>althonos</a:t>
+            </a:r>
+          </a:p>
+          <a:p>
+            <a:pPr>
+              <a:lnSpc>
+                <a:spcPct val="70000"/>
+              </a:lnSpc>
+              <a:buFont typeface="Wingdings" panose="05000000000000000000" pitchFamily="2" charset="2"/>
+              <a:buChar char="Ø"/>
+            </a:pPr>
+            <a:r>
+              <a:rPr lang="tr-TR" sz="1900" dirty="0"/>
+              <a:t>Given an .obo document</a:t>
+            </a:r>
+            <a:endParaRPr lang="en-US" sz="1900" dirty="0"/>
+          </a:p>
+          <a:p>
+            <a:pPr marL="91440" lvl="1" indent="-91440">
+              <a:lnSpc>
+                <a:spcPct val="70000"/>
               </a:lnSpc>
               <a:spcBef>
-                <a:spcPct val="0"/>
+                <a:spcPts val="1200"/>
               </a:spcBef>
               <a:spcAft>
-                <a:spcPct val="0"/>
+                <a:spcPts val="200"/>
               </a:spcAft>
-              <a:buClrTx/>
-              <a:buSzTx/>
-              <a:buFontTx/>
-              <a:buNone/>
-              <a:tabLst/>
+              <a:buSzPct val="100000"/>
+              <a:buFont typeface="Wingdings" panose="05000000000000000000" pitchFamily="2" charset="2"/>
+              <a:buChar char="Ø"/>
             </a:pPr>
-            <a:endParaRPr kumimoji="0" lang="en-US" altLang="en-US" sz="1800" b="0" i="0" u="none" strike="noStrike" cap="none" normalizeH="0" baseline="0" dirty="0">
-              <a:ln>
-                <a:noFill/>
-              </a:ln>
-              <a:solidFill>
-                <a:schemeClr val="tx1"/>
-              </a:solidFill>
-              <a:effectLst/>
-              <a:latin typeface="Arial" panose="020B0604020202020204" pitchFamily="34" charset="0"/>
-            </a:endParaRPr>
-          </a:p>
-        </p:txBody>
-      </p:sp>
-      <p:sp>
-        <p:nvSpPr>
-          <p:cNvPr id="12" name="Rectangle 4">
-            <a:extLst>
-              <a:ext uri="{FF2B5EF4-FFF2-40B4-BE49-F238E27FC236}">
-                <a16:creationId xmlns:a16="http://schemas.microsoft.com/office/drawing/2014/main" id="{7B0EA3CF-2A11-4ECA-9AA4-18D17A9BE32F}"/>
-              </a:ext>
-            </a:extLst>
-          </p:cNvPr>
-          <p:cNvSpPr>
-            <a:spLocks noChangeArrowheads="1"/>
-          </p:cNvSpPr>
-          <p:nvPr/>
-        </p:nvSpPr>
-        <p:spPr bwMode="auto">
-          <a:xfrm>
-            <a:off x="0" y="143961"/>
-            <a:ext cx="32060" cy="169277"/>
-          </a:xfrm>
-          <a:prstGeom prst="rect">
-            <a:avLst/>
-          </a:prstGeom>
-          <a:solidFill>
-            <a:srgbClr val="FFFFFF"/>
-          </a:solidFill>
-          <a:ln>
-            <a:noFill/>
-          </a:ln>
-          <a:effectLst/>
-          <a:extLst>
-            <a:ext uri="{91240B29-F687-4F45-9708-019B960494DF}">
-              <a14:hiddenLine xmlns:a14="http://schemas.microsoft.com/office/drawing/2010/main" w="9525">
-                <a:solidFill>
-                  <a:schemeClr val="tx1"/>
-                </a:solidFill>
-                <a:miter lim="800000"/>
-                <a:headEnd/>
-                <a:tailEnd/>
-              </a14:hiddenLine>
-            </a:ext>
-            <a:ext uri="{AF507438-7753-43E0-B8FC-AC1667EBCBE1}">
-              <a14:hiddenEffects xmlns:a14="http://schemas.microsoft.com/office/drawing/2010/main">
-                <a:effectLst>
-                  <a:outerShdw dist="35921" dir="2700000" algn="ctr" rotWithShape="0">
-                    <a:schemeClr val="bg2"/>
-                  </a:outerShdw>
-                </a:effectLst>
-              </a14:hiddenEffects>
-            </a:ext>
-          </a:extLst>
-        </p:spPr>
-        <p:txBody>
-          <a:bodyPr vert="horz" wrap="none" lIns="0" tIns="0" rIns="0" bIns="0" numCol="1" anchor="ctr" anchorCtr="0" compatLnSpc="1">
-            <a:prstTxWarp prst="textNoShape">
-              <a:avLst/>
-            </a:prstTxWarp>
-            <a:spAutoFit/>
-          </a:bodyPr>
-          <a:lstStyle/>
-          <a:p>
-            <a:pPr marL="0" marR="0" lvl="0" indent="0" algn="l" defTabSz="914400" rtl="0" eaLnBrk="0" fontAlgn="base" latinLnBrk="0" hangingPunct="0">
-              <a:lnSpc>
-                <a:spcPct val="100000"/>
-              </a:lnSpc>
-              <a:spcBef>
-                <a:spcPct val="0"/>
-              </a:spcBef>
-              <a:spcAft>
-                <a:spcPct val="0"/>
-              </a:spcAft>
-              <a:buClrTx/>
-              <a:buSzTx/>
-              <a:buFontTx/>
-              <a:buNone/>
-              <a:tabLst/>
-            </a:pPr>
-            <a:r>
-              <a:rPr kumimoji="0" lang="en-US" altLang="en-US" sz="1100" b="0" i="0" u="none" strike="noStrike" cap="none" normalizeH="0" baseline="0" dirty="0">
-                <a:ln>
-                  <a:noFill/>
-                </a:ln>
-                <a:solidFill>
-                  <a:schemeClr val="tx1"/>
-                </a:solidFill>
-                <a:effectLst/>
+            <a:r>
+              <a:rPr lang="tr-TR" sz="1900" dirty="0"/>
+              <a:t>Creates the graph representation of Ontology Terms by </a:t>
+            </a:r>
+            <a:r>
+              <a:rPr lang="en-US" sz="1900" dirty="0"/>
+              <a:t>implementing the specifications of the </a:t>
+            </a:r>
+            <a:r>
+              <a:rPr lang="en-US" sz="1900" dirty="0">
+                <a:hlinkClick r:id="rId2">
+                  <a:extLst>
+                    <a:ext uri="{A12FA001-AC4F-418D-AE19-62706E023703}">
+                      <ahyp:hlinkClr xmlns:ahyp="http://schemas.microsoft.com/office/drawing/2018/hyperlinkcolor" val="tx"/>
+                    </a:ext>
+                  </a:extLst>
+                </a:hlinkClick>
               </a:rPr>
-              <a:t> </a:t>
-            </a:r>
-            <a:endParaRPr kumimoji="0" lang="en-US" altLang="en-US" sz="1800" b="0" i="0" u="none" strike="noStrike" cap="none" normalizeH="0" baseline="0" dirty="0">
-              <a:ln>
-                <a:noFill/>
-              </a:ln>
-              <a:solidFill>
-                <a:schemeClr val="tx1"/>
-              </a:solidFill>
-              <a:effectLst/>
-              <a:latin typeface="Arial" panose="020B0604020202020204" pitchFamily="34" charset="0"/>
-            </a:endParaRPr>
+              <a:t>Open Biomedical Ontologies 1.4</a:t>
+            </a:r>
+            <a:endParaRPr lang="en-US" sz="1900" dirty="0"/>
           </a:p>
         </p:txBody>
       </p:sp>
     </p:spTree>
     <p:extLst>
       <p:ext uri="{BB962C8B-B14F-4D97-AF65-F5344CB8AC3E}">
-        <p14:creationId xmlns:p14="http://schemas.microsoft.com/office/powerpoint/2010/main" val="2117779154"/>
+        <p14:creationId xmlns:p14="http://schemas.microsoft.com/office/powerpoint/2010/main" val="2921863296"/>
       </p:ext>
     </p:extLst>
   </p:cSld>
@@ -4997,6 +4104,11 @@
 <file path=ppt/slides/slide11.xml><?xml version="1.0" encoding="utf-8"?>
 <p:sld xmlns:a="http://schemas.openxmlformats.org/drawingml/2006/main" xmlns:r="http://schemas.openxmlformats.org/officeDocument/2006/relationships" xmlns:p="http://schemas.openxmlformats.org/presentationml/2006/main">
   <p:cSld>
+    <p:bg>
+      <p:bgRef idx="1001">
+        <a:schemeClr val="bg1"/>
+      </p:bgRef>
+    </p:bg>
     <p:spTree>
       <p:nvGrpSpPr>
         <p:cNvPr id="1" name=""/>
@@ -5036,16 +4148,24 @@
               <a:rPr lang="tr-TR" dirty="0" err="1"/>
               <a:t>Ontology</a:t>
             </a:r>
+            <a:r>
+              <a:rPr lang="tr-TR" dirty="0"/>
+              <a:t> Library - </a:t>
+            </a:r>
+            <a:r>
+              <a:rPr lang="tr-TR" dirty="0" err="1"/>
+              <a:t>Pronto</a:t>
+            </a:r>
             <a:endParaRPr lang="en-US" dirty="0"/>
           </a:p>
         </p:txBody>
       </p:sp>
       <p:sp>
         <p:nvSpPr>
-          <p:cNvPr id="3" name="Content Placeholder 2">
+          <p:cNvPr id="4" name="İçerik Yer Tutucusu 3">
             <a:extLst>
               <a:ext uri="{FF2B5EF4-FFF2-40B4-BE49-F238E27FC236}">
-                <a16:creationId xmlns:a16="http://schemas.microsoft.com/office/drawing/2014/main" id="{D941672E-CF5C-4625-8693-307F29A99472}"/>
+                <a16:creationId xmlns:a16="http://schemas.microsoft.com/office/drawing/2014/main" id="{B432F4EC-C1A5-493E-BDE2-8489EF8409A5}"/>
               </a:ext>
             </a:extLst>
           </p:cNvPr>
@@ -5056,207 +4176,108 @@
             <p:ph idx="1"/>
           </p:nvPr>
         </p:nvSpPr>
-        <p:spPr/>
+        <p:spPr>
+          <a:xfrm>
+            <a:off x="6561222" y="2919931"/>
+            <a:ext cx="4594458" cy="1785233"/>
+          </a:xfrm>
+        </p:spPr>
         <p:txBody>
-          <a:bodyPr/>
+          <a:bodyPr>
+            <a:normAutofit fontScale="92500" lnSpcReduction="20000"/>
+          </a:bodyPr>
           <a:lstStyle/>
           <a:p>
-            <a:r>
-              <a:rPr lang="tr-TR" dirty="0" err="1"/>
-              <a:t>There</a:t>
-            </a:r>
+            <a:pPr>
+              <a:buFont typeface="Wingdings" panose="05000000000000000000" pitchFamily="2" charset="2"/>
+              <a:buChar char="Ø"/>
+            </a:pPr>
             <a:r>
               <a:rPr lang="tr-TR" dirty="0"/>
-              <a:t> is an </a:t>
-            </a:r>
-            <a:r>
-              <a:rPr lang="tr-TR" dirty="0" err="1"/>
-              <a:t>Ontology</a:t>
-            </a:r>
+              <a:t>Starts from the Patient (OBT:003220 ) term</a:t>
+            </a:r>
+          </a:p>
+          <a:p>
+            <a:pPr>
+              <a:buFont typeface="Wingdings" panose="05000000000000000000" pitchFamily="2" charset="2"/>
+              <a:buChar char="Ø"/>
+            </a:pPr>
             <a:r>
               <a:rPr lang="tr-TR" dirty="0"/>
-              <a:t> </a:t>
-            </a:r>
-            <a:r>
-              <a:rPr lang="tr-TR" dirty="0" err="1"/>
-              <a:t>implementation</a:t>
-            </a:r>
+              <a:t>Whole graph can be induced by following is_a and synonym relationships</a:t>
+            </a:r>
+          </a:p>
+          <a:p>
+            <a:pPr>
+              <a:buFont typeface="Wingdings" panose="05000000000000000000" pitchFamily="2" charset="2"/>
+              <a:buChar char="Ø"/>
+            </a:pPr>
             <a:r>
               <a:rPr lang="tr-TR" dirty="0"/>
-              <a:t> in </a:t>
-            </a:r>
-            <a:r>
-              <a:rPr lang="tr-TR" dirty="0" err="1"/>
-              <a:t>Python</a:t>
-            </a:r>
-            <a:r>
-              <a:rPr lang="tr-TR" dirty="0"/>
-              <a:t> </a:t>
-            </a:r>
-            <a:r>
-              <a:rPr lang="tr-TR" dirty="0" err="1"/>
-              <a:t>written</a:t>
-            </a:r>
-            <a:r>
-              <a:rPr lang="tr-TR" dirty="0"/>
-              <a:t> </a:t>
-            </a:r>
-            <a:r>
-              <a:rPr lang="tr-TR" dirty="0" err="1"/>
-              <a:t>by</a:t>
-            </a:r>
-            <a:r>
-              <a:rPr lang="tr-TR" dirty="0"/>
-              <a:t> </a:t>
-            </a:r>
-            <a:r>
-              <a:rPr lang="en-US" dirty="0"/>
-              <a:t>Martin </a:t>
-            </a:r>
-            <a:r>
-              <a:rPr lang="en-US" dirty="0" err="1"/>
-              <a:t>Larralde</a:t>
-            </a:r>
-            <a:r>
-              <a:rPr lang="tr-TR" dirty="0"/>
-              <a:t>.</a:t>
-            </a:r>
-          </a:p>
-          <a:p>
-            <a:br>
-              <a:rPr lang="tr-TR" dirty="0"/>
-            </a:br>
-            <a:r>
-              <a:rPr lang="tr-TR" dirty="0"/>
-              <a:t>Reference : </a:t>
-            </a:r>
-            <a:r>
-              <a:rPr lang="tr-TR" i="1" dirty="0"/>
-              <a:t>github.com/</a:t>
-            </a:r>
-            <a:r>
-              <a:rPr lang="en-US" i="1" dirty="0" err="1"/>
-              <a:t>althonos</a:t>
-            </a:r>
-            <a:endParaRPr lang="en-US" i="1" dirty="0"/>
-          </a:p>
-          <a:p>
-            <a:endParaRPr lang="tr-TR" dirty="0"/>
-          </a:p>
-          <a:p>
-            <a:r>
-              <a:rPr lang="tr-TR" dirty="0" err="1"/>
-              <a:t>Given</a:t>
-            </a:r>
-            <a:r>
-              <a:rPr lang="tr-TR" dirty="0"/>
-              <a:t> an .</a:t>
-            </a:r>
-            <a:r>
-              <a:rPr lang="tr-TR" dirty="0" err="1"/>
-              <a:t>obo</a:t>
-            </a:r>
-            <a:r>
-              <a:rPr lang="tr-TR" dirty="0"/>
-              <a:t> </a:t>
-            </a:r>
-            <a:r>
-              <a:rPr lang="tr-TR" dirty="0" err="1"/>
-              <a:t>document</a:t>
-            </a:r>
-            <a:r>
-              <a:rPr lang="tr-TR" dirty="0"/>
-              <a:t>. </a:t>
-            </a:r>
-          </a:p>
-          <a:p>
-            <a:r>
-              <a:rPr lang="tr-TR" dirty="0" err="1"/>
-              <a:t>Creates</a:t>
-            </a:r>
-            <a:r>
-              <a:rPr lang="tr-TR" dirty="0"/>
-              <a:t> </a:t>
-            </a:r>
-            <a:r>
-              <a:rPr lang="tr-TR" dirty="0" err="1"/>
-              <a:t>the</a:t>
-            </a:r>
-            <a:r>
-              <a:rPr lang="tr-TR" dirty="0"/>
-              <a:t> </a:t>
-            </a:r>
-            <a:r>
-              <a:rPr lang="tr-TR" dirty="0" err="1"/>
-              <a:t>graph</a:t>
-            </a:r>
-            <a:r>
-              <a:rPr lang="tr-TR" dirty="0"/>
-              <a:t> </a:t>
-            </a:r>
-            <a:r>
-              <a:rPr lang="tr-TR" dirty="0" err="1"/>
-              <a:t>representation</a:t>
-            </a:r>
-            <a:r>
-              <a:rPr lang="tr-TR" dirty="0"/>
-              <a:t> of </a:t>
-            </a:r>
-            <a:r>
-              <a:rPr lang="tr-TR" dirty="0" err="1"/>
-              <a:t>Ontology</a:t>
-            </a:r>
-            <a:r>
-              <a:rPr lang="tr-TR" dirty="0"/>
-              <a:t> </a:t>
-            </a:r>
-            <a:r>
-              <a:rPr lang="tr-TR" dirty="0" err="1"/>
-              <a:t>Terms</a:t>
-            </a:r>
-            <a:r>
-              <a:rPr lang="tr-TR" dirty="0"/>
-              <a:t> </a:t>
-            </a:r>
-            <a:r>
-              <a:rPr lang="tr-TR" dirty="0" err="1"/>
-              <a:t>by</a:t>
-            </a:r>
-            <a:r>
-              <a:rPr lang="tr-TR" dirty="0"/>
-              <a:t> </a:t>
-            </a:r>
-            <a:r>
-              <a:rPr lang="en-US" dirty="0"/>
-              <a:t>implement</a:t>
-            </a:r>
-            <a:r>
-              <a:rPr lang="tr-TR" dirty="0" err="1"/>
-              <a:t>ing</a:t>
-            </a:r>
-            <a:r>
-              <a:rPr lang="en-US" dirty="0"/>
-              <a:t> the specifications of the </a:t>
-            </a:r>
-            <a:r>
-              <a:rPr lang="en-US" dirty="0">
-                <a:hlinkClick r:id="rId2"/>
-              </a:rPr>
-              <a:t>Open Biomedical Ontologies 1.4</a:t>
-            </a:r>
+              <a:t>Pronto library has superclasses and subclasses functions to return relevant Ontology terms</a:t>
+            </a:r>
+          </a:p>
+          <a:p>
             <a:endParaRPr lang="en-US" dirty="0"/>
           </a:p>
         </p:txBody>
       </p:sp>
+      <p:pic>
+        <p:nvPicPr>
+          <p:cNvPr id="1028" name="Picture 4">
+            <a:extLst>
+              <a:ext uri="{FF2B5EF4-FFF2-40B4-BE49-F238E27FC236}">
+                <a16:creationId xmlns:a16="http://schemas.microsoft.com/office/drawing/2014/main" id="{DDBD1DA1-837A-4922-AF81-6A99AE34C0D0}"/>
+              </a:ext>
+            </a:extLst>
+          </p:cNvPr>
+          <p:cNvPicPr>
+            <a:picLocks noChangeAspect="1" noChangeArrowheads="1"/>
+          </p:cNvPicPr>
+          <p:nvPr/>
+        </p:nvPicPr>
+        <p:blipFill>
+          <a:blip r:embed="rId3">
+            <a:extLst>
+              <a:ext uri="{28A0092B-C50C-407E-A947-70E740481C1C}">
+                <a14:useLocalDpi xmlns:a14="http://schemas.microsoft.com/office/drawing/2010/main" val="0"/>
+              </a:ext>
+            </a:extLst>
+          </a:blip>
+          <a:srcRect/>
+          <a:stretch>
+            <a:fillRect/>
+          </a:stretch>
+        </p:blipFill>
+        <p:spPr bwMode="auto">
+          <a:xfrm>
+            <a:off x="1321870" y="1845734"/>
+            <a:ext cx="5239352" cy="4297377"/>
+          </a:xfrm>
+          <a:prstGeom prst="rect">
+            <a:avLst/>
+          </a:prstGeom>
+          <a:noFill/>
+          <a:extLst>
+            <a:ext uri="{909E8E84-426E-40DD-AFC4-6F175D3DCCD1}">
+              <a14:hiddenFill xmlns:a14="http://schemas.microsoft.com/office/drawing/2010/main">
+                <a:solidFill>
+                  <a:srgbClr val="FFFFFF"/>
+                </a:solidFill>
+              </a14:hiddenFill>
+            </a:ext>
+          </a:extLst>
+        </p:spPr>
+      </p:pic>
     </p:spTree>
     <p:extLst>
       <p:ext uri="{BB962C8B-B14F-4D97-AF65-F5344CB8AC3E}">
-        <p14:creationId xmlns:p14="http://schemas.microsoft.com/office/powerpoint/2010/main" val="2921863296"/>
+        <p14:creationId xmlns:p14="http://schemas.microsoft.com/office/powerpoint/2010/main" val="4024997453"/>
       </p:ext>
     </p:extLst>
   </p:cSld>
   <p:clrMapOvr>
-    <a:masterClrMapping/>
+    <a:overrideClrMapping bg1="lt1" tx1="dk1" bg2="lt2" tx2="dk2" accent1="accent1" accent2="accent2" accent3="accent3" accent4="accent4" accent5="accent5" accent6="accent6" hlink="hlink" folHlink="folHlink"/>
   </p:clrMapOvr>
 </p:sld>
 </file>
@@ -5311,241 +4332,6 @@
               <a:rPr lang="tr-TR" dirty="0" err="1"/>
               <a:t>Pronto</a:t>
             </a:r>
-            <a:endParaRPr lang="en-US" dirty="0"/>
-          </a:p>
-        </p:txBody>
-      </p:sp>
-      <p:sp>
-        <p:nvSpPr>
-          <p:cNvPr id="4" name="İçerik Yer Tutucusu 3">
-            <a:extLst>
-              <a:ext uri="{FF2B5EF4-FFF2-40B4-BE49-F238E27FC236}">
-                <a16:creationId xmlns:a16="http://schemas.microsoft.com/office/drawing/2014/main" id="{B432F4EC-C1A5-493E-BDE2-8489EF8409A5}"/>
-              </a:ext>
-            </a:extLst>
-          </p:cNvPr>
-          <p:cNvSpPr>
-            <a:spLocks noGrp="1"/>
-          </p:cNvSpPr>
-          <p:nvPr>
-            <p:ph idx="1"/>
-          </p:nvPr>
-        </p:nvSpPr>
-        <p:spPr>
-          <a:xfrm>
-            <a:off x="6561222" y="1845734"/>
-            <a:ext cx="4594458" cy="4023360"/>
-          </a:xfrm>
-        </p:spPr>
-        <p:txBody>
-          <a:bodyPr/>
-          <a:lstStyle/>
-          <a:p>
-            <a:endParaRPr lang="tr-TR" dirty="0"/>
-          </a:p>
-          <a:p>
-            <a:r>
-              <a:rPr lang="tr-TR" dirty="0"/>
-              <a:t>Starts </a:t>
-            </a:r>
-            <a:r>
-              <a:rPr lang="tr-TR" dirty="0" err="1"/>
-              <a:t>from</a:t>
-            </a:r>
-            <a:r>
-              <a:rPr lang="tr-TR" dirty="0"/>
-              <a:t> </a:t>
-            </a:r>
-            <a:r>
-              <a:rPr lang="tr-TR" dirty="0" err="1"/>
-              <a:t>the</a:t>
-            </a:r>
-            <a:r>
-              <a:rPr lang="tr-TR" dirty="0"/>
-              <a:t> </a:t>
-            </a:r>
-            <a:r>
-              <a:rPr lang="tr-TR" dirty="0" err="1"/>
-              <a:t>Patient</a:t>
-            </a:r>
-            <a:r>
-              <a:rPr lang="tr-TR" dirty="0"/>
-              <a:t> (OBT:003220 ) </a:t>
-            </a:r>
-            <a:r>
-              <a:rPr lang="tr-TR" dirty="0" err="1"/>
-              <a:t>term</a:t>
-            </a:r>
-            <a:r>
-              <a:rPr lang="tr-TR" dirty="0"/>
-              <a:t>.</a:t>
-            </a:r>
-          </a:p>
-          <a:p>
-            <a:r>
-              <a:rPr lang="tr-TR" dirty="0" err="1"/>
-              <a:t>Whole</a:t>
-            </a:r>
-            <a:r>
-              <a:rPr lang="tr-TR" dirty="0"/>
-              <a:t> </a:t>
-            </a:r>
-            <a:r>
-              <a:rPr lang="tr-TR" dirty="0" err="1"/>
-              <a:t>graph</a:t>
-            </a:r>
-            <a:r>
-              <a:rPr lang="tr-TR" dirty="0"/>
-              <a:t> can be </a:t>
-            </a:r>
-            <a:r>
-              <a:rPr lang="tr-TR" dirty="0" err="1"/>
-              <a:t>induced</a:t>
-            </a:r>
-            <a:r>
-              <a:rPr lang="tr-TR" dirty="0"/>
-              <a:t> </a:t>
-            </a:r>
-            <a:r>
-              <a:rPr lang="tr-TR" dirty="0" err="1"/>
-              <a:t>by</a:t>
-            </a:r>
-            <a:r>
-              <a:rPr lang="tr-TR" dirty="0"/>
-              <a:t> </a:t>
-            </a:r>
-            <a:r>
-              <a:rPr lang="tr-TR" dirty="0" err="1"/>
-              <a:t>following</a:t>
-            </a:r>
-            <a:r>
-              <a:rPr lang="tr-TR" dirty="0"/>
-              <a:t> </a:t>
-            </a:r>
-            <a:r>
-              <a:rPr lang="tr-TR" dirty="0" err="1"/>
-              <a:t>is_a</a:t>
-            </a:r>
-            <a:r>
-              <a:rPr lang="tr-TR" dirty="0"/>
-              <a:t> </a:t>
-            </a:r>
-            <a:r>
-              <a:rPr lang="tr-TR" dirty="0" err="1"/>
-              <a:t>and</a:t>
-            </a:r>
-            <a:r>
-              <a:rPr lang="tr-TR" dirty="0"/>
-              <a:t> </a:t>
-            </a:r>
-            <a:r>
-              <a:rPr lang="tr-TR" dirty="0" err="1"/>
-              <a:t>synonym</a:t>
-            </a:r>
-            <a:r>
-              <a:rPr lang="tr-TR" dirty="0"/>
-              <a:t> </a:t>
-            </a:r>
-            <a:r>
-              <a:rPr lang="tr-TR" dirty="0" err="1"/>
-              <a:t>relationships</a:t>
-            </a:r>
-            <a:r>
-              <a:rPr lang="tr-TR" dirty="0"/>
-              <a:t>.</a:t>
-            </a:r>
-          </a:p>
-          <a:p>
-            <a:r>
-              <a:rPr lang="tr-TR" dirty="0" err="1"/>
-              <a:t>Pronto</a:t>
-            </a:r>
-            <a:r>
-              <a:rPr lang="tr-TR" dirty="0"/>
-              <a:t> </a:t>
-            </a:r>
-            <a:r>
-              <a:rPr lang="tr-TR" dirty="0" err="1"/>
-              <a:t>library</a:t>
-            </a:r>
-            <a:r>
-              <a:rPr lang="tr-TR" dirty="0"/>
-              <a:t> has </a:t>
-            </a:r>
-            <a:r>
-              <a:rPr lang="tr-TR" dirty="0" err="1"/>
-              <a:t>superclasses</a:t>
-            </a:r>
-            <a:r>
-              <a:rPr lang="tr-TR" dirty="0"/>
-              <a:t> </a:t>
-            </a:r>
-            <a:r>
-              <a:rPr lang="tr-TR" dirty="0" err="1"/>
-              <a:t>and</a:t>
-            </a:r>
-            <a:r>
-              <a:rPr lang="tr-TR" dirty="0"/>
-              <a:t> </a:t>
-            </a:r>
-            <a:r>
-              <a:rPr lang="tr-TR" dirty="0" err="1"/>
-              <a:t>subclasses</a:t>
-            </a:r>
-            <a:r>
-              <a:rPr lang="tr-TR" dirty="0"/>
-              <a:t> </a:t>
-            </a:r>
-            <a:r>
-              <a:rPr lang="tr-TR" dirty="0" err="1"/>
-              <a:t>functions</a:t>
-            </a:r>
-            <a:r>
-              <a:rPr lang="tr-TR" dirty="0"/>
-              <a:t> </a:t>
-            </a:r>
-            <a:r>
-              <a:rPr lang="tr-TR" dirty="0" err="1"/>
-              <a:t>to</a:t>
-            </a:r>
-            <a:r>
-              <a:rPr lang="tr-TR" dirty="0"/>
-              <a:t> </a:t>
-            </a:r>
-            <a:r>
-              <a:rPr lang="tr-TR" dirty="0" err="1"/>
-              <a:t>return</a:t>
-            </a:r>
-            <a:r>
-              <a:rPr lang="tr-TR" dirty="0"/>
-              <a:t> </a:t>
-            </a:r>
-            <a:r>
-              <a:rPr lang="tr-TR" dirty="0" err="1"/>
-              <a:t>relevant</a:t>
-            </a:r>
-            <a:r>
-              <a:rPr lang="tr-TR" dirty="0"/>
-              <a:t> </a:t>
-            </a:r>
-            <a:r>
-              <a:rPr lang="tr-TR" dirty="0" err="1"/>
-              <a:t>Ontology</a:t>
-            </a:r>
-            <a:r>
-              <a:rPr lang="tr-TR" dirty="0"/>
-              <a:t> </a:t>
-            </a:r>
-            <a:r>
-              <a:rPr lang="tr-TR" dirty="0" err="1"/>
-              <a:t>terms</a:t>
-            </a:r>
-            <a:r>
-              <a:rPr lang="tr-TR" dirty="0"/>
-              <a:t>.</a:t>
-            </a:r>
-          </a:p>
-          <a:p>
             <a:endParaRPr lang="en-US" dirty="0"/>
           </a:p>
         </p:txBody>
@@ -5597,120 +4383,6 @@
           </a:extLst>
         </p:spPr>
       </p:pic>
-    </p:spTree>
-    <p:extLst>
-      <p:ext uri="{BB962C8B-B14F-4D97-AF65-F5344CB8AC3E}">
-        <p14:creationId xmlns:p14="http://schemas.microsoft.com/office/powerpoint/2010/main" val="4024997453"/>
-      </p:ext>
-    </p:extLst>
-  </p:cSld>
-  <p:clrMapOvr>
-    <a:masterClrMapping/>
-  </p:clrMapOvr>
-</p:sld>
-</file>
-
-<file path=ppt/slides/slide13.xml><?xml version="1.0" encoding="utf-8"?>
-<p:sld xmlns:a="http://schemas.openxmlformats.org/drawingml/2006/main" xmlns:r="http://schemas.openxmlformats.org/officeDocument/2006/relationships" xmlns:p="http://schemas.openxmlformats.org/presentationml/2006/main">
-  <p:cSld>
-    <p:spTree>
-      <p:nvGrpSpPr>
-        <p:cNvPr id="1" name=""/>
-        <p:cNvGrpSpPr/>
-        <p:nvPr/>
-      </p:nvGrpSpPr>
-      <p:grpSpPr>
-        <a:xfrm>
-          <a:off x="0" y="0"/>
-          <a:ext cx="0" cy="0"/>
-          <a:chOff x="0" y="0"/>
-          <a:chExt cx="0" cy="0"/>
-        </a:xfrm>
-      </p:grpSpPr>
-      <p:sp>
-        <p:nvSpPr>
-          <p:cNvPr id="2" name="Title 1">
-            <a:extLst>
-              <a:ext uri="{FF2B5EF4-FFF2-40B4-BE49-F238E27FC236}">
-                <a16:creationId xmlns:a16="http://schemas.microsoft.com/office/drawing/2014/main" id="{369CA4F0-7F76-4DC7-A47D-BD061E0C6AF6}"/>
-              </a:ext>
-            </a:extLst>
-          </p:cNvPr>
-          <p:cNvSpPr>
-            <a:spLocks noGrp="1"/>
-          </p:cNvSpPr>
-          <p:nvPr>
-            <p:ph type="title"/>
-          </p:nvPr>
-        </p:nvSpPr>
-        <p:spPr/>
-        <p:txBody>
-          <a:bodyPr/>
-          <a:lstStyle/>
-          <a:p>
-            <a:r>
-              <a:rPr lang="tr-TR" dirty="0" err="1"/>
-              <a:t>Ontology</a:t>
-            </a:r>
-            <a:r>
-              <a:rPr lang="tr-TR" dirty="0"/>
-              <a:t> Library - </a:t>
-            </a:r>
-            <a:r>
-              <a:rPr lang="tr-TR" dirty="0" err="1"/>
-              <a:t>Pronto</a:t>
-            </a:r>
-            <a:endParaRPr lang="en-US" dirty="0"/>
-          </a:p>
-        </p:txBody>
-      </p:sp>
-      <p:pic>
-        <p:nvPicPr>
-          <p:cNvPr id="1028" name="Picture 4">
-            <a:extLst>
-              <a:ext uri="{FF2B5EF4-FFF2-40B4-BE49-F238E27FC236}">
-                <a16:creationId xmlns:a16="http://schemas.microsoft.com/office/drawing/2014/main" id="{DDBD1DA1-837A-4922-AF81-6A99AE34C0D0}"/>
-              </a:ext>
-            </a:extLst>
-          </p:cNvPr>
-          <p:cNvPicPr>
-            <a:picLocks noChangeAspect="1" noChangeArrowheads="1"/>
-          </p:cNvPicPr>
-          <p:nvPr/>
-        </p:nvPicPr>
-        <p:blipFill>
-          <a:blip r:embed="rId2">
-            <a:extLst>
-              <a:ext uri="{28A0092B-C50C-407E-A947-70E740481C1C}">
-                <a14:useLocalDpi xmlns:a14="http://schemas.microsoft.com/office/drawing/2010/main" val="0"/>
-              </a:ext>
-            </a:extLst>
-          </a:blip>
-          <a:srcRect/>
-          <a:stretch>
-            <a:fillRect/>
-          </a:stretch>
-        </p:blipFill>
-        <p:spPr bwMode="auto">
-          <a:xfrm>
-            <a:off x="1321870" y="1845734"/>
-            <a:ext cx="5239352" cy="4297377"/>
-          </a:xfrm>
-          <a:prstGeom prst="rect">
-            <a:avLst/>
-          </a:prstGeom>
-          <a:noFill/>
-          <a:extLst>
-            <a:ext uri="{909E8E84-426E-40DD-AFC4-6F175D3DCCD1}">
-              <a14:hiddenFill xmlns:a14="http://schemas.microsoft.com/office/drawing/2010/main">
-                <a:solidFill>
-                  <a:srgbClr val="FFFFFF"/>
-                </a:solidFill>
-              </a14:hiddenFill>
-            </a:ext>
-          </a:extLst>
-        </p:spPr>
-      </p:pic>
       <p:sp>
         <p:nvSpPr>
           <p:cNvPr id="5" name="Rectangle 2">
@@ -6376,7 +5048,7 @@
 </p:sld>
 </file>
 
-<file path=ppt/slides/slide14.xml><?xml version="1.0" encoding="utf-8"?>
+<file path=ppt/slides/slide13.xml><?xml version="1.0" encoding="utf-8"?>
 <p:sld xmlns:a="http://schemas.openxmlformats.org/drawingml/2006/main" xmlns:r="http://schemas.openxmlformats.org/officeDocument/2006/relationships" xmlns:p="http://schemas.openxmlformats.org/presentationml/2006/main">
   <p:cSld>
     <p:spTree>
@@ -6445,7 +5117,7 @@
         <p:spPr>
           <a:xfrm>
             <a:off x="7093610" y="2052084"/>
-            <a:ext cx="4001110" cy="1200329"/>
+            <a:ext cx="4001110" cy="1559401"/>
           </a:xfrm>
           <a:prstGeom prst="rect">
             <a:avLst/>
@@ -6458,70 +5130,90 @@
           </a:bodyPr>
           <a:lstStyle/>
           <a:p>
-            <a:r>
-              <a:rPr lang="tr-TR" dirty="0"/>
-              <a:t>K-</a:t>
-            </a:r>
-            <a:r>
-              <a:rPr lang="tr-TR" dirty="0" err="1"/>
-              <a:t>Means</a:t>
-            </a:r>
-            <a:r>
-              <a:rPr lang="tr-TR" dirty="0"/>
-              <a:t> Clustering</a:t>
-            </a:r>
-          </a:p>
-          <a:p>
-            <a:endParaRPr lang="tr-TR" dirty="0"/>
-          </a:p>
-          <a:p>
-            <a:r>
-              <a:rPr lang="tr-TR" dirty="0" err="1"/>
-              <a:t>Nearest</a:t>
-            </a:r>
-            <a:r>
-              <a:rPr lang="tr-TR" dirty="0"/>
-              <a:t> </a:t>
-            </a:r>
-            <a:r>
-              <a:rPr lang="tr-TR" dirty="0" err="1"/>
-              <a:t>cluster</a:t>
-            </a:r>
-            <a:r>
-              <a:rPr lang="tr-TR" dirty="0"/>
-              <a:t> can be </a:t>
-            </a:r>
-            <a:r>
-              <a:rPr lang="tr-TR" dirty="0" err="1"/>
-              <a:t>selected</a:t>
-            </a:r>
-            <a:r>
-              <a:rPr lang="tr-TR" dirty="0"/>
-              <a:t> </a:t>
-            </a:r>
-            <a:r>
-              <a:rPr lang="tr-TR" dirty="0" err="1"/>
-              <a:t>for</a:t>
-            </a:r>
-            <a:r>
-              <a:rPr lang="tr-TR" dirty="0"/>
-              <a:t> </a:t>
-            </a:r>
-            <a:r>
-              <a:rPr lang="tr-TR" dirty="0" err="1"/>
-              <a:t>candidate</a:t>
-            </a:r>
-            <a:r>
-              <a:rPr lang="tr-TR" dirty="0"/>
-              <a:t> </a:t>
-            </a:r>
-            <a:r>
-              <a:rPr lang="tr-TR" dirty="0" err="1"/>
-              <a:t>text</a:t>
-            </a:r>
-            <a:r>
-              <a:rPr lang="tr-TR" dirty="0"/>
-              <a:t>.</a:t>
+            <a:pPr marL="91440" indent="-91440" defTabSz="914400">
+              <a:lnSpc>
+                <a:spcPct val="90000"/>
+              </a:lnSpc>
+              <a:spcBef>
+                <a:spcPts val="1200"/>
+              </a:spcBef>
+              <a:spcAft>
+                <a:spcPts val="200"/>
+              </a:spcAft>
+              <a:buClr>
+                <a:schemeClr val="accent1"/>
+              </a:buClr>
+              <a:buSzPct val="100000"/>
+              <a:buFont typeface="Wingdings" panose="05000000000000000000" pitchFamily="2" charset="2"/>
+              <a:buChar char="Ø"/>
+            </a:pPr>
+            <a:r>
+              <a:rPr lang="tr-TR" sz="2000" dirty="0">
+                <a:solidFill>
+                  <a:schemeClr val="tx1">
+                    <a:lumMod val="75000"/>
+                    <a:lumOff val="25000"/>
+                  </a:schemeClr>
+                </a:solidFill>
+              </a:rPr>
+              <a:t>K-Means Clustering</a:t>
+            </a:r>
+          </a:p>
+          <a:p>
+            <a:pPr marL="91440" indent="-91440" defTabSz="914400">
+              <a:lnSpc>
+                <a:spcPct val="90000"/>
+              </a:lnSpc>
+              <a:spcBef>
+                <a:spcPts val="1200"/>
+              </a:spcBef>
+              <a:spcAft>
+                <a:spcPts val="200"/>
+              </a:spcAft>
+              <a:buClr>
+                <a:schemeClr val="accent1"/>
+              </a:buClr>
+              <a:buSzPct val="100000"/>
+              <a:buFont typeface="Wingdings" panose="05000000000000000000" pitchFamily="2" charset="2"/>
+              <a:buChar char="Ø"/>
+            </a:pPr>
+            <a:endParaRPr lang="tr-TR" sz="2000" dirty="0">
+              <a:solidFill>
+                <a:schemeClr val="tx1">
+                  <a:lumMod val="75000"/>
+                  <a:lumOff val="25000"/>
+                </a:schemeClr>
+              </a:solidFill>
+            </a:endParaRPr>
+          </a:p>
+          <a:p>
+            <a:pPr marL="91440" indent="-91440" defTabSz="914400">
+              <a:lnSpc>
+                <a:spcPct val="90000"/>
+              </a:lnSpc>
+              <a:spcBef>
+                <a:spcPts val="1200"/>
+              </a:spcBef>
+              <a:spcAft>
+                <a:spcPts val="200"/>
+              </a:spcAft>
+              <a:buClr>
+                <a:schemeClr val="accent1"/>
+              </a:buClr>
+              <a:buSzPct val="100000"/>
+              <a:buFont typeface="Wingdings" panose="05000000000000000000" pitchFamily="2" charset="2"/>
+              <a:buChar char="Ø"/>
+            </a:pPr>
+            <a:r>
+              <a:rPr lang="tr-TR" sz="2000" dirty="0">
+                <a:solidFill>
+                  <a:schemeClr val="tx1">
+                    <a:lumMod val="75000"/>
+                    <a:lumOff val="25000"/>
+                  </a:schemeClr>
+                </a:solidFill>
+              </a:rPr>
+              <a:t>Nearest cluster can be selected for candidate text.</a:t>
             </a:r>
           </a:p>
         </p:txBody>
@@ -6616,6 +5308,133 @@
 </p:sld>
 </file>
 
+<file path=ppt/slides/slide14.xml><?xml version="1.0" encoding="utf-8"?>
+<p:sld xmlns:a="http://schemas.openxmlformats.org/drawingml/2006/main" xmlns:r="http://schemas.openxmlformats.org/officeDocument/2006/relationships" xmlns:p="http://schemas.openxmlformats.org/presentationml/2006/main">
+  <p:cSld>
+    <p:spTree>
+      <p:nvGrpSpPr>
+        <p:cNvPr id="1" name=""/>
+        <p:cNvGrpSpPr/>
+        <p:nvPr/>
+      </p:nvGrpSpPr>
+      <p:grpSpPr>
+        <a:xfrm>
+          <a:off x="0" y="0"/>
+          <a:ext cx="0" cy="0"/>
+          <a:chOff x="0" y="0"/>
+          <a:chExt cx="0" cy="0"/>
+        </a:xfrm>
+      </p:grpSpPr>
+      <p:sp>
+        <p:nvSpPr>
+          <p:cNvPr id="2" name="Title 1">
+            <a:extLst>
+              <a:ext uri="{FF2B5EF4-FFF2-40B4-BE49-F238E27FC236}">
+                <a16:creationId xmlns:a16="http://schemas.microsoft.com/office/drawing/2014/main" id="{1AE67C95-A1CD-44F8-99D2-4640264C88CA}"/>
+              </a:ext>
+            </a:extLst>
+          </p:cNvPr>
+          <p:cNvSpPr>
+            <a:spLocks noGrp="1"/>
+          </p:cNvSpPr>
+          <p:nvPr>
+            <p:ph type="title"/>
+          </p:nvPr>
+        </p:nvSpPr>
+        <p:spPr/>
+        <p:txBody>
+          <a:bodyPr/>
+          <a:lstStyle/>
+          <a:p>
+            <a:r>
+              <a:rPr lang="en-US" dirty="0"/>
+              <a:t>Future Work</a:t>
+            </a:r>
+          </a:p>
+        </p:txBody>
+      </p:sp>
+      <p:sp>
+        <p:nvSpPr>
+          <p:cNvPr id="3" name="Content Placeholder 2">
+            <a:extLst>
+              <a:ext uri="{FF2B5EF4-FFF2-40B4-BE49-F238E27FC236}">
+                <a16:creationId xmlns:a16="http://schemas.microsoft.com/office/drawing/2014/main" id="{3B9B51B1-383B-4A8B-9C5B-9FD704B0BC1B}"/>
+              </a:ext>
+            </a:extLst>
+          </p:cNvPr>
+          <p:cNvSpPr>
+            <a:spLocks noGrp="1"/>
+          </p:cNvSpPr>
+          <p:nvPr>
+            <p:ph idx="1"/>
+          </p:nvPr>
+        </p:nvSpPr>
+        <p:spPr/>
+        <p:txBody>
+          <a:bodyPr>
+            <a:normAutofit/>
+          </a:bodyPr>
+          <a:lstStyle/>
+          <a:p>
+            <a:pPr>
+              <a:buFont typeface="Wingdings" panose="05000000000000000000" pitchFamily="2" charset="2"/>
+              <a:buChar char="Ø"/>
+            </a:pPr>
+            <a:r>
+              <a:rPr lang="en-US" dirty="0"/>
+              <a:t>Bacteria Habitats Normalization Papers</a:t>
+            </a:r>
+          </a:p>
+          <a:p>
+            <a:pPr>
+              <a:buFont typeface="Wingdings" panose="05000000000000000000" pitchFamily="2" charset="2"/>
+              <a:buChar char="Ø"/>
+            </a:pPr>
+            <a:r>
+              <a:rPr lang="en-US" dirty="0"/>
+              <a:t>Biomedical Named Entity Normalization Papers</a:t>
+            </a:r>
+          </a:p>
+          <a:p>
+            <a:pPr>
+              <a:buFont typeface="Wingdings" panose="05000000000000000000" pitchFamily="2" charset="2"/>
+              <a:buChar char="Ø"/>
+            </a:pPr>
+            <a:r>
+              <a:rPr lang="en-US" dirty="0"/>
+              <a:t>4 implementable ideas</a:t>
+            </a:r>
+          </a:p>
+          <a:p>
+            <a:endParaRPr lang="en-US" dirty="0"/>
+          </a:p>
+          <a:p>
+            <a:endParaRPr lang="en-US" dirty="0"/>
+          </a:p>
+          <a:p>
+            <a:endParaRPr lang="en-US" dirty="0"/>
+          </a:p>
+          <a:p>
+            <a:pPr marL="0" indent="0">
+              <a:buNone/>
+            </a:pPr>
+            <a:endParaRPr lang="en-US" dirty="0"/>
+          </a:p>
+        </p:txBody>
+      </p:sp>
+    </p:spTree>
+    <p:extLst>
+      <p:ext uri="{BB962C8B-B14F-4D97-AF65-F5344CB8AC3E}">
+        <p14:creationId xmlns:p14="http://schemas.microsoft.com/office/powerpoint/2010/main" val="2168468946"/>
+      </p:ext>
+    </p:extLst>
+  </p:cSld>
+  <p:clrMapOvr>
+    <a:masterClrMapping/>
+  </p:clrMapOvr>
+</p:sld>
+</file>
+
 <file path=ppt/slides/slide15.xml><?xml version="1.0" encoding="utf-8"?>
 <p:sld xmlns:a="http://schemas.openxmlformats.org/drawingml/2006/main" xmlns:r="http://schemas.openxmlformats.org/officeDocument/2006/relationships" xmlns:p="http://schemas.openxmlformats.org/presentationml/2006/main">
   <p:cSld>
@@ -6656,7 +5475,7 @@
           <a:p>
             <a:r>
               <a:rPr lang="en-US" dirty="0"/>
-              <a:t>Future Work</a:t>
+              <a:t>Expanding Dictionaries</a:t>
             </a:r>
           </a:p>
         </p:txBody>
@@ -6679,9 +5498,7 @@
         </p:nvSpPr>
         <p:spPr/>
         <p:txBody>
-          <a:bodyPr>
-            <a:normAutofit/>
-          </a:bodyPr>
+          <a:bodyPr/>
           <a:lstStyle/>
           <a:p>
             <a:pPr>
@@ -6690,7 +5507,17 @@
             </a:pPr>
             <a:r>
               <a:rPr lang="en-US" dirty="0"/>
-              <a:t>Researched Habitats Domain NER Papers List</a:t>
+              <a:t>Brenda Tissue Ontology (BTO)</a:t>
+            </a:r>
+          </a:p>
+          <a:p>
+            <a:pPr lvl="1">
+              <a:buFont typeface="Wingdings" panose="05000000000000000000" pitchFamily="2" charset="2"/>
+              <a:buChar char="Ø"/>
+            </a:pPr>
+            <a:r>
+              <a:rPr lang="en-US" dirty="0"/>
+              <a:t>121,321 habitat synonyms [1]</a:t>
             </a:r>
           </a:p>
           <a:p>
@@ -6700,7 +5527,7 @@
             </a:pPr>
             <a:r>
               <a:rPr lang="en-US" dirty="0"/>
-              <a:t>Researched Biomedical Domain NER Papers List</a:t>
+              <a:t>Prone to poor precision</a:t>
             </a:r>
           </a:p>
           <a:p>
@@ -6710,47 +5537,28 @@
             </a:pPr>
             <a:r>
               <a:rPr lang="en-US" dirty="0"/>
-              <a:t>Fused List</a:t>
+              <a:t>Stop-word lists</a:t>
             </a:r>
           </a:p>
           <a:p>
             <a:pPr lvl="1">
               <a:buFont typeface="Wingdings" panose="05000000000000000000" pitchFamily="2" charset="2"/>
-              <a:buChar char="ü"/>
+              <a:buChar char="Ø"/>
             </a:pPr>
             <a:r>
               <a:rPr lang="en-US" dirty="0"/>
-              <a:t>Ease in Implementation</a:t>
-            </a:r>
-          </a:p>
-          <a:p>
-            <a:pPr lvl="1">
+              <a:t>2381 stop-words for bacteria</a:t>
+            </a:r>
+          </a:p>
+          <a:p>
+            <a:pPr lvl="2">
               <a:buFont typeface="Wingdings" panose="05000000000000000000" pitchFamily="2" charset="2"/>
-              <a:buChar char="ü"/>
+              <a:buChar char="Ø"/>
             </a:pPr>
             <a:r>
               <a:rPr lang="en-US" dirty="0"/>
-              <a:t>Computational/Hardware Concerns</a:t>
-            </a:r>
-          </a:p>
-          <a:p>
-            <a:pPr lvl="1">
-              <a:buFont typeface="Wingdings" panose="05000000000000000000" pitchFamily="2" charset="2"/>
-              <a:buChar char="ü"/>
-            </a:pPr>
-            <a:r>
-              <a:rPr lang="en-US" dirty="0"/>
-              <a:t>Relatedness to our goals</a:t>
-            </a:r>
-          </a:p>
-          <a:p>
-            <a:endParaRPr lang="en-US" dirty="0"/>
-          </a:p>
-          <a:p>
-            <a:endParaRPr lang="en-US" dirty="0"/>
-          </a:p>
-          <a:p>
-            <a:endParaRPr lang="en-US" dirty="0"/>
+              <a:t>E.g. unclassified, scales, root</a:t>
+            </a:r>
           </a:p>
           <a:p>
             <a:pPr marL="0" indent="0">
@@ -6758,12 +5566,33 @@
             </a:pPr>
             <a:endParaRPr lang="en-US" dirty="0"/>
           </a:p>
+          <a:p>
+            <a:pPr>
+              <a:buFont typeface="Wingdings" panose="05000000000000000000" pitchFamily="2" charset="2"/>
+              <a:buChar char="Ø"/>
+            </a:pPr>
+            <a:endParaRPr lang="en-US" dirty="0"/>
+          </a:p>
+          <a:p>
+            <a:pPr>
+              <a:buFont typeface="Wingdings" panose="05000000000000000000" pitchFamily="2" charset="2"/>
+              <a:buChar char="Ø"/>
+            </a:pPr>
+            <a:endParaRPr lang="en-US" dirty="0"/>
+          </a:p>
+          <a:p>
+            <a:pPr>
+              <a:buFont typeface="Wingdings" panose="05000000000000000000" pitchFamily="2" charset="2"/>
+              <a:buChar char="Ø"/>
+            </a:pPr>
+            <a:endParaRPr lang="en-US" dirty="0"/>
+          </a:p>
         </p:txBody>
       </p:sp>
     </p:spTree>
     <p:extLst>
       <p:ext uri="{BB962C8B-B14F-4D97-AF65-F5344CB8AC3E}">
-        <p14:creationId xmlns:p14="http://schemas.microsoft.com/office/powerpoint/2010/main" val="2168468946"/>
+        <p14:creationId xmlns:p14="http://schemas.microsoft.com/office/powerpoint/2010/main" val="2681154579"/>
       </p:ext>
     </p:extLst>
   </p:cSld>
@@ -6813,7 +5642,7 @@
           <a:p>
             <a:r>
               <a:rPr lang="en-US" dirty="0"/>
-              <a:t>Paper 1 [1]</a:t>
+              <a:t>TF-IDF</a:t>
             </a:r>
           </a:p>
         </p:txBody>
@@ -6845,17 +5674,7 @@
             </a:pPr>
             <a:r>
               <a:rPr lang="en-US" dirty="0"/>
-              <a:t>A smarter utilization of existing dictionaries</a:t>
-            </a:r>
-          </a:p>
-          <a:p>
-            <a:pPr lvl="1">
-              <a:buFont typeface="Wingdings" panose="05000000000000000000" pitchFamily="2" charset="2"/>
-              <a:buChar char="Ø"/>
-            </a:pPr>
-            <a:r>
-              <a:rPr lang="en-US" dirty="0"/>
-              <a:t>Brenda Tissue Ontology, 121321 habitat synonyms</a:t>
+              <a:t>Baseline TF-IDF</a:t>
             </a:r>
           </a:p>
           <a:p>
@@ -6865,7 +5684,27 @@
             </a:pPr>
             <a:r>
               <a:rPr lang="en-US" dirty="0"/>
-              <a:t>E.g. the term “central nervous system” (OBT:000831) was expanded to include “hippocampus” and 2748 other terms</a:t>
+              <a:t>Habitat names -&gt; a document</a:t>
+            </a:r>
+          </a:p>
+          <a:p>
+            <a:pPr lvl="3">
+              <a:buFont typeface="Wingdings" panose="05000000000000000000" pitchFamily="2" charset="2"/>
+              <a:buChar char="Ø"/>
+            </a:pPr>
+            <a:r>
+              <a:rPr lang="en-US" dirty="0"/>
+              <a:t>Represented habitat names a TF-IDF weighted vector</a:t>
+            </a:r>
+          </a:p>
+          <a:p>
+            <a:pPr lvl="3">
+              <a:buFont typeface="Wingdings" panose="05000000000000000000" pitchFamily="2" charset="2"/>
+              <a:buChar char="Ø"/>
+            </a:pPr>
+            <a:r>
+              <a:rPr lang="en-US" dirty="0"/>
+              <a:t>Select habitat name -&gt; highest cosine similarity</a:t>
             </a:r>
           </a:p>
           <a:p>
@@ -6875,41 +5714,7 @@
             </a:pPr>
             <a:r>
               <a:rPr lang="en-US" dirty="0"/>
-              <a:t>Problem with dictionary-based NER:</a:t>
-            </a:r>
-          </a:p>
-          <a:p>
-            <a:pPr lvl="1">
-              <a:buFont typeface="Wingdings" panose="05000000000000000000" pitchFamily="2" charset="2"/>
-              <a:buChar char="Ø"/>
-            </a:pPr>
-            <a:r>
-              <a:rPr lang="en-US" dirty="0"/>
-              <a:t>Prone to poor precision, especially after automatic dictionary expansion</a:t>
-            </a:r>
-          </a:p>
-          <a:p>
-            <a:pPr>
-              <a:buFont typeface="Wingdings" panose="05000000000000000000" pitchFamily="2" charset="2"/>
-              <a:buChar char="Ø"/>
-            </a:pPr>
-            <a:r>
-              <a:rPr lang="en-US" dirty="0"/>
-              <a:t>Solution</a:t>
-            </a:r>
-          </a:p>
-          <a:p>
-            <a:pPr lvl="1">
-              <a:buFont typeface="Wingdings" panose="05000000000000000000" pitchFamily="2" charset="2"/>
-              <a:buChar char="Ø"/>
-            </a:pPr>
-            <a:r>
-              <a:rPr lang="en-US" dirty="0" err="1"/>
-              <a:t>Stopword</a:t>
-            </a:r>
-            <a:r>
-              <a:rPr lang="en-US" dirty="0"/>
-              <a:t> lists are used to remove matches that contribute the most to the drop in precision</a:t>
+              <a:t>Improving TF-IDF</a:t>
             </a:r>
           </a:p>
           <a:p>
@@ -6919,55 +5724,10 @@
             </a:pPr>
             <a:r>
               <a:rPr lang="en-US" dirty="0"/>
-              <a:t>Criteria: removing those terms that were likely to not decrease true positive matches</a:t>
-            </a:r>
-          </a:p>
-          <a:p>
-            <a:pPr lvl="2">
-              <a:buFont typeface="Wingdings" panose="05000000000000000000" pitchFamily="2" charset="2"/>
-              <a:buChar char="Ø"/>
-            </a:pPr>
-            <a:r>
-              <a:rPr lang="en-US" dirty="0"/>
-              <a:t>E.g. unclassified, scales, root</a:t>
-            </a:r>
-          </a:p>
-          <a:p>
-            <a:pPr lvl="2">
-              <a:buFont typeface="Wingdings" panose="05000000000000000000" pitchFamily="2" charset="2"/>
-              <a:buChar char="Ø"/>
-            </a:pPr>
-            <a:r>
-              <a:rPr lang="en-US" dirty="0"/>
-              <a:t>Again, found existing dictionaries</a:t>
-            </a:r>
-          </a:p>
-          <a:p>
-            <a:pPr>
-              <a:buFont typeface="Wingdings" panose="05000000000000000000" pitchFamily="2" charset="2"/>
-              <a:buChar char="Ø"/>
-            </a:pPr>
-            <a:endParaRPr lang="en-US" dirty="0"/>
-          </a:p>
-          <a:p>
-            <a:pPr>
-              <a:buFont typeface="Wingdings" panose="05000000000000000000" pitchFamily="2" charset="2"/>
-              <a:buChar char="Ø"/>
-            </a:pPr>
-            <a:endParaRPr lang="en-US" dirty="0"/>
-          </a:p>
-          <a:p>
-            <a:pPr>
-              <a:buFont typeface="Wingdings" panose="05000000000000000000" pitchFamily="2" charset="2"/>
-              <a:buChar char="Ø"/>
-            </a:pPr>
-            <a:endParaRPr lang="en-US" dirty="0"/>
-          </a:p>
-          <a:p>
-            <a:pPr>
-              <a:buFont typeface="Wingdings" panose="05000000000000000000" pitchFamily="2" charset="2"/>
-              <a:buChar char="Ø"/>
-            </a:pPr>
+              <a:t>BOW model -&gt; character-level, n-grams [2]</a:t>
+            </a:r>
+          </a:p>
+          <a:p>
             <a:endParaRPr lang="en-US" dirty="0"/>
           </a:p>
         </p:txBody>
@@ -6975,7 +5735,7 @@
     </p:spTree>
     <p:extLst>
       <p:ext uri="{BB962C8B-B14F-4D97-AF65-F5344CB8AC3E}">
-        <p14:creationId xmlns:p14="http://schemas.microsoft.com/office/powerpoint/2010/main" val="2681154579"/>
+        <p14:creationId xmlns:p14="http://schemas.microsoft.com/office/powerpoint/2010/main" val="796136031"/>
       </p:ext>
     </p:extLst>
   </p:cSld>
@@ -7025,7 +5785,7 @@
           <a:p>
             <a:r>
               <a:rPr lang="en-US" dirty="0"/>
-              <a:t>Paper 2 [4]</a:t>
+              <a:t>CRF</a:t>
             </a:r>
           </a:p>
         </p:txBody>
@@ -7046,9 +5806,16 @@
             <p:ph idx="1"/>
           </p:nvPr>
         </p:nvSpPr>
-        <p:spPr/>
+        <p:spPr>
+          <a:xfrm>
+            <a:off x="1123914" y="1845734"/>
+            <a:ext cx="10058400" cy="4023360"/>
+          </a:xfrm>
+        </p:spPr>
         <p:txBody>
-          <a:bodyPr/>
+          <a:bodyPr>
+            <a:normAutofit fontScale="92500" lnSpcReduction="20000"/>
+          </a:bodyPr>
           <a:lstStyle/>
           <a:p>
             <a:pPr>
@@ -7057,8 +5824,13 @@
             </a:pPr>
             <a:r>
               <a:rPr lang="en-US" dirty="0"/>
-              <a:t>Preprocessing </a:t>
-            </a:r>
+              <a:t>Conditional </a:t>
+            </a:r>
+            <a:r>
+              <a:rPr lang="en-US"/>
+              <a:t>Random Field</a:t>
+            </a:r>
+            <a:endParaRPr lang="en-US" dirty="0"/>
           </a:p>
           <a:p>
             <a:pPr lvl="1">
@@ -7067,7 +5839,23 @@
             </a:pPr>
             <a:r>
               <a:rPr lang="en-US" dirty="0"/>
-              <a:t>Acronym expansion: already done</a:t>
+              <a:t>used for tagging sequential data especially in Named Entity Recognition in NLP [3]</a:t>
+            </a:r>
+          </a:p>
+          <a:p>
+            <a:pPr marL="201168" lvl="1" indent="0">
+              <a:buNone/>
+            </a:pPr>
+            <a:endParaRPr lang="en-US" dirty="0"/>
+          </a:p>
+          <a:p>
+            <a:pPr>
+              <a:buFont typeface="Wingdings" panose="05000000000000000000" pitchFamily="2" charset="2"/>
+              <a:buChar char="Ø"/>
+            </a:pPr>
+            <a:r>
+              <a:rPr lang="en-US" dirty="0"/>
+              <a:t>3 types of features</a:t>
             </a:r>
           </a:p>
           <a:p>
@@ -7077,7 +5865,17 @@
             </a:pPr>
             <a:r>
               <a:rPr lang="en-US" dirty="0"/>
-              <a:t>Abbreviation expansion: already observed defect</a:t>
+              <a:t>Lexical features</a:t>
+            </a:r>
+          </a:p>
+          <a:p>
+            <a:pPr lvl="2">
+              <a:buFont typeface="Wingdings" panose="05000000000000000000" pitchFamily="2" charset="2"/>
+              <a:buChar char="Ø"/>
+            </a:pPr>
+            <a:r>
+              <a:rPr lang="en-US" dirty="0"/>
+              <a:t>current word, its root, its POS tag etc.</a:t>
             </a:r>
           </a:p>
           <a:p>
@@ -7087,7 +5885,87 @@
             </a:pPr>
             <a:r>
               <a:rPr lang="en-US" dirty="0"/>
-              <a:t>Stemming: Porter stemmer [17] (we do not expect a better result [4])</a:t>
+              <a:t>Orthographic features</a:t>
+            </a:r>
+          </a:p>
+          <a:p>
+            <a:pPr lvl="2">
+              <a:buFont typeface="Wingdings" panose="05000000000000000000" pitchFamily="2" charset="2"/>
+              <a:buChar char="Ø"/>
+            </a:pPr>
+            <a:r>
+              <a:rPr lang="en-US" dirty="0"/>
+              <a:t>Substring features</a:t>
+            </a:r>
+          </a:p>
+          <a:p>
+            <a:pPr lvl="3">
+              <a:buFont typeface="Wingdings" panose="05000000000000000000" pitchFamily="2" charset="2"/>
+              <a:buChar char="Ø"/>
+            </a:pPr>
+            <a:r>
+              <a:rPr lang="en-US" dirty="0"/>
+              <a:t>first n-characters &amp; the last-n characters</a:t>
+            </a:r>
+          </a:p>
+          <a:p>
+            <a:pPr lvl="4">
+              <a:buFont typeface="Wingdings" panose="05000000000000000000" pitchFamily="2" charset="2"/>
+              <a:buChar char="Ø"/>
+            </a:pPr>
+            <a:r>
+              <a:rPr lang="en-US" dirty="0"/>
+              <a:t>already mentioned in classes</a:t>
+            </a:r>
+          </a:p>
+          <a:p>
+            <a:pPr lvl="2">
+              <a:buFont typeface="Wingdings" panose="05000000000000000000" pitchFamily="2" charset="2"/>
+              <a:buChar char="Ø"/>
+            </a:pPr>
+            <a:r>
+              <a:rPr lang="en-US" dirty="0"/>
+              <a:t>Word form features</a:t>
+            </a:r>
+          </a:p>
+          <a:p>
+            <a:pPr lvl="3">
+              <a:buFont typeface="Wingdings" panose="05000000000000000000" pitchFamily="2" charset="2"/>
+              <a:buChar char="Ø"/>
+            </a:pPr>
+            <a:r>
+              <a:rPr lang="en-US" dirty="0"/>
+              <a:t>case-folding </a:t>
+            </a:r>
+          </a:p>
+          <a:p>
+            <a:pPr lvl="3">
+              <a:buFont typeface="Wingdings" panose="05000000000000000000" pitchFamily="2" charset="2"/>
+              <a:buChar char="Ø"/>
+            </a:pPr>
+            <a:r>
+              <a:rPr lang="en-US" dirty="0"/>
+              <a:t>normalizing numbers to ‘0’</a:t>
+            </a:r>
+          </a:p>
+          <a:p>
+            <a:pPr lvl="1">
+              <a:buFont typeface="Wingdings" panose="05000000000000000000" pitchFamily="2" charset="2"/>
+              <a:buChar char="Ø"/>
+            </a:pPr>
+            <a:r>
+              <a:rPr lang="en-US" dirty="0"/>
+              <a:t>Dictionary features</a:t>
+            </a:r>
+          </a:p>
+          <a:p>
+            <a:pPr lvl="2">
+              <a:buFont typeface="Wingdings" panose="05000000000000000000" pitchFamily="2" charset="2"/>
+              <a:buChar char="Ø"/>
+            </a:pPr>
+            <a:r>
+              <a:rPr lang="en-US" dirty="0"/>
+              <a:t>presence &amp; position of the word in the dictionary</a:t>
             </a:r>
           </a:p>
           <a:p>
@@ -7095,52 +5973,13 @@
               <a:buFont typeface="Wingdings" panose="05000000000000000000" pitchFamily="2" charset="2"/>
               <a:buChar char="Ø"/>
             </a:pPr>
-            <a:r>
-              <a:rPr lang="en-US" dirty="0"/>
-              <a:t>Improving TDIDF, weighted sparse vector space representation</a:t>
-            </a:r>
-          </a:p>
-          <a:p>
-            <a:pPr lvl="2">
+            <a:endParaRPr lang="en-US" dirty="0"/>
+          </a:p>
+          <a:p>
+            <a:pPr>
               <a:buFont typeface="Wingdings" panose="05000000000000000000" pitchFamily="2" charset="2"/>
               <a:buChar char="Ø"/>
             </a:pPr>
-            <a:r>
-              <a:rPr lang="en-US" dirty="0"/>
-              <a:t>Each concept name in the ontology is considered a document and the IDF weights are based on these names</a:t>
-            </a:r>
-          </a:p>
-          <a:p>
-            <a:pPr lvl="2">
-              <a:buFont typeface="Wingdings" panose="05000000000000000000" pitchFamily="2" charset="2"/>
-              <a:buChar char="Ø"/>
-            </a:pPr>
-            <a:r>
-              <a:rPr lang="en-US" dirty="0"/>
-              <a:t>each concept name and each entity mention is represented with a TFIDF weighted vector and the concept with the highest cosine similarity is assigned for a given entity</a:t>
-            </a:r>
-          </a:p>
-          <a:p>
-            <a:pPr lvl="2">
-              <a:buFont typeface="Wingdings" panose="05000000000000000000" pitchFamily="2" charset="2"/>
-              <a:buChar char="Ø"/>
-            </a:pPr>
-            <a:r>
-              <a:rPr lang="en-US" dirty="0"/>
-              <a:t>Whereas these representations are commonly formed in a bag-of-words fashion</a:t>
-            </a:r>
-          </a:p>
-          <a:p>
-            <a:pPr lvl="3">
-              <a:buFont typeface="Wingdings" panose="05000000000000000000" pitchFamily="2" charset="2"/>
-              <a:buChar char="Ø"/>
-            </a:pPr>
-            <a:r>
-              <a:rPr lang="en-US" dirty="0"/>
-              <a:t>Using character-level n-grams (n=1,2,3 ) will probably result in better outcome [4]</a:t>
-            </a:r>
-          </a:p>
-          <a:p>
             <a:endParaRPr lang="en-US" dirty="0"/>
           </a:p>
         </p:txBody>
@@ -7148,7 +5987,7 @@
     </p:spTree>
     <p:extLst>
       <p:ext uri="{BB962C8B-B14F-4D97-AF65-F5344CB8AC3E}">
-        <p14:creationId xmlns:p14="http://schemas.microsoft.com/office/powerpoint/2010/main" val="796136031"/>
+        <p14:creationId xmlns:p14="http://schemas.microsoft.com/office/powerpoint/2010/main" val="3961645006"/>
       </p:ext>
     </p:extLst>
   </p:cSld>
@@ -7198,7 +6037,7 @@
           <a:p>
             <a:r>
               <a:rPr lang="en-US" dirty="0"/>
-              <a:t>Paper 3 [2]</a:t>
+              <a:t>Hybrid Architecture</a:t>
             </a:r>
           </a:p>
         </p:txBody>
@@ -7226,9 +6065,7 @@
           </a:xfrm>
         </p:spPr>
         <p:txBody>
-          <a:bodyPr>
-            <a:normAutofit/>
-          </a:bodyPr>
+          <a:bodyPr/>
           <a:lstStyle/>
           <a:p>
             <a:pPr>
@@ -7237,116 +6074,14 @@
             </a:pPr>
             <a:r>
               <a:rPr lang="en-US" dirty="0"/>
-              <a:t>Conditional Random Field (CRF) based classifier [2]</a:t>
-            </a:r>
-          </a:p>
-          <a:p>
-            <a:pPr lvl="1">
-              <a:buFont typeface="Wingdings" panose="05000000000000000000" pitchFamily="2" charset="2"/>
-              <a:buChar char="Ø"/>
+              <a:t>Hybrid (rule-based &amp; ML) structure</a:t>
+            </a:r>
+          </a:p>
+          <a:p>
+            <a:pPr marL="0" indent="0">
+              <a:buNone/>
             </a:pPr>
-            <a:r>
-              <a:rPr lang="en-US" dirty="0"/>
-              <a:t>a type of discriminative and undirected probabilities graphical models often used for tagging sequential data and in named entity recognition in natural language processing and biology domains</a:t>
-            </a:r>
-          </a:p>
-          <a:p>
-            <a:pPr>
-              <a:buFont typeface="Wingdings" panose="05000000000000000000" pitchFamily="2" charset="2"/>
-              <a:buChar char="Ø"/>
-            </a:pPr>
-            <a:r>
-              <a:rPr lang="en-US" dirty="0"/>
-              <a:t>Features for the CRF model</a:t>
-            </a:r>
-          </a:p>
-          <a:p>
-            <a:pPr lvl="1">
-              <a:buFont typeface="Wingdings" panose="05000000000000000000" pitchFamily="2" charset="2"/>
-              <a:buChar char="Ø"/>
-            </a:pPr>
-            <a:r>
-              <a:rPr lang="en-US" dirty="0"/>
-              <a:t>Lexical features such as current word, its root, its POS tag etc. </a:t>
-            </a:r>
-            <a:r>
-              <a:rPr lang="en-US" dirty="0" err="1"/>
-              <a:t>GeniaTagger</a:t>
-            </a:r>
-            <a:r>
-              <a:rPr lang="en-US" dirty="0"/>
-              <a:t> [16] may be used.</a:t>
-            </a:r>
-          </a:p>
-          <a:p>
-            <a:pPr lvl="1">
-              <a:buFont typeface="Wingdings" panose="05000000000000000000" pitchFamily="2" charset="2"/>
-              <a:buChar char="Ø"/>
-            </a:pPr>
-            <a:r>
-              <a:rPr lang="en-US" dirty="0"/>
-              <a:t>Orthographic features: substring and word form features</a:t>
-            </a:r>
-          </a:p>
-          <a:p>
-            <a:pPr lvl="2">
-              <a:buFont typeface="Wingdings" panose="05000000000000000000" pitchFamily="2" charset="2"/>
-              <a:buChar char="Ø"/>
-            </a:pPr>
-            <a:r>
-              <a:rPr lang="en-US" dirty="0"/>
-              <a:t>Substring features: first two &amp; four characters and the last two &amp; four characters of the original word and the word form are chosen as features</a:t>
-            </a:r>
-          </a:p>
-          <a:p>
-            <a:pPr lvl="3">
-              <a:buFont typeface="Wingdings" panose="05000000000000000000" pitchFamily="2" charset="2"/>
-              <a:buChar char="Ø"/>
-            </a:pPr>
-            <a:r>
-              <a:rPr lang="en-US" dirty="0"/>
-              <a:t>this was already mentioned in the lectures, using first k chars may work better than hard lemmatization</a:t>
-            </a:r>
-          </a:p>
-          <a:p>
-            <a:pPr lvl="2">
-              <a:buFont typeface="Wingdings" panose="05000000000000000000" pitchFamily="2" charset="2"/>
-              <a:buChar char="Ø"/>
-            </a:pPr>
-            <a:r>
-              <a:rPr lang="en-US" dirty="0"/>
-              <a:t>Word form features: case-folding and/or normalizing all numbers to ‘0’</a:t>
-            </a:r>
-          </a:p>
-          <a:p>
-            <a:pPr lvl="1">
-              <a:buFont typeface="Wingdings" panose="05000000000000000000" pitchFamily="2" charset="2"/>
-              <a:buChar char="Ø"/>
-            </a:pPr>
-            <a:r>
-              <a:rPr lang="en-US" dirty="0"/>
-              <a:t>Dictionary features: binary features to indicate </a:t>
-            </a:r>
-          </a:p>
-          <a:p>
-            <a:pPr lvl="2">
-              <a:buFont typeface="Wingdings" panose="05000000000000000000" pitchFamily="2" charset="2"/>
-              <a:buChar char="Ø"/>
-            </a:pPr>
-            <a:r>
-              <a:rPr lang="en-US" dirty="0"/>
-              <a:t>the presence of the word in the dictionary</a:t>
-            </a:r>
-          </a:p>
-          <a:p>
-            <a:pPr lvl="2">
-              <a:buFont typeface="Wingdings" panose="05000000000000000000" pitchFamily="2" charset="2"/>
-              <a:buChar char="Ø"/>
-            </a:pPr>
-            <a:r>
-              <a:rPr lang="en-US" dirty="0"/>
-              <a:t>the position of the word within any dictionary entries</a:t>
-            </a:r>
+            <a:endParaRPr lang="en-US" dirty="0"/>
           </a:p>
           <a:p>
             <a:pPr>
@@ -7355,26 +6090,83 @@
             </a:pPr>
             <a:endParaRPr lang="en-US" dirty="0"/>
           </a:p>
-          <a:p>
-            <a:pPr>
-              <a:buFont typeface="Wingdings" panose="05000000000000000000" pitchFamily="2" charset="2"/>
-              <a:buChar char="Ø"/>
-            </a:pPr>
-            <a:endParaRPr lang="en-US" dirty="0"/>
-          </a:p>
-          <a:p>
-            <a:pPr>
-              <a:buFont typeface="Wingdings" panose="05000000000000000000" pitchFamily="2" charset="2"/>
-              <a:buChar char="Ø"/>
-            </a:pPr>
-            <a:endParaRPr lang="en-US" dirty="0"/>
-          </a:p>
         </p:txBody>
       </p:sp>
+      <p:sp>
+        <p:nvSpPr>
+          <p:cNvPr id="6" name="TextBox 5">
+            <a:extLst>
+              <a:ext uri="{FF2B5EF4-FFF2-40B4-BE49-F238E27FC236}">
+                <a16:creationId xmlns:a16="http://schemas.microsoft.com/office/drawing/2014/main" id="{62669D48-87B0-479D-BB09-C6C8DA9C9106}"/>
+              </a:ext>
+            </a:extLst>
+          </p:cNvPr>
+          <p:cNvSpPr txBox="1"/>
+          <p:nvPr/>
+        </p:nvSpPr>
+        <p:spPr>
+          <a:xfrm>
+            <a:off x="3959290" y="5684428"/>
+            <a:ext cx="4273420" cy="369332"/>
+          </a:xfrm>
+          <a:prstGeom prst="rect">
+            <a:avLst/>
+          </a:prstGeom>
+          <a:noFill/>
+        </p:spPr>
+        <p:txBody>
+          <a:bodyPr wrap="square" rtlCol="0">
+            <a:spAutoFit/>
+          </a:bodyPr>
+          <a:lstStyle/>
+          <a:p>
+            <a:r>
+              <a:rPr lang="en-US" dirty="0"/>
+              <a:t>Figure 1: Model Architecture Overview [4]</a:t>
+            </a:r>
+          </a:p>
+        </p:txBody>
+      </p:sp>
+      <p:pic>
+        <p:nvPicPr>
+          <p:cNvPr id="7" name="Picture 6" descr="A screenshot of a map&#10;&#10;Description automatically generated">
+            <a:extLst>
+              <a:ext uri="{FF2B5EF4-FFF2-40B4-BE49-F238E27FC236}">
+                <a16:creationId xmlns:a16="http://schemas.microsoft.com/office/drawing/2014/main" id="{EE975358-E105-404F-B130-36FF3CFC1CBB}"/>
+              </a:ext>
+            </a:extLst>
+          </p:cNvPr>
+          <p:cNvPicPr>
+            <a:picLocks noChangeAspect="1"/>
+          </p:cNvPicPr>
+          <p:nvPr/>
+        </p:nvPicPr>
+        <p:blipFill>
+          <a:blip r:embed="rId2">
+            <a:extLst>
+              <a:ext uri="{28A0092B-C50C-407E-A947-70E740481C1C}">
+                <a14:useLocalDpi xmlns:a14="http://schemas.microsoft.com/office/drawing/2010/main" val="0"/>
+              </a:ext>
+            </a:extLst>
+          </a:blip>
+          <a:stretch>
+            <a:fillRect/>
+          </a:stretch>
+        </p:blipFill>
+        <p:spPr>
+          <a:xfrm>
+            <a:off x="2680386" y="2296722"/>
+            <a:ext cx="6831227" cy="3203040"/>
+          </a:xfrm>
+          <a:prstGeom prst="rect">
+            <a:avLst/>
+          </a:prstGeom>
+        </p:spPr>
+      </p:pic>
     </p:spTree>
     <p:extLst>
       <p:ext uri="{BB962C8B-B14F-4D97-AF65-F5344CB8AC3E}">
-        <p14:creationId xmlns:p14="http://schemas.microsoft.com/office/powerpoint/2010/main" val="3961645006"/>
+        <p14:creationId xmlns:p14="http://schemas.microsoft.com/office/powerpoint/2010/main" val="1681752084"/>
       </p:ext>
     </p:extLst>
   </p:cSld>
@@ -7424,7 +6216,7 @@
           <a:p>
             <a:r>
               <a:rPr lang="en-US" dirty="0"/>
-              <a:t>Idea 3</a:t>
+              <a:t>Our References</a:t>
             </a:r>
           </a:p>
         </p:txBody>
@@ -7445,12 +6237,7 @@
             <p:ph idx="1"/>
           </p:nvPr>
         </p:nvSpPr>
-        <p:spPr>
-          <a:xfrm>
-            <a:off x="1123914" y="1845734"/>
-            <a:ext cx="10058400" cy="4023360"/>
-          </a:xfrm>
-        </p:spPr>
+        <p:spPr/>
         <p:txBody>
           <a:bodyPr/>
           <a:lstStyle/>
@@ -7461,14 +6248,38 @@
             </a:pPr>
             <a:r>
               <a:rPr lang="en-US" dirty="0"/>
-              <a:t>Or, Employing a hybrid (rule-based &amp; ML based) structure such as</a:t>
-            </a:r>
-          </a:p>
-          <a:p>
-            <a:pPr marL="0" indent="0">
-              <a:buNone/>
+              <a:t>[1] A dictionary- and rule-based system for identification of bacteria and habitats in text</a:t>
+            </a:r>
+          </a:p>
+          <a:p>
+            <a:pPr>
+              <a:buFont typeface="Wingdings" panose="05000000000000000000" pitchFamily="2" charset="2"/>
+              <a:buChar char="Ø"/>
             </a:pPr>
-            <a:endParaRPr lang="en-US" dirty="0"/>
+            <a:r>
+              <a:rPr lang="en-US" dirty="0"/>
+              <a:t>[2] End-to-End System for Bacteria Habitat Extraction</a:t>
+            </a:r>
+          </a:p>
+          <a:p>
+            <a:pPr>
+              <a:buFont typeface="Wingdings" panose="05000000000000000000" pitchFamily="2" charset="2"/>
+              <a:buChar char="Ø"/>
+            </a:pPr>
+            <a:r>
+              <a:rPr lang="en-US" dirty="0"/>
+              <a:t>[3] Automatic extraction of microorganisms and their habitats from free text using text mining workflows</a:t>
+            </a:r>
+          </a:p>
+          <a:p>
+            <a:pPr>
+              <a:buFont typeface="Wingdings" panose="05000000000000000000" pitchFamily="2" charset="2"/>
+              <a:buChar char="Ø"/>
+            </a:pPr>
+            <a:r>
+              <a:rPr lang="en-US" dirty="0"/>
+              <a:t>[4] An ensemble CNN method for biomedical entity normalization</a:t>
+            </a:r>
           </a:p>
           <a:p>
             <a:pPr>
@@ -7479,81 +6290,10 @@
           </a:p>
         </p:txBody>
       </p:sp>
-      <p:pic>
-        <p:nvPicPr>
-          <p:cNvPr id="5" name="Picture 4" descr="A screenshot of a cell phone&#10;&#10;Description automatically generated">
-            <a:extLst>
-              <a:ext uri="{FF2B5EF4-FFF2-40B4-BE49-F238E27FC236}">
-                <a16:creationId xmlns:a16="http://schemas.microsoft.com/office/drawing/2014/main" id="{87C1A125-EF57-4952-BC9C-F31EF681EC48}"/>
-              </a:ext>
-            </a:extLst>
-          </p:cNvPr>
-          <p:cNvPicPr>
-            <a:picLocks noChangeAspect="1"/>
-          </p:cNvPicPr>
-          <p:nvPr/>
-        </p:nvPicPr>
-        <p:blipFill>
-          <a:blip r:embed="rId2">
-            <a:extLst>
-              <a:ext uri="{28A0092B-C50C-407E-A947-70E740481C1C}">
-                <a14:useLocalDpi xmlns:a14="http://schemas.microsoft.com/office/drawing/2010/main" val="0"/>
-              </a:ext>
-            </a:extLst>
-          </a:blip>
-          <a:stretch>
-            <a:fillRect/>
-          </a:stretch>
-        </p:blipFill>
-        <p:spPr>
-          <a:xfrm>
-            <a:off x="1123914" y="2286053"/>
-            <a:ext cx="7778180" cy="3312292"/>
-          </a:xfrm>
-          <a:prstGeom prst="rect">
-            <a:avLst/>
-          </a:prstGeom>
-        </p:spPr>
-      </p:pic>
-      <p:sp>
-        <p:nvSpPr>
-          <p:cNvPr id="6" name="TextBox 5">
-            <a:extLst>
-              <a:ext uri="{FF2B5EF4-FFF2-40B4-BE49-F238E27FC236}">
-                <a16:creationId xmlns:a16="http://schemas.microsoft.com/office/drawing/2014/main" id="{62669D48-87B0-479D-BB09-C6C8DA9C9106}"/>
-              </a:ext>
-            </a:extLst>
-          </p:cNvPr>
-          <p:cNvSpPr txBox="1"/>
-          <p:nvPr/>
-        </p:nvSpPr>
-        <p:spPr>
-          <a:xfrm>
-            <a:off x="2876294" y="5499762"/>
-            <a:ext cx="4273420" cy="369332"/>
-          </a:xfrm>
-          <a:prstGeom prst="rect">
-            <a:avLst/>
-          </a:prstGeom>
-          <a:noFill/>
-        </p:spPr>
-        <p:txBody>
-          <a:bodyPr wrap="square" rtlCol="0">
-            <a:spAutoFit/>
-          </a:bodyPr>
-          <a:lstStyle/>
-          <a:p>
-            <a:r>
-              <a:rPr lang="en-US" dirty="0"/>
-              <a:t>Figure 1: Model Architecture Overview [10]</a:t>
-            </a:r>
-          </a:p>
-        </p:txBody>
-      </p:sp>
     </p:spTree>
     <p:extLst>
       <p:ext uri="{BB962C8B-B14F-4D97-AF65-F5344CB8AC3E}">
-        <p14:creationId xmlns:p14="http://schemas.microsoft.com/office/powerpoint/2010/main" val="1681752084"/>
+        <p14:creationId xmlns:p14="http://schemas.microsoft.com/office/powerpoint/2010/main" val="3253675657"/>
       </p:ext>
     </p:extLst>
   </p:cSld>
@@ -7629,6 +6369,10 @@
           <a:bodyPr/>
           <a:lstStyle/>
           <a:p>
+            <a:pPr>
+              <a:buFont typeface="Wingdings" panose="05000000000000000000" pitchFamily="2" charset="2"/>
+              <a:buChar char="Ø"/>
+            </a:pPr>
             <a:r>
               <a:rPr lang="en-US" dirty="0"/>
               <a:t>Part 1: </a:t>
@@ -7659,12 +6403,20 @@
             </a:r>
           </a:p>
           <a:p>
+            <a:pPr>
+              <a:buFont typeface="Wingdings" panose="05000000000000000000" pitchFamily="2" charset="2"/>
+              <a:buChar char="Ø"/>
+            </a:pPr>
             <a:r>
               <a:rPr lang="en-US" dirty="0"/>
               <a:t>Part 2: Performance Evaluations, Abdullah Yıldız</a:t>
             </a:r>
           </a:p>
           <a:p>
+            <a:pPr>
+              <a:buFont typeface="Wingdings" panose="05000000000000000000" pitchFamily="2" charset="2"/>
+              <a:buChar char="Ø"/>
+            </a:pPr>
             <a:r>
               <a:rPr lang="en-US" dirty="0"/>
               <a:t>Part 3: Future Work, Can Deveci</a:t>
@@ -7686,365 +6438,6 @@
 </file>
 
 <file path=ppt/slides/slide20.xml><?xml version="1.0" encoding="utf-8"?>
-<p:sld xmlns:a="http://schemas.openxmlformats.org/drawingml/2006/main" xmlns:r="http://schemas.openxmlformats.org/officeDocument/2006/relationships" xmlns:p="http://schemas.openxmlformats.org/presentationml/2006/main">
-  <p:cSld>
-    <p:spTree>
-      <p:nvGrpSpPr>
-        <p:cNvPr id="1" name=""/>
-        <p:cNvGrpSpPr/>
-        <p:nvPr/>
-      </p:nvGrpSpPr>
-      <p:grpSpPr>
-        <a:xfrm>
-          <a:off x="0" y="0"/>
-          <a:ext cx="0" cy="0"/>
-          <a:chOff x="0" y="0"/>
-          <a:chExt cx="0" cy="0"/>
-        </a:xfrm>
-      </p:grpSpPr>
-      <p:sp>
-        <p:nvSpPr>
-          <p:cNvPr id="2" name="Title 1">
-            <a:extLst>
-              <a:ext uri="{FF2B5EF4-FFF2-40B4-BE49-F238E27FC236}">
-                <a16:creationId xmlns:a16="http://schemas.microsoft.com/office/drawing/2014/main" id="{1AE67C95-A1CD-44F8-99D2-4640264C88CA}"/>
-              </a:ext>
-            </a:extLst>
-          </p:cNvPr>
-          <p:cNvSpPr>
-            <a:spLocks noGrp="1"/>
-          </p:cNvSpPr>
-          <p:nvPr>
-            <p:ph type="title"/>
-          </p:nvPr>
-        </p:nvSpPr>
-        <p:spPr/>
-        <p:txBody>
-          <a:bodyPr/>
-          <a:lstStyle/>
-          <a:p>
-            <a:r>
-              <a:rPr lang="en-US" dirty="0"/>
-              <a:t>Habitats Domain NE Normalization Papers</a:t>
-            </a:r>
-          </a:p>
-        </p:txBody>
-      </p:sp>
-      <p:sp>
-        <p:nvSpPr>
-          <p:cNvPr id="3" name="Content Placeholder 2">
-            <a:extLst>
-              <a:ext uri="{FF2B5EF4-FFF2-40B4-BE49-F238E27FC236}">
-                <a16:creationId xmlns:a16="http://schemas.microsoft.com/office/drawing/2014/main" id="{3B9B51B1-383B-4A8B-9C5B-9FD704B0BC1B}"/>
-              </a:ext>
-            </a:extLst>
-          </p:cNvPr>
-          <p:cNvSpPr>
-            <a:spLocks noGrp="1"/>
-          </p:cNvSpPr>
-          <p:nvPr>
-            <p:ph idx="1"/>
-          </p:nvPr>
-        </p:nvSpPr>
-        <p:spPr/>
-        <p:txBody>
-          <a:bodyPr/>
-          <a:lstStyle/>
-          <a:p>
-            <a:pPr>
-              <a:buFont typeface="Wingdings" panose="05000000000000000000" pitchFamily="2" charset="2"/>
-              <a:buChar char="Ø"/>
-            </a:pPr>
-            <a:r>
-              <a:rPr lang="en-US" dirty="0"/>
-              <a:t>[1] A dictionary- and rule-based system for identification of bacteria and habitats in text</a:t>
-            </a:r>
-          </a:p>
-          <a:p>
-            <a:pPr>
-              <a:buFont typeface="Wingdings" panose="05000000000000000000" pitchFamily="2" charset="2"/>
-              <a:buChar char="Ø"/>
-            </a:pPr>
-            <a:r>
-              <a:rPr lang="en-US" dirty="0"/>
-              <a:t>[2] Automatic extraction of microorganisms and their habitats from free text using text mining workflows</a:t>
-            </a:r>
-          </a:p>
-          <a:p>
-            <a:pPr>
-              <a:buFont typeface="Wingdings" panose="05000000000000000000" pitchFamily="2" charset="2"/>
-              <a:buChar char="Ø"/>
-            </a:pPr>
-            <a:r>
-              <a:rPr lang="en-US" dirty="0"/>
-              <a:t>[3] Detection and categorization of bacteria habitats using shallow linguistic analysis</a:t>
-            </a:r>
-          </a:p>
-          <a:p>
-            <a:pPr>
-              <a:buFont typeface="Wingdings" panose="05000000000000000000" pitchFamily="2" charset="2"/>
-              <a:buChar char="Ø"/>
-            </a:pPr>
-            <a:r>
-              <a:rPr lang="en-US" dirty="0"/>
-              <a:t>[4] End-to-End System for Bacteria Habitat Extraction</a:t>
-            </a:r>
-          </a:p>
-          <a:p>
-            <a:pPr>
-              <a:buFont typeface="Wingdings" panose="05000000000000000000" pitchFamily="2" charset="2"/>
-              <a:buChar char="Ø"/>
-            </a:pPr>
-            <a:r>
-              <a:rPr lang="en-US" dirty="0"/>
-              <a:t>[5] Linking entities through an ontology using word embeddings and syntactic re-ranking</a:t>
-            </a:r>
-          </a:p>
-        </p:txBody>
-      </p:sp>
-    </p:spTree>
-    <p:extLst>
-      <p:ext uri="{BB962C8B-B14F-4D97-AF65-F5344CB8AC3E}">
-        <p14:creationId xmlns:p14="http://schemas.microsoft.com/office/powerpoint/2010/main" val="3253675657"/>
-      </p:ext>
-    </p:extLst>
-  </p:cSld>
-  <p:clrMapOvr>
-    <a:masterClrMapping/>
-  </p:clrMapOvr>
-</p:sld>
-</file>
-
-<file path=ppt/slides/slide21.xml><?xml version="1.0" encoding="utf-8"?>
-<p:sld xmlns:a="http://schemas.openxmlformats.org/drawingml/2006/main" xmlns:r="http://schemas.openxmlformats.org/officeDocument/2006/relationships" xmlns:p="http://schemas.openxmlformats.org/presentationml/2006/main">
-  <p:cSld>
-    <p:spTree>
-      <p:nvGrpSpPr>
-        <p:cNvPr id="1" name=""/>
-        <p:cNvGrpSpPr/>
-        <p:nvPr/>
-      </p:nvGrpSpPr>
-      <p:grpSpPr>
-        <a:xfrm>
-          <a:off x="0" y="0"/>
-          <a:ext cx="0" cy="0"/>
-          <a:chOff x="0" y="0"/>
-          <a:chExt cx="0" cy="0"/>
-        </a:xfrm>
-      </p:grpSpPr>
-      <p:sp>
-        <p:nvSpPr>
-          <p:cNvPr id="2" name="Title 1">
-            <a:extLst>
-              <a:ext uri="{FF2B5EF4-FFF2-40B4-BE49-F238E27FC236}">
-                <a16:creationId xmlns:a16="http://schemas.microsoft.com/office/drawing/2014/main" id="{1AE67C95-A1CD-44F8-99D2-4640264C88CA}"/>
-              </a:ext>
-            </a:extLst>
-          </p:cNvPr>
-          <p:cNvSpPr>
-            <a:spLocks noGrp="1"/>
-          </p:cNvSpPr>
-          <p:nvPr>
-            <p:ph type="title"/>
-          </p:nvPr>
-        </p:nvSpPr>
-        <p:spPr/>
-        <p:txBody>
-          <a:bodyPr/>
-          <a:lstStyle/>
-          <a:p>
-            <a:r>
-              <a:rPr lang="en-US" dirty="0"/>
-              <a:t>Biomedical Domain NE Normalization Papers</a:t>
-            </a:r>
-          </a:p>
-        </p:txBody>
-      </p:sp>
-      <p:sp>
-        <p:nvSpPr>
-          <p:cNvPr id="3" name="Content Placeholder 2">
-            <a:extLst>
-              <a:ext uri="{FF2B5EF4-FFF2-40B4-BE49-F238E27FC236}">
-                <a16:creationId xmlns:a16="http://schemas.microsoft.com/office/drawing/2014/main" id="{3B9B51B1-383B-4A8B-9C5B-9FD704B0BC1B}"/>
-              </a:ext>
-            </a:extLst>
-          </p:cNvPr>
-          <p:cNvSpPr>
-            <a:spLocks noGrp="1"/>
-          </p:cNvSpPr>
-          <p:nvPr>
-            <p:ph idx="1"/>
-          </p:nvPr>
-        </p:nvSpPr>
-        <p:spPr/>
-        <p:txBody>
-          <a:bodyPr>
-            <a:normAutofit fontScale="70000" lnSpcReduction="20000"/>
-          </a:bodyPr>
-          <a:lstStyle/>
-          <a:p>
-            <a:pPr>
-              <a:buFont typeface="Wingdings" panose="05000000000000000000" pitchFamily="2" charset="2"/>
-              <a:buChar char="Ø"/>
-            </a:pPr>
-            <a:r>
-              <a:rPr lang="en-US" dirty="0"/>
-              <a:t>[6] A Survey on Recent Advances in Named Entity Recognition from Deep Learning models</a:t>
-            </a:r>
-          </a:p>
-          <a:p>
-            <a:pPr>
-              <a:buFont typeface="Wingdings" panose="05000000000000000000" pitchFamily="2" charset="2"/>
-              <a:buChar char="Ø"/>
-            </a:pPr>
-            <a:r>
-              <a:rPr lang="en-US" dirty="0"/>
-              <a:t>[7] Normalizing biomedical terms by minimizing ambiguity and variability</a:t>
-            </a:r>
-          </a:p>
-          <a:p>
-            <a:pPr>
-              <a:buFont typeface="Wingdings" panose="05000000000000000000" pitchFamily="2" charset="2"/>
-              <a:buChar char="Ø"/>
-            </a:pPr>
-            <a:r>
-              <a:rPr lang="en-US" dirty="0"/>
-              <a:t>[8] NERBio: using selected word conjunctions, term normalization, and global patterns to improve biomedical named entity recognition</a:t>
-            </a:r>
-          </a:p>
-          <a:p>
-            <a:pPr>
-              <a:buFont typeface="Wingdings" panose="05000000000000000000" pitchFamily="2" charset="2"/>
-              <a:buChar char="Ø"/>
-            </a:pPr>
-            <a:r>
-              <a:rPr lang="en-US" dirty="0"/>
-              <a:t>[9] A method for named entity normalization in biomedical articles application to diseases and plants</a:t>
-            </a:r>
-          </a:p>
-          <a:p>
-            <a:pPr>
-              <a:buFont typeface="Wingdings" panose="05000000000000000000" pitchFamily="2" charset="2"/>
-              <a:buChar char="Ø"/>
-            </a:pPr>
-            <a:r>
-              <a:rPr lang="en-US" dirty="0"/>
-              <a:t>[10] An ensemble CNN method for biomedical entity normalization</a:t>
-            </a:r>
-          </a:p>
-          <a:p>
-            <a:pPr>
-              <a:buFont typeface="Wingdings" panose="05000000000000000000" pitchFamily="2" charset="2"/>
-              <a:buChar char="Ø"/>
-            </a:pPr>
-            <a:r>
-              <a:rPr lang="en-US" dirty="0"/>
-              <a:t>[11] CNN-based ranking for biomedical entity normalization</a:t>
-            </a:r>
-          </a:p>
-          <a:p>
-            <a:pPr>
-              <a:buFont typeface="Wingdings" panose="05000000000000000000" pitchFamily="2" charset="2"/>
-              <a:buChar char="Ø"/>
-            </a:pPr>
-            <a:r>
-              <a:rPr lang="en-US" dirty="0"/>
-              <a:t>[12] DNorm disease name normalization with pairwise learning to rank</a:t>
-            </a:r>
-          </a:p>
-          <a:p>
-            <a:pPr>
-              <a:buFont typeface="Wingdings" panose="05000000000000000000" pitchFamily="2" charset="2"/>
-              <a:buChar char="Ø"/>
-            </a:pPr>
-            <a:r>
-              <a:rPr lang="en-US" dirty="0"/>
-              <a:t>[13] OrganismTagger detection, normalization and grounding of organism entities in biomedical documents</a:t>
-            </a:r>
-          </a:p>
-          <a:p>
-            <a:pPr>
-              <a:buFont typeface="Wingdings" panose="05000000000000000000" pitchFamily="2" charset="2"/>
-              <a:buChar char="Ø"/>
-            </a:pPr>
-            <a:r>
-              <a:rPr lang="en-US" dirty="0"/>
-              <a:t>[14] Unsupervised </a:t>
-            </a:r>
-            <a:r>
-              <a:rPr lang="en-US" dirty="0" err="1"/>
-              <a:t>geneprotein</a:t>
-            </a:r>
-            <a:r>
-              <a:rPr lang="en-US" dirty="0"/>
-              <a:t> named entity normalization using automatically extracted dictionaries</a:t>
-            </a:r>
-          </a:p>
-          <a:p>
-            <a:pPr>
-              <a:buFont typeface="Wingdings" panose="05000000000000000000" pitchFamily="2" charset="2"/>
-              <a:buChar char="Ø"/>
-            </a:pPr>
-            <a:r>
-              <a:rPr lang="en-US" dirty="0"/>
-              <a:t>[15] A. K. McCallum. MALLET: A Machine Learning for Language Toolkit. http://mallet.cs.umass.edu, last accessed 08 July 2011.</a:t>
-            </a:r>
-          </a:p>
-          <a:p>
-            <a:pPr>
-              <a:buFont typeface="Wingdings" panose="05000000000000000000" pitchFamily="2" charset="2"/>
-              <a:buChar char="Ø"/>
-            </a:pPr>
-            <a:r>
-              <a:rPr lang="en-US" dirty="0"/>
-              <a:t>[16] </a:t>
-            </a:r>
-            <a:r>
-              <a:rPr lang="en-US" dirty="0" err="1"/>
-              <a:t>Tsuruoka</a:t>
-            </a:r>
-            <a:r>
-              <a:rPr lang="en-US" dirty="0"/>
-              <a:t>, and J. </a:t>
-            </a:r>
-            <a:r>
-              <a:rPr lang="en-US" dirty="0" err="1"/>
-              <a:t>Tsujii</a:t>
-            </a:r>
-            <a:r>
-              <a:rPr lang="en-US" dirty="0"/>
-              <a:t>. Bidirectional Inference with the Easiest-First Strategy for Tagging Sequence Data. In Proceedings of HLT/EMNLP, 2005.</a:t>
-            </a:r>
-          </a:p>
-          <a:p>
-            <a:pPr>
-              <a:buFont typeface="Wingdings" panose="05000000000000000000" pitchFamily="2" charset="2"/>
-              <a:buChar char="Ø"/>
-            </a:pPr>
-            <a:r>
-              <a:rPr lang="en-US" dirty="0"/>
-              <a:t>[17] Martin F Porter. 1980. An algorithm for suffix strip-ping.Program14(3):130–137.</a:t>
-            </a:r>
-          </a:p>
-          <a:p>
-            <a:endParaRPr lang="en-US" dirty="0"/>
-          </a:p>
-        </p:txBody>
-      </p:sp>
-    </p:spTree>
-    <p:extLst>
-      <p:ext uri="{BB962C8B-B14F-4D97-AF65-F5344CB8AC3E}">
-        <p14:creationId xmlns:p14="http://schemas.microsoft.com/office/powerpoint/2010/main" val="1452545530"/>
-      </p:ext>
-    </p:extLst>
-  </p:cSld>
-  <p:clrMapOvr>
-    <a:masterClrMapping/>
-  </p:clrMapOvr>
-</p:sld>
-</file>
-
-<file path=ppt/slides/slide22.xml><?xml version="1.0" encoding="utf-8"?>
 <p:sld xmlns:a="http://schemas.openxmlformats.org/drawingml/2006/main" xmlns:r="http://schemas.openxmlformats.org/officeDocument/2006/relationships" xmlns:p="http://schemas.openxmlformats.org/presentationml/2006/main">
   <p:cSld>
     <p:spTree>
@@ -9170,80 +7563,125 @@
           </a:bodyPr>
           <a:lstStyle/>
           <a:p>
-            <a:pPr lvl="1">
+            <a:pPr marL="91440" lvl="1" indent="-91440">
+              <a:lnSpc>
+                <a:spcPct val="70000"/>
+              </a:lnSpc>
+              <a:spcBef>
+                <a:spcPts val="1200"/>
+              </a:spcBef>
+              <a:spcAft>
+                <a:spcPts val="200"/>
+              </a:spcAft>
+              <a:buSzPct val="100000"/>
               <a:buFont typeface="Wingdings" panose="05000000000000000000" pitchFamily="2" charset="2"/>
               <a:buChar char="Ø"/>
             </a:pPr>
             <a:r>
-              <a:rPr lang="tr-TR" sz="2400" b="1" dirty="0"/>
+              <a:rPr lang="tr-TR" sz="1900" dirty="0"/>
               <a:t>Cosine Similarity</a:t>
             </a:r>
           </a:p>
           <a:p>
-            <a:pPr lvl="2">
+            <a:pPr marL="274320" lvl="3" indent="-91440">
               <a:lnSpc>
-                <a:spcPct val="100000"/>
+                <a:spcPct val="70000"/>
               </a:lnSpc>
+              <a:spcBef>
+                <a:spcPts val="1200"/>
+              </a:spcBef>
+              <a:spcAft>
+                <a:spcPts val="200"/>
+              </a:spcAft>
+              <a:buSzPct val="100000"/>
               <a:buFont typeface="Wingdings" panose="05000000000000000000" pitchFamily="2" charset="2"/>
-              <a:buChar char="ü"/>
+              <a:buChar char="Ø"/>
             </a:pPr>
             <a:r>
-              <a:rPr lang="tr-TR" b="1" dirty="0"/>
+              <a:rPr lang="tr-TR" sz="1900" dirty="0"/>
               <a:t>Used if exact match fails</a:t>
             </a:r>
           </a:p>
           <a:p>
-            <a:pPr lvl="2">
+            <a:pPr marL="274320" lvl="3" indent="-91440">
               <a:lnSpc>
-                <a:spcPct val="100000"/>
+                <a:spcPct val="70000"/>
               </a:lnSpc>
+              <a:spcBef>
+                <a:spcPts val="1200"/>
+              </a:spcBef>
+              <a:spcAft>
+                <a:spcPts val="200"/>
+              </a:spcAft>
+              <a:buSzPct val="100000"/>
               <a:buFont typeface="Wingdings" panose="05000000000000000000" pitchFamily="2" charset="2"/>
-              <a:buChar char="ü"/>
+              <a:buChar char="Ø"/>
             </a:pPr>
             <a:r>
-              <a:rPr lang="tr-TR" b="1" dirty="0"/>
+              <a:rPr lang="tr-TR" sz="1900" dirty="0"/>
               <a:t>Measures cosine similarity of given entity with all entities in the Training set</a:t>
             </a:r>
           </a:p>
           <a:p>
-            <a:pPr lvl="2">
+            <a:pPr marL="274320" lvl="3" indent="-91440">
               <a:lnSpc>
-                <a:spcPct val="100000"/>
+                <a:spcPct val="70000"/>
               </a:lnSpc>
+              <a:spcBef>
+                <a:spcPts val="1200"/>
+              </a:spcBef>
+              <a:spcAft>
+                <a:spcPts val="200"/>
+              </a:spcAft>
+              <a:buSzPct val="100000"/>
               <a:buFont typeface="Wingdings" panose="05000000000000000000" pitchFamily="2" charset="2"/>
-              <a:buChar char="ü"/>
+              <a:buChar char="Ø"/>
             </a:pPr>
             <a:r>
-              <a:rPr lang="tr-TR" b="1" dirty="0"/>
+              <a:rPr lang="tr-TR" sz="1900" dirty="0"/>
               <a:t>Binary vectors of Training set vocabulary size</a:t>
             </a:r>
           </a:p>
           <a:p>
-            <a:pPr lvl="2">
+            <a:pPr marL="274320" lvl="3" indent="-91440">
               <a:lnSpc>
-                <a:spcPct val="100000"/>
+                <a:spcPct val="70000"/>
               </a:lnSpc>
+              <a:spcBef>
+                <a:spcPts val="1200"/>
+              </a:spcBef>
+              <a:spcAft>
+                <a:spcPts val="200"/>
+              </a:spcAft>
+              <a:buSzPct val="100000"/>
               <a:buFont typeface="Wingdings" panose="05000000000000000000" pitchFamily="2" charset="2"/>
-              <a:buChar char="ü"/>
+              <a:buChar char="Ø"/>
             </a:pPr>
             <a:r>
-              <a:rPr lang="tr-TR" b="1" dirty="0"/>
+              <a:rPr lang="tr-TR" sz="1900" dirty="0"/>
               <a:t>Improves performance by 10%</a:t>
             </a:r>
           </a:p>
           <a:p>
-            <a:pPr lvl="2">
+            <a:pPr marL="274320" lvl="3" indent="-91440">
               <a:lnSpc>
-                <a:spcPct val="100000"/>
+                <a:spcPct val="70000"/>
               </a:lnSpc>
+              <a:spcBef>
+                <a:spcPts val="1200"/>
+              </a:spcBef>
+              <a:spcAft>
+                <a:spcPts val="200"/>
+              </a:spcAft>
+              <a:buSzPct val="100000"/>
               <a:buFont typeface="Wingdings" panose="05000000000000000000" pitchFamily="2" charset="2"/>
-              <a:buChar char="ü"/>
+              <a:buChar char="Ø"/>
             </a:pPr>
             <a:r>
-              <a:rPr lang="tr-TR" b="1" dirty="0"/>
-              <a:t>Performance: 47% correct normalization on dev set.</a:t>
-            </a:r>
-            <a:endParaRPr lang="en-US" b="1" dirty="0"/>
+              <a:rPr lang="tr-TR" sz="1900" dirty="0"/>
+              <a:t>Performance: 47% correct normalization on dev set</a:t>
+            </a:r>
+            <a:endParaRPr lang="en-US" sz="1900" dirty="0"/>
           </a:p>
         </p:txBody>
       </p:sp>
@@ -10457,7 +8895,7 @@
         <p:spPr>
           <a:xfrm>
             <a:off x="6096000" y="2101938"/>
-            <a:ext cx="4728410" cy="3400931"/>
+            <a:ext cx="4728410" cy="3024802"/>
           </a:xfrm>
           <a:prstGeom prst="rect">
             <a:avLst/>
@@ -10470,21 +8908,25 @@
           </a:bodyPr>
           <a:lstStyle/>
           <a:p>
-            <a:pPr marL="285750" indent="-182880" defTabSz="914400">
+            <a:pPr marL="91440" indent="-91440" defTabSz="914400">
+              <a:lnSpc>
+                <a:spcPct val="70000"/>
+              </a:lnSpc>
               <a:spcBef>
-                <a:spcPts val="200"/>
+                <a:spcPts val="1200"/>
               </a:spcBef>
               <a:spcAft>
-                <a:spcPts val="400"/>
+                <a:spcPts val="200"/>
               </a:spcAft>
               <a:buClr>
                 <a:schemeClr val="accent1"/>
               </a:buClr>
+              <a:buSzPct val="100000"/>
               <a:buFont typeface="Wingdings" panose="05000000000000000000" pitchFamily="2" charset="2"/>
               <a:buChar char="Ø"/>
             </a:pPr>
             <a:r>
-              <a:rPr lang="tr-TR" b="1" dirty="0">
+              <a:rPr lang="tr-TR" sz="1900" dirty="0">
                 <a:solidFill>
                   <a:schemeClr val="tx1">
                     <a:lumMod val="75000"/>
@@ -10496,44 +8938,24 @@
             </a:r>
           </a:p>
           <a:p>
-            <a:pPr indent="-182880" defTabSz="914400">
+            <a:pPr marL="91440" indent="-91440" defTabSz="914400">
+              <a:lnSpc>
+                <a:spcPct val="70000"/>
+              </a:lnSpc>
               <a:spcBef>
-                <a:spcPts val="200"/>
+                <a:spcPts val="1200"/>
               </a:spcBef>
               <a:spcAft>
-                <a:spcPts val="400"/>
+                <a:spcPts val="200"/>
               </a:spcAft>
               <a:buClr>
                 <a:schemeClr val="accent1"/>
               </a:buClr>
+              <a:buSzPct val="100000"/>
               <a:buFont typeface="Wingdings" panose="05000000000000000000" pitchFamily="2" charset="2"/>
+              <a:buChar char="Ø"/>
             </a:pPr>
-            <a:r>
-              <a:rPr lang="tr-TR" b="1" dirty="0">
-                <a:solidFill>
-                  <a:schemeClr val="tx1">
-                    <a:lumMod val="75000"/>
-                    <a:lumOff val="25000"/>
-                  </a:schemeClr>
-                </a:solidFill>
-              </a:rPr>
-              <a:t>nltk.wordnet.WordNetLemmatizer()</a:t>
-            </a:r>
-          </a:p>
-          <a:p>
-            <a:pPr indent="-182880" defTabSz="914400">
-              <a:spcBef>
-                <a:spcPts val="200"/>
-              </a:spcBef>
-              <a:spcAft>
-                <a:spcPts val="400"/>
-              </a:spcAft>
-              <a:buClr>
-                <a:schemeClr val="accent1"/>
-              </a:buClr>
-              <a:buFont typeface="Wingdings" panose="05000000000000000000" pitchFamily="2" charset="2"/>
-            </a:pPr>
-            <a:endParaRPr lang="tr-TR" b="1" dirty="0">
+            <a:endParaRPr lang="tr-TR" sz="1900" dirty="0">
               <a:solidFill>
                 <a:schemeClr val="tx1">
                   <a:lumMod val="75000"/>
@@ -10543,21 +8965,25 @@
             </a:endParaRPr>
           </a:p>
           <a:p>
-            <a:pPr marL="102870" indent="-285750" defTabSz="914400">
+            <a:pPr marL="91440" indent="-91440" defTabSz="914400">
+              <a:lnSpc>
+                <a:spcPct val="70000"/>
+              </a:lnSpc>
               <a:spcBef>
-                <a:spcPts val="200"/>
+                <a:spcPts val="1200"/>
               </a:spcBef>
               <a:spcAft>
-                <a:spcPts val="400"/>
+                <a:spcPts val="200"/>
               </a:spcAft>
               <a:buClr>
                 <a:schemeClr val="accent1"/>
               </a:buClr>
+              <a:buSzPct val="100000"/>
               <a:buFont typeface="Wingdings" panose="05000000000000000000" pitchFamily="2" charset="2"/>
               <a:buChar char="Ø"/>
             </a:pPr>
             <a:r>
-              <a:rPr lang="tr-TR" b="1" dirty="0">
+              <a:rPr lang="tr-TR" sz="1900" dirty="0">
                 <a:solidFill>
                   <a:schemeClr val="tx1">
                     <a:lumMod val="75000"/>
@@ -10568,7 +8994,7 @@
               <a:t>e.g. </a:t>
             </a:r>
             <a:r>
-              <a:rPr lang="en-US" b="1" dirty="0">
+              <a:rPr lang="en-US" sz="1900" dirty="0">
                 <a:solidFill>
                   <a:schemeClr val="tx1">
                     <a:lumMod val="75000"/>
@@ -10579,7 +9005,7 @@
               <a:t>lymphocytic </a:t>
             </a:r>
             <a:r>
-              <a:rPr lang="tr-TR" b="1" dirty="0">
+              <a:rPr lang="tr-TR" sz="1900" dirty="0">
                 <a:solidFill>
                   <a:schemeClr val="tx1">
                     <a:lumMod val="75000"/>
@@ -10590,7 +9016,7 @@
               <a:t> -&gt; </a:t>
             </a:r>
             <a:r>
-              <a:rPr lang="en-US" b="1" dirty="0">
+              <a:rPr lang="en-US" sz="1900" dirty="0">
                 <a:solidFill>
                   <a:schemeClr val="tx1">
                     <a:lumMod val="75000"/>
@@ -10600,7 +9026,7 @@
               </a:rPr>
               <a:t>lymphocytic </a:t>
             </a:r>
-            <a:endParaRPr lang="tr-TR" b="1" dirty="0">
+            <a:endParaRPr lang="tr-TR" sz="1900" dirty="0">
               <a:solidFill>
                 <a:schemeClr val="tx1">
                   <a:lumMod val="75000"/>
@@ -10610,19 +9036,24 @@
             </a:endParaRPr>
           </a:p>
           <a:p>
-            <a:pPr indent="-182880" defTabSz="914400">
+            <a:pPr marL="91440" indent="-91440" defTabSz="914400">
+              <a:lnSpc>
+                <a:spcPct val="70000"/>
+              </a:lnSpc>
               <a:spcBef>
-                <a:spcPts val="200"/>
+                <a:spcPts val="1200"/>
               </a:spcBef>
               <a:spcAft>
-                <a:spcPts val="400"/>
+                <a:spcPts val="200"/>
               </a:spcAft>
               <a:buClr>
                 <a:schemeClr val="accent1"/>
               </a:buClr>
+              <a:buSzPct val="100000"/>
               <a:buFont typeface="Wingdings" panose="05000000000000000000" pitchFamily="2" charset="2"/>
+              <a:buChar char="Ø"/>
             </a:pPr>
-            <a:endParaRPr lang="tr-TR" b="1" dirty="0">
+            <a:endParaRPr lang="tr-TR" sz="1900" dirty="0">
               <a:solidFill>
                 <a:schemeClr val="tx1">
                   <a:lumMod val="75000"/>
@@ -10632,21 +9063,25 @@
             </a:endParaRPr>
           </a:p>
           <a:p>
-            <a:pPr marL="102870" indent="-285750" defTabSz="914400">
+            <a:pPr marL="91440" indent="-91440" defTabSz="914400">
+              <a:lnSpc>
+                <a:spcPct val="70000"/>
+              </a:lnSpc>
               <a:spcBef>
-                <a:spcPts val="200"/>
+                <a:spcPts val="1200"/>
               </a:spcBef>
               <a:spcAft>
-                <a:spcPts val="400"/>
+                <a:spcPts val="200"/>
               </a:spcAft>
               <a:buClr>
                 <a:schemeClr val="accent1"/>
               </a:buClr>
+              <a:buSzPct val="100000"/>
               <a:buFont typeface="Wingdings" panose="05000000000000000000" pitchFamily="2" charset="2"/>
               <a:buChar char="Ø"/>
             </a:pPr>
             <a:r>
-              <a:rPr lang="tr-TR" b="1" dirty="0">
+              <a:rPr lang="tr-TR" sz="1900" dirty="0">
                 <a:solidFill>
                   <a:schemeClr val="tx1">
                     <a:lumMod val="75000"/>
@@ -10654,9 +9089,9 @@
                   </a:schemeClr>
                 </a:solidFill>
               </a:rPr>
-              <a:t>Lemmatization could not lemmatize scientific terms. </a:t>
-            </a:r>
-            <a:endParaRPr lang="en-US" b="1" dirty="0">
+              <a:t>Lemmatization could not lemmatize scientific terms</a:t>
+            </a:r>
+            <a:endParaRPr lang="en-US" sz="1900" dirty="0">
               <a:solidFill>
                 <a:schemeClr val="tx1">
                   <a:lumMod val="75000"/>
@@ -10666,21 +9101,25 @@
             </a:endParaRPr>
           </a:p>
           <a:p>
-            <a:pPr marL="560070" lvl="1" indent="-285750" defTabSz="914400">
+            <a:pPr marL="91440" lvl="1" indent="-91440" defTabSz="914400">
+              <a:lnSpc>
+                <a:spcPct val="70000"/>
+              </a:lnSpc>
               <a:spcBef>
-                <a:spcPts val="200"/>
+                <a:spcPts val="1200"/>
               </a:spcBef>
               <a:spcAft>
-                <a:spcPts val="400"/>
+                <a:spcPts val="200"/>
               </a:spcAft>
               <a:buClr>
                 <a:schemeClr val="accent1"/>
               </a:buClr>
+              <a:buSzPct val="100000"/>
               <a:buFont typeface="Wingdings" panose="05000000000000000000" pitchFamily="2" charset="2"/>
               <a:buChar char="Ø"/>
             </a:pPr>
             <a:r>
-              <a:rPr lang="tr-TR" b="1" dirty="0">
+              <a:rPr lang="tr-TR" sz="1900" dirty="0">
                 <a:solidFill>
                   <a:schemeClr val="tx1">
                     <a:lumMod val="75000"/>
@@ -10690,7 +9129,7 @@
               </a:rPr>
               <a:t>Cells -&gt; phagocyte</a:t>
             </a:r>
-            <a:endParaRPr lang="en-US" b="1" dirty="0">
+            <a:endParaRPr lang="en-US" sz="1900" dirty="0">
               <a:solidFill>
                 <a:schemeClr val="tx1">
                   <a:lumMod val="75000"/>
@@ -10700,21 +9139,25 @@
             </a:endParaRPr>
           </a:p>
           <a:p>
-            <a:pPr marL="560070" lvl="1" indent="-285750" defTabSz="914400">
+            <a:pPr marL="91440" lvl="1" indent="-91440" defTabSz="914400">
+              <a:lnSpc>
+                <a:spcPct val="70000"/>
+              </a:lnSpc>
               <a:spcBef>
-                <a:spcPts val="200"/>
+                <a:spcPts val="1200"/>
               </a:spcBef>
               <a:spcAft>
-                <a:spcPts val="400"/>
+                <a:spcPts val="200"/>
               </a:spcAft>
               <a:buClr>
                 <a:schemeClr val="accent1"/>
               </a:buClr>
+              <a:buSzPct val="100000"/>
               <a:buFont typeface="Wingdings" panose="05000000000000000000" pitchFamily="2" charset="2"/>
               <a:buChar char="Ø"/>
             </a:pPr>
             <a:r>
-              <a:rPr lang="tr-TR" b="1" dirty="0">
+              <a:rPr lang="tr-TR" sz="1900" dirty="0">
                 <a:solidFill>
                   <a:schemeClr val="tx1">
                     <a:lumMod val="75000"/>
@@ -10724,7 +9167,7 @@
               </a:rPr>
               <a:t>..cytic -&gt; nutrient broth</a:t>
             </a:r>
-            <a:endParaRPr lang="en-US" b="1" dirty="0">
+            <a:endParaRPr lang="en-US" sz="1900" dirty="0">
               <a:solidFill>
                 <a:schemeClr val="tx1">
                   <a:lumMod val="75000"/>
@@ -10816,8 +9259,8 @@
         </p:nvSpPr>
         <p:spPr>
           <a:xfrm>
-            <a:off x="6292518" y="1965019"/>
-            <a:ext cx="4319336" cy="1631216"/>
+            <a:off x="6292519" y="2685014"/>
+            <a:ext cx="4319336" cy="1487971"/>
           </a:xfrm>
           <a:prstGeom prst="rect">
             <a:avLst/>
@@ -10830,21 +9273,25 @@
           </a:bodyPr>
           <a:lstStyle/>
           <a:p>
-            <a:pPr marL="285750" indent="-285750" defTabSz="914400">
+            <a:pPr marL="91440" indent="-91440" defTabSz="914400">
+              <a:lnSpc>
+                <a:spcPct val="70000"/>
+              </a:lnSpc>
               <a:spcBef>
-                <a:spcPts val="200"/>
+                <a:spcPts val="1200"/>
               </a:spcBef>
               <a:spcAft>
-                <a:spcPts val="400"/>
+                <a:spcPts val="200"/>
               </a:spcAft>
               <a:buClr>
                 <a:schemeClr val="accent1"/>
               </a:buClr>
+              <a:buSzPct val="100000"/>
               <a:buFont typeface="Wingdings" panose="05000000000000000000" pitchFamily="2" charset="2"/>
               <a:buChar char="Ø"/>
             </a:pPr>
             <a:r>
-              <a:rPr lang="tr-TR" b="1" dirty="0">
+              <a:rPr lang="tr-TR" sz="1900" dirty="0">
                 <a:solidFill>
                   <a:schemeClr val="tx1">
                     <a:lumMod val="75000"/>
@@ -10856,19 +9303,24 @@
             </a:r>
           </a:p>
           <a:p>
-            <a:pPr defTabSz="914400">
+            <a:pPr marL="91440" indent="-91440" defTabSz="914400">
+              <a:lnSpc>
+                <a:spcPct val="70000"/>
+              </a:lnSpc>
               <a:spcBef>
-                <a:spcPts val="200"/>
+                <a:spcPts val="1200"/>
               </a:spcBef>
               <a:spcAft>
-                <a:spcPts val="400"/>
+                <a:spcPts val="200"/>
               </a:spcAft>
               <a:buClr>
                 <a:schemeClr val="accent1"/>
               </a:buClr>
+              <a:buSzPct val="100000"/>
               <a:buFont typeface="Wingdings" panose="05000000000000000000" pitchFamily="2" charset="2"/>
+              <a:buChar char="Ø"/>
             </a:pPr>
-            <a:endParaRPr lang="tr-TR" b="1" dirty="0">
+            <a:endParaRPr lang="tr-TR" sz="1900" dirty="0">
               <a:solidFill>
                 <a:schemeClr val="tx1">
                   <a:lumMod val="75000"/>
@@ -10878,21 +9330,25 @@
             </a:endParaRPr>
           </a:p>
           <a:p>
-            <a:pPr marL="285750" indent="-285750" defTabSz="914400">
+            <a:pPr marL="91440" indent="-91440" defTabSz="914400">
+              <a:lnSpc>
+                <a:spcPct val="70000"/>
+              </a:lnSpc>
               <a:spcBef>
-                <a:spcPts val="200"/>
+                <a:spcPts val="1200"/>
               </a:spcBef>
               <a:spcAft>
-                <a:spcPts val="400"/>
+                <a:spcPts val="200"/>
               </a:spcAft>
               <a:buClr>
                 <a:schemeClr val="accent1"/>
               </a:buClr>
+              <a:buSzPct val="100000"/>
               <a:buFont typeface="Wingdings" panose="05000000000000000000" pitchFamily="2" charset="2"/>
               <a:buChar char="Ø"/>
             </a:pPr>
             <a:r>
-              <a:rPr lang="tr-TR" b="1" dirty="0">
+              <a:rPr lang="tr-TR" sz="1900" dirty="0">
                 <a:solidFill>
                   <a:schemeClr val="tx1">
                     <a:lumMod val="75000"/>
@@ -10902,7 +9358,7 @@
               </a:rPr>
               <a:t>Associates certain words to certain entities</a:t>
             </a:r>
-            <a:endParaRPr lang="en-US" b="1" dirty="0">
+            <a:endParaRPr lang="en-US" sz="1900" dirty="0">
               <a:solidFill>
                 <a:schemeClr val="tx1">
                   <a:lumMod val="75000"/>
@@ -10927,10 +9383,15 @@
           </p:cNvGraphicFramePr>
           <p:nvPr>
             <p:ph idx="1"/>
+            <p:extLst>
+              <p:ext uri="{D42A27DB-BD31-4B8C-83A1-F6EECF244321}">
+                <p14:modId xmlns:p14="http://schemas.microsoft.com/office/powerpoint/2010/main" val="1810853334"/>
+              </p:ext>
+            </p:extLst>
           </p:nvPr>
         </p:nvGraphicFramePr>
         <p:xfrm>
-          <a:off x="1246022" y="1965019"/>
+          <a:off x="1246021" y="2394585"/>
           <a:ext cx="4653462" cy="2068830"/>
         </p:xfrm>
         <a:graphic>
@@ -11390,7 +9851,7 @@
                     <a:p>
                       <a:pPr algn="l" fontAlgn="b"/>
                       <a:r>
-                        <a:rPr lang="en-US" sz="1100" b="0" i="0" u="none" strike="noStrike">
+                        <a:rPr lang="en-US" sz="1100" b="0" i="0" u="none" strike="noStrike" dirty="0">
                           <a:solidFill>
                             <a:srgbClr val="000000"/>
                           </a:solidFill>
@@ -12794,7 +11255,7 @@
         <p:spPr>
           <a:xfrm>
             <a:off x="6328612" y="2943724"/>
-            <a:ext cx="4827068" cy="2236510"/>
+            <a:ext cx="4827068" cy="1959511"/>
           </a:xfrm>
           <a:prstGeom prst="rect">
             <a:avLst/>
@@ -12807,21 +11268,25 @@
           </a:bodyPr>
           <a:lstStyle/>
           <a:p>
-            <a:pPr marL="285750" indent="-285750" defTabSz="914400">
+            <a:pPr marL="91440" indent="-91440" defTabSz="914400">
+              <a:lnSpc>
+                <a:spcPct val="70000"/>
+              </a:lnSpc>
               <a:spcBef>
-                <a:spcPts val="200"/>
+                <a:spcPts val="1200"/>
               </a:spcBef>
               <a:spcAft>
-                <a:spcPts val="400"/>
+                <a:spcPts val="200"/>
               </a:spcAft>
               <a:buClr>
                 <a:schemeClr val="accent1"/>
               </a:buClr>
+              <a:buSzPct val="100000"/>
               <a:buFont typeface="Wingdings" panose="05000000000000000000" pitchFamily="2" charset="2"/>
               <a:buChar char="Ø"/>
             </a:pPr>
             <a:r>
-              <a:rPr lang="tr-TR" b="1" dirty="0">
+              <a:rPr lang="en-US" sz="1900" dirty="0">
                 <a:solidFill>
                   <a:schemeClr val="tx1">
                     <a:lumMod val="75000"/>
@@ -12829,9 +11294,42 @@
                   </a:schemeClr>
                 </a:solidFill>
               </a:rPr>
-              <a:t>Part of speech tagging can be applied to first sentence for morphological analysis.</a:t>
-            </a:r>
-            <a:endParaRPr lang="tr-TR" altLang="en-US" b="1" dirty="0">
+              <a:t>Lack of </a:t>
+            </a:r>
+            <a:r>
+              <a:rPr lang="tr-TR" sz="1900" dirty="0">
+                <a:solidFill>
+                  <a:schemeClr val="tx1">
+                    <a:lumMod val="75000"/>
+                    <a:lumOff val="25000"/>
+                  </a:schemeClr>
+                </a:solidFill>
+              </a:rPr>
+              <a:t>Part of </a:t>
+            </a:r>
+            <a:r>
+              <a:rPr lang="en-US" sz="1900" dirty="0">
+                <a:solidFill>
+                  <a:schemeClr val="tx1">
+                    <a:lumMod val="75000"/>
+                    <a:lumOff val="25000"/>
+                  </a:schemeClr>
+                </a:solidFill>
+              </a:rPr>
+              <a:t>S</a:t>
+            </a:r>
+            <a:r>
+              <a:rPr lang="tr-TR" sz="1900" dirty="0">
+                <a:solidFill>
+                  <a:schemeClr val="tx1">
+                    <a:lumMod val="75000"/>
+                    <a:lumOff val="25000"/>
+                  </a:schemeClr>
+                </a:solidFill>
+              </a:rPr>
+              <a:t>peech tagging</a:t>
+            </a:r>
+            <a:endParaRPr lang="tr-TR" altLang="en-US" sz="1900" dirty="0">
               <a:solidFill>
                 <a:schemeClr val="tx1">
                   <a:lumMod val="75000"/>
@@ -12841,19 +11339,24 @@
             </a:endParaRPr>
           </a:p>
           <a:p>
-            <a:pPr defTabSz="914400">
+            <a:pPr marL="91440" indent="-91440" defTabSz="914400">
+              <a:lnSpc>
+                <a:spcPct val="70000"/>
+              </a:lnSpc>
               <a:spcBef>
-                <a:spcPts val="200"/>
+                <a:spcPts val="1200"/>
               </a:spcBef>
               <a:spcAft>
-                <a:spcPts val="400"/>
+                <a:spcPts val="200"/>
               </a:spcAft>
               <a:buClr>
                 <a:schemeClr val="accent1"/>
               </a:buClr>
+              <a:buSzPct val="100000"/>
               <a:buFont typeface="Wingdings" panose="05000000000000000000" pitchFamily="2" charset="2"/>
+              <a:buChar char="Ø"/>
             </a:pPr>
-            <a:endParaRPr lang="tr-TR" altLang="en-US" b="1" dirty="0">
+            <a:endParaRPr lang="tr-TR" altLang="en-US" sz="1900" dirty="0">
               <a:solidFill>
                 <a:schemeClr val="tx1">
                   <a:lumMod val="75000"/>
@@ -12863,21 +11366,25 @@
             </a:endParaRPr>
           </a:p>
           <a:p>
-            <a:pPr marL="285750" indent="-285750" defTabSz="914400">
+            <a:pPr marL="91440" indent="-91440" defTabSz="914400">
+              <a:lnSpc>
+                <a:spcPct val="70000"/>
+              </a:lnSpc>
               <a:spcBef>
-                <a:spcPts val="200"/>
+                <a:spcPts val="1200"/>
               </a:spcBef>
               <a:spcAft>
-                <a:spcPts val="400"/>
+                <a:spcPts val="200"/>
               </a:spcAft>
               <a:buClr>
                 <a:schemeClr val="accent1"/>
               </a:buClr>
+              <a:buSzPct val="100000"/>
               <a:buFont typeface="Wingdings" panose="05000000000000000000" pitchFamily="2" charset="2"/>
               <a:buChar char="Ø"/>
             </a:pPr>
             <a:r>
-              <a:rPr lang="tr-TR" altLang="en-US" b="1" dirty="0">
+              <a:rPr lang="en-US" altLang="en-US" sz="1900" dirty="0">
                 <a:solidFill>
                   <a:schemeClr val="tx1">
                     <a:lumMod val="75000"/>
@@ -12885,7 +11392,18 @@
                   </a:schemeClr>
                 </a:solidFill>
               </a:rPr>
-              <a:t>Sentence is split into phrases.</a:t>
+              <a:t>Lack of</a:t>
+            </a:r>
+            <a:r>
+              <a:rPr lang="tr-TR" altLang="en-US" sz="1900" dirty="0">
+                <a:solidFill>
+                  <a:schemeClr val="tx1">
+                    <a:lumMod val="75000"/>
+                    <a:lumOff val="25000"/>
+                  </a:schemeClr>
+                </a:solidFill>
+              </a:rPr>
+              <a:t> phrases</a:t>
             </a:r>
           </a:p>
           <a:p>
@@ -13383,4 +11901,47 @@
     </a:ext>
   </a:extLst>
 </a:theme>
+</file>
+
+<file path=ppt/theme/themeOverride1.xml><?xml version="1.0" encoding="utf-8"?>
+<a:themeOverride xmlns:a="http://schemas.openxmlformats.org/drawingml/2006/main">
+  <a:clrScheme name="Retrospect">
+    <a:dk1>
+      <a:srgbClr val="000000"/>
+    </a:dk1>
+    <a:lt1>
+      <a:sysClr val="window" lastClr="FFFFFF"/>
+    </a:lt1>
+    <a:dk2>
+      <a:srgbClr val="637052"/>
+    </a:dk2>
+    <a:lt2>
+      <a:srgbClr val="CCDDEA"/>
+    </a:lt2>
+    <a:accent1>
+      <a:srgbClr val="E48312"/>
+    </a:accent1>
+    <a:accent2>
+      <a:srgbClr val="BD582C"/>
+    </a:accent2>
+    <a:accent3>
+      <a:srgbClr val="865640"/>
+    </a:accent3>
+    <a:accent4>
+      <a:srgbClr val="9B8357"/>
+    </a:accent4>
+    <a:accent5>
+      <a:srgbClr val="C2BC80"/>
+    </a:accent5>
+    <a:accent6>
+      <a:srgbClr val="94A088"/>
+    </a:accent6>
+    <a:hlink>
+      <a:srgbClr val="2998E3"/>
+    </a:hlink>
+    <a:folHlink>
+      <a:srgbClr val="8C8C8C"/>
+    </a:folHlink>
+  </a:clrScheme>
+</a:themeOverride>
 </file>